--- a/01 Classes/Aula 05 - Aplicação Cloud Indústria 40 Python IoT Plataforma Nodemcu.pptx
+++ b/01 Classes/Aula 05 - Aplicação Cloud Indústria 40 Python IoT Plataforma Nodemcu.pptx
@@ -5,17 +5,33 @@
     <p:sldMasterId id="2147483648" r:id="rId1"/>
   </p:sldMasterIdLst>
   <p:notesMasterIdLst>
-    <p:notesMasterId r:id="rId10"/>
+    <p:notesMasterId r:id="rId26"/>
   </p:notesMasterIdLst>
   <p:sldIdLst>
     <p:sldId id="256" r:id="rId2"/>
     <p:sldId id="291" r:id="rId3"/>
     <p:sldId id="346" r:id="rId4"/>
-    <p:sldId id="333" r:id="rId5"/>
-    <p:sldId id="323" r:id="rId6"/>
-    <p:sldId id="345" r:id="rId7"/>
-    <p:sldId id="337" r:id="rId8"/>
-    <p:sldId id="309" r:id="rId9"/>
+    <p:sldId id="347" r:id="rId5"/>
+    <p:sldId id="349" r:id="rId6"/>
+    <p:sldId id="348" r:id="rId7"/>
+    <p:sldId id="350" r:id="rId8"/>
+    <p:sldId id="352" r:id="rId9"/>
+    <p:sldId id="351" r:id="rId10"/>
+    <p:sldId id="353" r:id="rId11"/>
+    <p:sldId id="354" r:id="rId12"/>
+    <p:sldId id="355" r:id="rId13"/>
+    <p:sldId id="357" r:id="rId14"/>
+    <p:sldId id="361" r:id="rId15"/>
+    <p:sldId id="358" r:id="rId16"/>
+    <p:sldId id="359" r:id="rId17"/>
+    <p:sldId id="360" r:id="rId18"/>
+    <p:sldId id="356" r:id="rId19"/>
+    <p:sldId id="362" r:id="rId20"/>
+    <p:sldId id="333" r:id="rId21"/>
+    <p:sldId id="323" r:id="rId22"/>
+    <p:sldId id="345" r:id="rId23"/>
+    <p:sldId id="337" r:id="rId24"/>
+    <p:sldId id="309" r:id="rId25"/>
   </p:sldIdLst>
   <p:sldSz cx="9144000" cy="5143500" type="screen16x9"/>
   <p:notesSz cx="6858000" cy="9144000"/>
@@ -562,6 +578,666 @@
 </p:notes>
 </file>
 
+<file path=ppt/notesSlides/notesSlide10.xml><?xml version="1.0" encoding="utf-8"?>
+<p:notes xmlns:a="http://schemas.openxmlformats.org/drawingml/2006/main" xmlns:r="http://schemas.openxmlformats.org/officeDocument/2006/relationships" xmlns:p="http://schemas.openxmlformats.org/presentationml/2006/main">
+  <p:cSld>
+    <p:spTree>
+      <p:nvGrpSpPr>
+        <p:cNvPr id="1" name=""/>
+        <p:cNvGrpSpPr/>
+        <p:nvPr/>
+      </p:nvGrpSpPr>
+      <p:grpSpPr>
+        <a:xfrm>
+          <a:off x="0" y="0"/>
+          <a:ext cx="0" cy="0"/>
+          <a:chOff x="0" y="0"/>
+          <a:chExt cx="0" cy="0"/>
+        </a:xfrm>
+      </p:grpSpPr>
+      <p:sp>
+        <p:nvSpPr>
+          <p:cNvPr id="2" name="Espaço Reservado para Imagem de Slide 1"/>
+          <p:cNvSpPr>
+            <a:spLocks noGrp="1" noRot="1" noChangeAspect="1"/>
+          </p:cNvSpPr>
+          <p:nvPr>
+            <p:ph type="sldImg"/>
+          </p:nvPr>
+        </p:nvSpPr>
+        <p:spPr>
+          <a:xfrm>
+            <a:off x="381000" y="685800"/>
+            <a:ext cx="6096000" cy="3429000"/>
+          </a:xfrm>
+        </p:spPr>
+      </p:sp>
+      <p:sp>
+        <p:nvSpPr>
+          <p:cNvPr id="3" name="Espaço Reservado para Anotações 2"/>
+          <p:cNvSpPr>
+            <a:spLocks noGrp="1"/>
+          </p:cNvSpPr>
+          <p:nvPr>
+            <p:ph type="body" idx="1"/>
+          </p:nvPr>
+        </p:nvSpPr>
+        <p:spPr/>
+        <p:txBody>
+          <a:bodyPr/>
+          <a:lstStyle/>
+          <a:p>
+            <a:endParaRPr lang="pt-BR" dirty="0"/>
+          </a:p>
+        </p:txBody>
+      </p:sp>
+    </p:spTree>
+    <p:extLst>
+      <p:ext uri="{BB962C8B-B14F-4D97-AF65-F5344CB8AC3E}">
+        <p14:creationId xmlns:p14="http://schemas.microsoft.com/office/powerpoint/2010/main" val="2554368994"/>
+      </p:ext>
+    </p:extLst>
+  </p:cSld>
+  <p:clrMapOvr>
+    <a:masterClrMapping/>
+  </p:clrMapOvr>
+</p:notes>
+</file>
+
+<file path=ppt/notesSlides/notesSlide11.xml><?xml version="1.0" encoding="utf-8"?>
+<p:notes xmlns:a="http://schemas.openxmlformats.org/drawingml/2006/main" xmlns:r="http://schemas.openxmlformats.org/officeDocument/2006/relationships" xmlns:p="http://schemas.openxmlformats.org/presentationml/2006/main">
+  <p:cSld>
+    <p:spTree>
+      <p:nvGrpSpPr>
+        <p:cNvPr id="1" name=""/>
+        <p:cNvGrpSpPr/>
+        <p:nvPr/>
+      </p:nvGrpSpPr>
+      <p:grpSpPr>
+        <a:xfrm>
+          <a:off x="0" y="0"/>
+          <a:ext cx="0" cy="0"/>
+          <a:chOff x="0" y="0"/>
+          <a:chExt cx="0" cy="0"/>
+        </a:xfrm>
+      </p:grpSpPr>
+      <p:sp>
+        <p:nvSpPr>
+          <p:cNvPr id="2" name="Espaço Reservado para Imagem de Slide 1"/>
+          <p:cNvSpPr>
+            <a:spLocks noGrp="1" noRot="1" noChangeAspect="1"/>
+          </p:cNvSpPr>
+          <p:nvPr>
+            <p:ph type="sldImg"/>
+          </p:nvPr>
+        </p:nvSpPr>
+        <p:spPr>
+          <a:xfrm>
+            <a:off x="381000" y="685800"/>
+            <a:ext cx="6096000" cy="3429000"/>
+          </a:xfrm>
+        </p:spPr>
+      </p:sp>
+      <p:sp>
+        <p:nvSpPr>
+          <p:cNvPr id="3" name="Espaço Reservado para Anotações 2"/>
+          <p:cNvSpPr>
+            <a:spLocks noGrp="1"/>
+          </p:cNvSpPr>
+          <p:nvPr>
+            <p:ph type="body" idx="1"/>
+          </p:nvPr>
+        </p:nvSpPr>
+        <p:spPr/>
+        <p:txBody>
+          <a:bodyPr/>
+          <a:lstStyle/>
+          <a:p>
+            <a:endParaRPr lang="pt-BR" dirty="0"/>
+          </a:p>
+        </p:txBody>
+      </p:sp>
+    </p:spTree>
+    <p:extLst>
+      <p:ext uri="{BB962C8B-B14F-4D97-AF65-F5344CB8AC3E}">
+        <p14:creationId xmlns:p14="http://schemas.microsoft.com/office/powerpoint/2010/main" val="3675627590"/>
+      </p:ext>
+    </p:extLst>
+  </p:cSld>
+  <p:clrMapOvr>
+    <a:masterClrMapping/>
+  </p:clrMapOvr>
+</p:notes>
+</file>
+
+<file path=ppt/notesSlides/notesSlide12.xml><?xml version="1.0" encoding="utf-8"?>
+<p:notes xmlns:a="http://schemas.openxmlformats.org/drawingml/2006/main" xmlns:r="http://schemas.openxmlformats.org/officeDocument/2006/relationships" xmlns:p="http://schemas.openxmlformats.org/presentationml/2006/main">
+  <p:cSld>
+    <p:spTree>
+      <p:nvGrpSpPr>
+        <p:cNvPr id="1" name=""/>
+        <p:cNvGrpSpPr/>
+        <p:nvPr/>
+      </p:nvGrpSpPr>
+      <p:grpSpPr>
+        <a:xfrm>
+          <a:off x="0" y="0"/>
+          <a:ext cx="0" cy="0"/>
+          <a:chOff x="0" y="0"/>
+          <a:chExt cx="0" cy="0"/>
+        </a:xfrm>
+      </p:grpSpPr>
+      <p:sp>
+        <p:nvSpPr>
+          <p:cNvPr id="2" name="Espaço Reservado para Imagem de Slide 1"/>
+          <p:cNvSpPr>
+            <a:spLocks noGrp="1" noRot="1" noChangeAspect="1"/>
+          </p:cNvSpPr>
+          <p:nvPr>
+            <p:ph type="sldImg"/>
+          </p:nvPr>
+        </p:nvSpPr>
+        <p:spPr>
+          <a:xfrm>
+            <a:off x="381000" y="685800"/>
+            <a:ext cx="6096000" cy="3429000"/>
+          </a:xfrm>
+        </p:spPr>
+      </p:sp>
+      <p:sp>
+        <p:nvSpPr>
+          <p:cNvPr id="3" name="Espaço Reservado para Anotações 2"/>
+          <p:cNvSpPr>
+            <a:spLocks noGrp="1"/>
+          </p:cNvSpPr>
+          <p:nvPr>
+            <p:ph type="body" idx="1"/>
+          </p:nvPr>
+        </p:nvSpPr>
+        <p:spPr/>
+        <p:txBody>
+          <a:bodyPr/>
+          <a:lstStyle/>
+          <a:p>
+            <a:endParaRPr lang="pt-BR" dirty="0"/>
+          </a:p>
+        </p:txBody>
+      </p:sp>
+    </p:spTree>
+    <p:extLst>
+      <p:ext uri="{BB962C8B-B14F-4D97-AF65-F5344CB8AC3E}">
+        <p14:creationId xmlns:p14="http://schemas.microsoft.com/office/powerpoint/2010/main" val="321247943"/>
+      </p:ext>
+    </p:extLst>
+  </p:cSld>
+  <p:clrMapOvr>
+    <a:masterClrMapping/>
+  </p:clrMapOvr>
+</p:notes>
+</file>
+
+<file path=ppt/notesSlides/notesSlide13.xml><?xml version="1.0" encoding="utf-8"?>
+<p:notes xmlns:a="http://schemas.openxmlformats.org/drawingml/2006/main" xmlns:r="http://schemas.openxmlformats.org/officeDocument/2006/relationships" xmlns:p="http://schemas.openxmlformats.org/presentationml/2006/main">
+  <p:cSld>
+    <p:spTree>
+      <p:nvGrpSpPr>
+        <p:cNvPr id="1" name=""/>
+        <p:cNvGrpSpPr/>
+        <p:nvPr/>
+      </p:nvGrpSpPr>
+      <p:grpSpPr>
+        <a:xfrm>
+          <a:off x="0" y="0"/>
+          <a:ext cx="0" cy="0"/>
+          <a:chOff x="0" y="0"/>
+          <a:chExt cx="0" cy="0"/>
+        </a:xfrm>
+      </p:grpSpPr>
+      <p:sp>
+        <p:nvSpPr>
+          <p:cNvPr id="2" name="Espaço Reservado para Imagem de Slide 1"/>
+          <p:cNvSpPr>
+            <a:spLocks noGrp="1" noRot="1" noChangeAspect="1"/>
+          </p:cNvSpPr>
+          <p:nvPr>
+            <p:ph type="sldImg"/>
+          </p:nvPr>
+        </p:nvSpPr>
+        <p:spPr>
+          <a:xfrm>
+            <a:off x="381000" y="685800"/>
+            <a:ext cx="6096000" cy="3429000"/>
+          </a:xfrm>
+        </p:spPr>
+      </p:sp>
+      <p:sp>
+        <p:nvSpPr>
+          <p:cNvPr id="3" name="Espaço Reservado para Anotações 2"/>
+          <p:cNvSpPr>
+            <a:spLocks noGrp="1"/>
+          </p:cNvSpPr>
+          <p:nvPr>
+            <p:ph type="body" idx="1"/>
+          </p:nvPr>
+        </p:nvSpPr>
+        <p:spPr/>
+        <p:txBody>
+          <a:bodyPr/>
+          <a:lstStyle/>
+          <a:p>
+            <a:endParaRPr lang="pt-BR" dirty="0"/>
+          </a:p>
+        </p:txBody>
+      </p:sp>
+    </p:spTree>
+    <p:extLst>
+      <p:ext uri="{BB962C8B-B14F-4D97-AF65-F5344CB8AC3E}">
+        <p14:creationId xmlns:p14="http://schemas.microsoft.com/office/powerpoint/2010/main" val="780778444"/>
+      </p:ext>
+    </p:extLst>
+  </p:cSld>
+  <p:clrMapOvr>
+    <a:masterClrMapping/>
+  </p:clrMapOvr>
+</p:notes>
+</file>
+
+<file path=ppt/notesSlides/notesSlide14.xml><?xml version="1.0" encoding="utf-8"?>
+<p:notes xmlns:a="http://schemas.openxmlformats.org/drawingml/2006/main" xmlns:r="http://schemas.openxmlformats.org/officeDocument/2006/relationships" xmlns:p="http://schemas.openxmlformats.org/presentationml/2006/main">
+  <p:cSld>
+    <p:spTree>
+      <p:nvGrpSpPr>
+        <p:cNvPr id="1" name=""/>
+        <p:cNvGrpSpPr/>
+        <p:nvPr/>
+      </p:nvGrpSpPr>
+      <p:grpSpPr>
+        <a:xfrm>
+          <a:off x="0" y="0"/>
+          <a:ext cx="0" cy="0"/>
+          <a:chOff x="0" y="0"/>
+          <a:chExt cx="0" cy="0"/>
+        </a:xfrm>
+      </p:grpSpPr>
+      <p:sp>
+        <p:nvSpPr>
+          <p:cNvPr id="2" name="Espaço Reservado para Imagem de Slide 1"/>
+          <p:cNvSpPr>
+            <a:spLocks noGrp="1" noRot="1" noChangeAspect="1"/>
+          </p:cNvSpPr>
+          <p:nvPr>
+            <p:ph type="sldImg"/>
+          </p:nvPr>
+        </p:nvSpPr>
+        <p:spPr>
+          <a:xfrm>
+            <a:off x="381000" y="685800"/>
+            <a:ext cx="6096000" cy="3429000"/>
+          </a:xfrm>
+        </p:spPr>
+      </p:sp>
+      <p:sp>
+        <p:nvSpPr>
+          <p:cNvPr id="3" name="Espaço Reservado para Anotações 2"/>
+          <p:cNvSpPr>
+            <a:spLocks noGrp="1"/>
+          </p:cNvSpPr>
+          <p:nvPr>
+            <p:ph type="body" idx="1"/>
+          </p:nvPr>
+        </p:nvSpPr>
+        <p:spPr/>
+        <p:txBody>
+          <a:bodyPr/>
+          <a:lstStyle/>
+          <a:p>
+            <a:endParaRPr lang="pt-BR" dirty="0"/>
+          </a:p>
+        </p:txBody>
+      </p:sp>
+    </p:spTree>
+    <p:extLst>
+      <p:ext uri="{BB962C8B-B14F-4D97-AF65-F5344CB8AC3E}">
+        <p14:creationId xmlns:p14="http://schemas.microsoft.com/office/powerpoint/2010/main" val="1966355321"/>
+      </p:ext>
+    </p:extLst>
+  </p:cSld>
+  <p:clrMapOvr>
+    <a:masterClrMapping/>
+  </p:clrMapOvr>
+</p:notes>
+</file>
+
+<file path=ppt/notesSlides/notesSlide15.xml><?xml version="1.0" encoding="utf-8"?>
+<p:notes xmlns:a="http://schemas.openxmlformats.org/drawingml/2006/main" xmlns:r="http://schemas.openxmlformats.org/officeDocument/2006/relationships" xmlns:p="http://schemas.openxmlformats.org/presentationml/2006/main">
+  <p:cSld>
+    <p:spTree>
+      <p:nvGrpSpPr>
+        <p:cNvPr id="1" name=""/>
+        <p:cNvGrpSpPr/>
+        <p:nvPr/>
+      </p:nvGrpSpPr>
+      <p:grpSpPr>
+        <a:xfrm>
+          <a:off x="0" y="0"/>
+          <a:ext cx="0" cy="0"/>
+          <a:chOff x="0" y="0"/>
+          <a:chExt cx="0" cy="0"/>
+        </a:xfrm>
+      </p:grpSpPr>
+      <p:sp>
+        <p:nvSpPr>
+          <p:cNvPr id="2" name="Espaço Reservado para Imagem de Slide 1"/>
+          <p:cNvSpPr>
+            <a:spLocks noGrp="1" noRot="1" noChangeAspect="1"/>
+          </p:cNvSpPr>
+          <p:nvPr>
+            <p:ph type="sldImg"/>
+          </p:nvPr>
+        </p:nvSpPr>
+        <p:spPr>
+          <a:xfrm>
+            <a:off x="381000" y="685800"/>
+            <a:ext cx="6096000" cy="3429000"/>
+          </a:xfrm>
+        </p:spPr>
+      </p:sp>
+      <p:sp>
+        <p:nvSpPr>
+          <p:cNvPr id="3" name="Espaço Reservado para Anotações 2"/>
+          <p:cNvSpPr>
+            <a:spLocks noGrp="1"/>
+          </p:cNvSpPr>
+          <p:nvPr>
+            <p:ph type="body" idx="1"/>
+          </p:nvPr>
+        </p:nvSpPr>
+        <p:spPr/>
+        <p:txBody>
+          <a:bodyPr/>
+          <a:lstStyle/>
+          <a:p>
+            <a:endParaRPr lang="pt-BR" dirty="0"/>
+          </a:p>
+        </p:txBody>
+      </p:sp>
+    </p:spTree>
+    <p:extLst>
+      <p:ext uri="{BB962C8B-B14F-4D97-AF65-F5344CB8AC3E}">
+        <p14:creationId xmlns:p14="http://schemas.microsoft.com/office/powerpoint/2010/main" val="3890791987"/>
+      </p:ext>
+    </p:extLst>
+  </p:cSld>
+  <p:clrMapOvr>
+    <a:masterClrMapping/>
+  </p:clrMapOvr>
+</p:notes>
+</file>
+
+<file path=ppt/notesSlides/notesSlide16.xml><?xml version="1.0" encoding="utf-8"?>
+<p:notes xmlns:a="http://schemas.openxmlformats.org/drawingml/2006/main" xmlns:r="http://schemas.openxmlformats.org/officeDocument/2006/relationships" xmlns:p="http://schemas.openxmlformats.org/presentationml/2006/main">
+  <p:cSld>
+    <p:spTree>
+      <p:nvGrpSpPr>
+        <p:cNvPr id="1" name=""/>
+        <p:cNvGrpSpPr/>
+        <p:nvPr/>
+      </p:nvGrpSpPr>
+      <p:grpSpPr>
+        <a:xfrm>
+          <a:off x="0" y="0"/>
+          <a:ext cx="0" cy="0"/>
+          <a:chOff x="0" y="0"/>
+          <a:chExt cx="0" cy="0"/>
+        </a:xfrm>
+      </p:grpSpPr>
+      <p:sp>
+        <p:nvSpPr>
+          <p:cNvPr id="2" name="Espaço Reservado para Imagem de Slide 1"/>
+          <p:cNvSpPr>
+            <a:spLocks noGrp="1" noRot="1" noChangeAspect="1"/>
+          </p:cNvSpPr>
+          <p:nvPr>
+            <p:ph type="sldImg"/>
+          </p:nvPr>
+        </p:nvSpPr>
+        <p:spPr>
+          <a:xfrm>
+            <a:off x="381000" y="685800"/>
+            <a:ext cx="6096000" cy="3429000"/>
+          </a:xfrm>
+        </p:spPr>
+      </p:sp>
+      <p:sp>
+        <p:nvSpPr>
+          <p:cNvPr id="3" name="Espaço Reservado para Anotações 2"/>
+          <p:cNvSpPr>
+            <a:spLocks noGrp="1"/>
+          </p:cNvSpPr>
+          <p:nvPr>
+            <p:ph type="body" idx="1"/>
+          </p:nvPr>
+        </p:nvSpPr>
+        <p:spPr/>
+        <p:txBody>
+          <a:bodyPr/>
+          <a:lstStyle/>
+          <a:p>
+            <a:endParaRPr lang="pt-BR" dirty="0"/>
+          </a:p>
+        </p:txBody>
+      </p:sp>
+    </p:spTree>
+    <p:extLst>
+      <p:ext uri="{BB962C8B-B14F-4D97-AF65-F5344CB8AC3E}">
+        <p14:creationId xmlns:p14="http://schemas.microsoft.com/office/powerpoint/2010/main" val="757905839"/>
+      </p:ext>
+    </p:extLst>
+  </p:cSld>
+  <p:clrMapOvr>
+    <a:masterClrMapping/>
+  </p:clrMapOvr>
+</p:notes>
+</file>
+
+<file path=ppt/notesSlides/notesSlide17.xml><?xml version="1.0" encoding="utf-8"?>
+<p:notes xmlns:a="http://schemas.openxmlformats.org/drawingml/2006/main" xmlns:r="http://schemas.openxmlformats.org/officeDocument/2006/relationships" xmlns:p="http://schemas.openxmlformats.org/presentationml/2006/main">
+  <p:cSld>
+    <p:spTree>
+      <p:nvGrpSpPr>
+        <p:cNvPr id="1" name=""/>
+        <p:cNvGrpSpPr/>
+        <p:nvPr/>
+      </p:nvGrpSpPr>
+      <p:grpSpPr>
+        <a:xfrm>
+          <a:off x="0" y="0"/>
+          <a:ext cx="0" cy="0"/>
+          <a:chOff x="0" y="0"/>
+          <a:chExt cx="0" cy="0"/>
+        </a:xfrm>
+      </p:grpSpPr>
+      <p:sp>
+        <p:nvSpPr>
+          <p:cNvPr id="2" name="Espaço Reservado para Imagem de Slide 1"/>
+          <p:cNvSpPr>
+            <a:spLocks noGrp="1" noRot="1" noChangeAspect="1"/>
+          </p:cNvSpPr>
+          <p:nvPr>
+            <p:ph type="sldImg"/>
+          </p:nvPr>
+        </p:nvSpPr>
+        <p:spPr>
+          <a:xfrm>
+            <a:off x="381000" y="685800"/>
+            <a:ext cx="6096000" cy="3429000"/>
+          </a:xfrm>
+        </p:spPr>
+      </p:sp>
+      <p:sp>
+        <p:nvSpPr>
+          <p:cNvPr id="3" name="Espaço Reservado para Anotações 2"/>
+          <p:cNvSpPr>
+            <a:spLocks noGrp="1"/>
+          </p:cNvSpPr>
+          <p:nvPr>
+            <p:ph type="body" idx="1"/>
+          </p:nvPr>
+        </p:nvSpPr>
+        <p:spPr/>
+        <p:txBody>
+          <a:bodyPr/>
+          <a:lstStyle/>
+          <a:p>
+            <a:endParaRPr lang="pt-BR" dirty="0"/>
+          </a:p>
+        </p:txBody>
+      </p:sp>
+    </p:spTree>
+    <p:extLst>
+      <p:ext uri="{BB962C8B-B14F-4D97-AF65-F5344CB8AC3E}">
+        <p14:creationId xmlns:p14="http://schemas.microsoft.com/office/powerpoint/2010/main" val="2175787880"/>
+      </p:ext>
+    </p:extLst>
+  </p:cSld>
+  <p:clrMapOvr>
+    <a:masterClrMapping/>
+  </p:clrMapOvr>
+</p:notes>
+</file>
+
+<file path=ppt/notesSlides/notesSlide18.xml><?xml version="1.0" encoding="utf-8"?>
+<p:notes xmlns:a="http://schemas.openxmlformats.org/drawingml/2006/main" xmlns:r="http://schemas.openxmlformats.org/officeDocument/2006/relationships" xmlns:p="http://schemas.openxmlformats.org/presentationml/2006/main">
+  <p:cSld>
+    <p:spTree>
+      <p:nvGrpSpPr>
+        <p:cNvPr id="1" name=""/>
+        <p:cNvGrpSpPr/>
+        <p:nvPr/>
+      </p:nvGrpSpPr>
+      <p:grpSpPr>
+        <a:xfrm>
+          <a:off x="0" y="0"/>
+          <a:ext cx="0" cy="0"/>
+          <a:chOff x="0" y="0"/>
+          <a:chExt cx="0" cy="0"/>
+        </a:xfrm>
+      </p:grpSpPr>
+      <p:sp>
+        <p:nvSpPr>
+          <p:cNvPr id="2" name="Espaço Reservado para Imagem de Slide 1"/>
+          <p:cNvSpPr>
+            <a:spLocks noGrp="1" noRot="1" noChangeAspect="1"/>
+          </p:cNvSpPr>
+          <p:nvPr>
+            <p:ph type="sldImg"/>
+          </p:nvPr>
+        </p:nvSpPr>
+        <p:spPr>
+          <a:xfrm>
+            <a:off x="381000" y="685800"/>
+            <a:ext cx="6096000" cy="3429000"/>
+          </a:xfrm>
+        </p:spPr>
+      </p:sp>
+      <p:sp>
+        <p:nvSpPr>
+          <p:cNvPr id="3" name="Espaço Reservado para Anotações 2"/>
+          <p:cNvSpPr>
+            <a:spLocks noGrp="1"/>
+          </p:cNvSpPr>
+          <p:nvPr>
+            <p:ph type="body" idx="1"/>
+          </p:nvPr>
+        </p:nvSpPr>
+        <p:spPr/>
+        <p:txBody>
+          <a:bodyPr/>
+          <a:lstStyle/>
+          <a:p>
+            <a:endParaRPr lang="pt-BR" dirty="0"/>
+          </a:p>
+        </p:txBody>
+      </p:sp>
+    </p:spTree>
+    <p:extLst>
+      <p:ext uri="{BB962C8B-B14F-4D97-AF65-F5344CB8AC3E}">
+        <p14:creationId xmlns:p14="http://schemas.microsoft.com/office/powerpoint/2010/main" val="120515491"/>
+      </p:ext>
+    </p:extLst>
+  </p:cSld>
+  <p:clrMapOvr>
+    <a:masterClrMapping/>
+  </p:clrMapOvr>
+</p:notes>
+</file>
+
+<file path=ppt/notesSlides/notesSlide19.xml><?xml version="1.0" encoding="utf-8"?>
+<p:notes xmlns:a="http://schemas.openxmlformats.org/drawingml/2006/main" xmlns:r="http://schemas.openxmlformats.org/officeDocument/2006/relationships" xmlns:p="http://schemas.openxmlformats.org/presentationml/2006/main">
+  <p:cSld>
+    <p:spTree>
+      <p:nvGrpSpPr>
+        <p:cNvPr id="1" name=""/>
+        <p:cNvGrpSpPr/>
+        <p:nvPr/>
+      </p:nvGrpSpPr>
+      <p:grpSpPr>
+        <a:xfrm>
+          <a:off x="0" y="0"/>
+          <a:ext cx="0" cy="0"/>
+          <a:chOff x="0" y="0"/>
+          <a:chExt cx="0" cy="0"/>
+        </a:xfrm>
+      </p:grpSpPr>
+      <p:sp>
+        <p:nvSpPr>
+          <p:cNvPr id="2" name="Espaço Reservado para Imagem de Slide 1"/>
+          <p:cNvSpPr>
+            <a:spLocks noGrp="1" noRot="1" noChangeAspect="1"/>
+          </p:cNvSpPr>
+          <p:nvPr>
+            <p:ph type="sldImg"/>
+          </p:nvPr>
+        </p:nvSpPr>
+        <p:spPr>
+          <a:xfrm>
+            <a:off x="381000" y="685800"/>
+            <a:ext cx="6096000" cy="3429000"/>
+          </a:xfrm>
+        </p:spPr>
+      </p:sp>
+      <p:sp>
+        <p:nvSpPr>
+          <p:cNvPr id="3" name="Espaço Reservado para Anotações 2"/>
+          <p:cNvSpPr>
+            <a:spLocks noGrp="1"/>
+          </p:cNvSpPr>
+          <p:nvPr>
+            <p:ph type="body" idx="1"/>
+          </p:nvPr>
+        </p:nvSpPr>
+        <p:spPr/>
+        <p:txBody>
+          <a:bodyPr/>
+          <a:lstStyle/>
+          <a:p>
+            <a:endParaRPr lang="pt-BR" dirty="0"/>
+          </a:p>
+        </p:txBody>
+      </p:sp>
+    </p:spTree>
+    <p:extLst>
+      <p:ext uri="{BB962C8B-B14F-4D97-AF65-F5344CB8AC3E}">
+        <p14:creationId xmlns:p14="http://schemas.microsoft.com/office/powerpoint/2010/main" val="585304384"/>
+      </p:ext>
+    </p:extLst>
+  </p:cSld>
+  <p:clrMapOvr>
+    <a:masterClrMapping/>
+  </p:clrMapOvr>
+</p:notes>
+</file>
+
 <file path=ppt/notesSlides/notesSlide2.xml><?xml version="1.0" encoding="utf-8"?>
 <p:notes xmlns:a="http://schemas.openxmlformats.org/drawingml/2006/main" xmlns:r="http://schemas.openxmlformats.org/officeDocument/2006/relationships" xmlns:p="http://schemas.openxmlformats.org/presentationml/2006/main">
   <p:cSld>
@@ -619,6 +1295,204 @@
     <p:extLst>
       <p:ext uri="{BB962C8B-B14F-4D97-AF65-F5344CB8AC3E}">
         <p14:creationId xmlns:p14="http://schemas.microsoft.com/office/powerpoint/2010/main" val="4130118009"/>
+      </p:ext>
+    </p:extLst>
+  </p:cSld>
+  <p:clrMapOvr>
+    <a:masterClrMapping/>
+  </p:clrMapOvr>
+</p:notes>
+</file>
+
+<file path=ppt/notesSlides/notesSlide20.xml><?xml version="1.0" encoding="utf-8"?>
+<p:notes xmlns:a="http://schemas.openxmlformats.org/drawingml/2006/main" xmlns:r="http://schemas.openxmlformats.org/officeDocument/2006/relationships" xmlns:p="http://schemas.openxmlformats.org/presentationml/2006/main">
+  <p:cSld>
+    <p:spTree>
+      <p:nvGrpSpPr>
+        <p:cNvPr id="1" name=""/>
+        <p:cNvGrpSpPr/>
+        <p:nvPr/>
+      </p:nvGrpSpPr>
+      <p:grpSpPr>
+        <a:xfrm>
+          <a:off x="0" y="0"/>
+          <a:ext cx="0" cy="0"/>
+          <a:chOff x="0" y="0"/>
+          <a:chExt cx="0" cy="0"/>
+        </a:xfrm>
+      </p:grpSpPr>
+      <p:sp>
+        <p:nvSpPr>
+          <p:cNvPr id="2" name="Espaço Reservado para Imagem de Slide 1"/>
+          <p:cNvSpPr>
+            <a:spLocks noGrp="1" noRot="1" noChangeAspect="1"/>
+          </p:cNvSpPr>
+          <p:nvPr>
+            <p:ph type="sldImg"/>
+          </p:nvPr>
+        </p:nvSpPr>
+        <p:spPr>
+          <a:xfrm>
+            <a:off x="381000" y="685800"/>
+            <a:ext cx="6096000" cy="3429000"/>
+          </a:xfrm>
+        </p:spPr>
+      </p:sp>
+      <p:sp>
+        <p:nvSpPr>
+          <p:cNvPr id="3" name="Espaço Reservado para Anotações 2"/>
+          <p:cNvSpPr>
+            <a:spLocks noGrp="1"/>
+          </p:cNvSpPr>
+          <p:nvPr>
+            <p:ph type="body" idx="1"/>
+          </p:nvPr>
+        </p:nvSpPr>
+        <p:spPr/>
+        <p:txBody>
+          <a:bodyPr/>
+          <a:lstStyle/>
+          <a:p>
+            <a:endParaRPr lang="pt-BR" dirty="0"/>
+          </a:p>
+        </p:txBody>
+      </p:sp>
+    </p:spTree>
+    <p:extLst>
+      <p:ext uri="{BB962C8B-B14F-4D97-AF65-F5344CB8AC3E}">
+        <p14:creationId xmlns:p14="http://schemas.microsoft.com/office/powerpoint/2010/main" val="2709569597"/>
+      </p:ext>
+    </p:extLst>
+  </p:cSld>
+  <p:clrMapOvr>
+    <a:masterClrMapping/>
+  </p:clrMapOvr>
+</p:notes>
+</file>
+
+<file path=ppt/notesSlides/notesSlide21.xml><?xml version="1.0" encoding="utf-8"?>
+<p:notes xmlns:a="http://schemas.openxmlformats.org/drawingml/2006/main" xmlns:r="http://schemas.openxmlformats.org/officeDocument/2006/relationships" xmlns:p="http://schemas.openxmlformats.org/presentationml/2006/main">
+  <p:cSld>
+    <p:spTree>
+      <p:nvGrpSpPr>
+        <p:cNvPr id="1" name=""/>
+        <p:cNvGrpSpPr/>
+        <p:nvPr/>
+      </p:nvGrpSpPr>
+      <p:grpSpPr>
+        <a:xfrm>
+          <a:off x="0" y="0"/>
+          <a:ext cx="0" cy="0"/>
+          <a:chOff x="0" y="0"/>
+          <a:chExt cx="0" cy="0"/>
+        </a:xfrm>
+      </p:grpSpPr>
+      <p:sp>
+        <p:nvSpPr>
+          <p:cNvPr id="2" name="Espaço Reservado para Imagem de Slide 1"/>
+          <p:cNvSpPr>
+            <a:spLocks noGrp="1" noRot="1" noChangeAspect="1"/>
+          </p:cNvSpPr>
+          <p:nvPr>
+            <p:ph type="sldImg"/>
+          </p:nvPr>
+        </p:nvSpPr>
+        <p:spPr>
+          <a:xfrm>
+            <a:off x="381000" y="685800"/>
+            <a:ext cx="6096000" cy="3429000"/>
+          </a:xfrm>
+        </p:spPr>
+      </p:sp>
+      <p:sp>
+        <p:nvSpPr>
+          <p:cNvPr id="3" name="Espaço Reservado para Anotações 2"/>
+          <p:cNvSpPr>
+            <a:spLocks noGrp="1"/>
+          </p:cNvSpPr>
+          <p:nvPr>
+            <p:ph type="body" idx="1"/>
+          </p:nvPr>
+        </p:nvSpPr>
+        <p:spPr/>
+        <p:txBody>
+          <a:bodyPr/>
+          <a:lstStyle/>
+          <a:p>
+            <a:endParaRPr lang="pt-BR" dirty="0"/>
+          </a:p>
+        </p:txBody>
+      </p:sp>
+    </p:spTree>
+    <p:extLst>
+      <p:ext uri="{BB962C8B-B14F-4D97-AF65-F5344CB8AC3E}">
+        <p14:creationId xmlns:p14="http://schemas.microsoft.com/office/powerpoint/2010/main" val="3863516043"/>
+      </p:ext>
+    </p:extLst>
+  </p:cSld>
+  <p:clrMapOvr>
+    <a:masterClrMapping/>
+  </p:clrMapOvr>
+</p:notes>
+</file>
+
+<file path=ppt/notesSlides/notesSlide22.xml><?xml version="1.0" encoding="utf-8"?>
+<p:notes xmlns:a="http://schemas.openxmlformats.org/drawingml/2006/main" xmlns:r="http://schemas.openxmlformats.org/officeDocument/2006/relationships" xmlns:p="http://schemas.openxmlformats.org/presentationml/2006/main">
+  <p:cSld>
+    <p:spTree>
+      <p:nvGrpSpPr>
+        <p:cNvPr id="1" name=""/>
+        <p:cNvGrpSpPr/>
+        <p:nvPr/>
+      </p:nvGrpSpPr>
+      <p:grpSpPr>
+        <a:xfrm>
+          <a:off x="0" y="0"/>
+          <a:ext cx="0" cy="0"/>
+          <a:chOff x="0" y="0"/>
+          <a:chExt cx="0" cy="0"/>
+        </a:xfrm>
+      </p:grpSpPr>
+      <p:sp>
+        <p:nvSpPr>
+          <p:cNvPr id="2" name="Espaço Reservado para Imagem de Slide 1"/>
+          <p:cNvSpPr>
+            <a:spLocks noGrp="1" noRot="1" noChangeAspect="1"/>
+          </p:cNvSpPr>
+          <p:nvPr>
+            <p:ph type="sldImg"/>
+          </p:nvPr>
+        </p:nvSpPr>
+        <p:spPr>
+          <a:xfrm>
+            <a:off x="381000" y="685800"/>
+            <a:ext cx="6096000" cy="3429000"/>
+          </a:xfrm>
+        </p:spPr>
+      </p:sp>
+      <p:sp>
+        <p:nvSpPr>
+          <p:cNvPr id="3" name="Espaço Reservado para Anotações 2"/>
+          <p:cNvSpPr>
+            <a:spLocks noGrp="1"/>
+          </p:cNvSpPr>
+          <p:nvPr>
+            <p:ph type="body" idx="1"/>
+          </p:nvPr>
+        </p:nvSpPr>
+        <p:spPr/>
+        <p:txBody>
+          <a:bodyPr/>
+          <a:lstStyle/>
+          <a:p>
+            <a:endParaRPr lang="pt-BR" dirty="0"/>
+          </a:p>
+        </p:txBody>
+      </p:sp>
+    </p:spTree>
+    <p:extLst>
+      <p:ext uri="{BB962C8B-B14F-4D97-AF65-F5344CB8AC3E}">
+        <p14:creationId xmlns:p14="http://schemas.microsoft.com/office/powerpoint/2010/main" val="4290351292"/>
       </p:ext>
     </p:extLst>
   </p:cSld>
@@ -684,7 +1558,7 @@
     </p:spTree>
     <p:extLst>
       <p:ext uri="{BB962C8B-B14F-4D97-AF65-F5344CB8AC3E}">
-        <p14:creationId xmlns:p14="http://schemas.microsoft.com/office/powerpoint/2010/main" val="585304384"/>
+        <p14:creationId xmlns:p14="http://schemas.microsoft.com/office/powerpoint/2010/main" val="3054197821"/>
       </p:ext>
     </p:extLst>
   </p:cSld>
@@ -750,7 +1624,7 @@
     </p:spTree>
     <p:extLst>
       <p:ext uri="{BB962C8B-B14F-4D97-AF65-F5344CB8AC3E}">
-        <p14:creationId xmlns:p14="http://schemas.microsoft.com/office/powerpoint/2010/main" val="2709569597"/>
+        <p14:creationId xmlns:p14="http://schemas.microsoft.com/office/powerpoint/2010/main" val="2852645588"/>
       </p:ext>
     </p:extLst>
   </p:cSld>
@@ -816,7 +1690,7 @@
     </p:spTree>
     <p:extLst>
       <p:ext uri="{BB962C8B-B14F-4D97-AF65-F5344CB8AC3E}">
-        <p14:creationId xmlns:p14="http://schemas.microsoft.com/office/powerpoint/2010/main" val="3863516043"/>
+        <p14:creationId xmlns:p14="http://schemas.microsoft.com/office/powerpoint/2010/main" val="3412750786"/>
       </p:ext>
     </p:extLst>
   </p:cSld>
@@ -882,7 +1756,205 @@
     </p:spTree>
     <p:extLst>
       <p:ext uri="{BB962C8B-B14F-4D97-AF65-F5344CB8AC3E}">
-        <p14:creationId xmlns:p14="http://schemas.microsoft.com/office/powerpoint/2010/main" val="4290351292"/>
+        <p14:creationId xmlns:p14="http://schemas.microsoft.com/office/powerpoint/2010/main" val="3933124799"/>
+      </p:ext>
+    </p:extLst>
+  </p:cSld>
+  <p:clrMapOvr>
+    <a:masterClrMapping/>
+  </p:clrMapOvr>
+</p:notes>
+</file>
+
+<file path=ppt/notesSlides/notesSlide7.xml><?xml version="1.0" encoding="utf-8"?>
+<p:notes xmlns:a="http://schemas.openxmlformats.org/drawingml/2006/main" xmlns:r="http://schemas.openxmlformats.org/officeDocument/2006/relationships" xmlns:p="http://schemas.openxmlformats.org/presentationml/2006/main">
+  <p:cSld>
+    <p:spTree>
+      <p:nvGrpSpPr>
+        <p:cNvPr id="1" name=""/>
+        <p:cNvGrpSpPr/>
+        <p:nvPr/>
+      </p:nvGrpSpPr>
+      <p:grpSpPr>
+        <a:xfrm>
+          <a:off x="0" y="0"/>
+          <a:ext cx="0" cy="0"/>
+          <a:chOff x="0" y="0"/>
+          <a:chExt cx="0" cy="0"/>
+        </a:xfrm>
+      </p:grpSpPr>
+      <p:sp>
+        <p:nvSpPr>
+          <p:cNvPr id="2" name="Espaço Reservado para Imagem de Slide 1"/>
+          <p:cNvSpPr>
+            <a:spLocks noGrp="1" noRot="1" noChangeAspect="1"/>
+          </p:cNvSpPr>
+          <p:nvPr>
+            <p:ph type="sldImg"/>
+          </p:nvPr>
+        </p:nvSpPr>
+        <p:spPr>
+          <a:xfrm>
+            <a:off x="381000" y="685800"/>
+            <a:ext cx="6096000" cy="3429000"/>
+          </a:xfrm>
+        </p:spPr>
+      </p:sp>
+      <p:sp>
+        <p:nvSpPr>
+          <p:cNvPr id="3" name="Espaço Reservado para Anotações 2"/>
+          <p:cNvSpPr>
+            <a:spLocks noGrp="1"/>
+          </p:cNvSpPr>
+          <p:nvPr>
+            <p:ph type="body" idx="1"/>
+          </p:nvPr>
+        </p:nvSpPr>
+        <p:spPr/>
+        <p:txBody>
+          <a:bodyPr/>
+          <a:lstStyle/>
+          <a:p>
+            <a:endParaRPr lang="pt-BR" dirty="0"/>
+          </a:p>
+        </p:txBody>
+      </p:sp>
+    </p:spTree>
+    <p:extLst>
+      <p:ext uri="{BB962C8B-B14F-4D97-AF65-F5344CB8AC3E}">
+        <p14:creationId xmlns:p14="http://schemas.microsoft.com/office/powerpoint/2010/main" val="2594813756"/>
+      </p:ext>
+    </p:extLst>
+  </p:cSld>
+  <p:clrMapOvr>
+    <a:masterClrMapping/>
+  </p:clrMapOvr>
+</p:notes>
+</file>
+
+<file path=ppt/notesSlides/notesSlide8.xml><?xml version="1.0" encoding="utf-8"?>
+<p:notes xmlns:a="http://schemas.openxmlformats.org/drawingml/2006/main" xmlns:r="http://schemas.openxmlformats.org/officeDocument/2006/relationships" xmlns:p="http://schemas.openxmlformats.org/presentationml/2006/main">
+  <p:cSld>
+    <p:spTree>
+      <p:nvGrpSpPr>
+        <p:cNvPr id="1" name=""/>
+        <p:cNvGrpSpPr/>
+        <p:nvPr/>
+      </p:nvGrpSpPr>
+      <p:grpSpPr>
+        <a:xfrm>
+          <a:off x="0" y="0"/>
+          <a:ext cx="0" cy="0"/>
+          <a:chOff x="0" y="0"/>
+          <a:chExt cx="0" cy="0"/>
+        </a:xfrm>
+      </p:grpSpPr>
+      <p:sp>
+        <p:nvSpPr>
+          <p:cNvPr id="2" name="Espaço Reservado para Imagem de Slide 1"/>
+          <p:cNvSpPr>
+            <a:spLocks noGrp="1" noRot="1" noChangeAspect="1"/>
+          </p:cNvSpPr>
+          <p:nvPr>
+            <p:ph type="sldImg"/>
+          </p:nvPr>
+        </p:nvSpPr>
+        <p:spPr>
+          <a:xfrm>
+            <a:off x="381000" y="685800"/>
+            <a:ext cx="6096000" cy="3429000"/>
+          </a:xfrm>
+        </p:spPr>
+      </p:sp>
+      <p:sp>
+        <p:nvSpPr>
+          <p:cNvPr id="3" name="Espaço Reservado para Anotações 2"/>
+          <p:cNvSpPr>
+            <a:spLocks noGrp="1"/>
+          </p:cNvSpPr>
+          <p:nvPr>
+            <p:ph type="body" idx="1"/>
+          </p:nvPr>
+        </p:nvSpPr>
+        <p:spPr/>
+        <p:txBody>
+          <a:bodyPr/>
+          <a:lstStyle/>
+          <a:p>
+            <a:endParaRPr lang="pt-BR" dirty="0"/>
+          </a:p>
+        </p:txBody>
+      </p:sp>
+    </p:spTree>
+    <p:extLst>
+      <p:ext uri="{BB962C8B-B14F-4D97-AF65-F5344CB8AC3E}">
+        <p14:creationId xmlns:p14="http://schemas.microsoft.com/office/powerpoint/2010/main" val="2048908722"/>
+      </p:ext>
+    </p:extLst>
+  </p:cSld>
+  <p:clrMapOvr>
+    <a:masterClrMapping/>
+  </p:clrMapOvr>
+</p:notes>
+</file>
+
+<file path=ppt/notesSlides/notesSlide9.xml><?xml version="1.0" encoding="utf-8"?>
+<p:notes xmlns:a="http://schemas.openxmlformats.org/drawingml/2006/main" xmlns:r="http://schemas.openxmlformats.org/officeDocument/2006/relationships" xmlns:p="http://schemas.openxmlformats.org/presentationml/2006/main">
+  <p:cSld>
+    <p:spTree>
+      <p:nvGrpSpPr>
+        <p:cNvPr id="1" name=""/>
+        <p:cNvGrpSpPr/>
+        <p:nvPr/>
+      </p:nvGrpSpPr>
+      <p:grpSpPr>
+        <a:xfrm>
+          <a:off x="0" y="0"/>
+          <a:ext cx="0" cy="0"/>
+          <a:chOff x="0" y="0"/>
+          <a:chExt cx="0" cy="0"/>
+        </a:xfrm>
+      </p:grpSpPr>
+      <p:sp>
+        <p:nvSpPr>
+          <p:cNvPr id="2" name="Espaço Reservado para Imagem de Slide 1"/>
+          <p:cNvSpPr>
+            <a:spLocks noGrp="1" noRot="1" noChangeAspect="1"/>
+          </p:cNvSpPr>
+          <p:nvPr>
+            <p:ph type="sldImg"/>
+          </p:nvPr>
+        </p:nvSpPr>
+        <p:spPr>
+          <a:xfrm>
+            <a:off x="381000" y="685800"/>
+            <a:ext cx="6096000" cy="3429000"/>
+          </a:xfrm>
+        </p:spPr>
+      </p:sp>
+      <p:sp>
+        <p:nvSpPr>
+          <p:cNvPr id="3" name="Espaço Reservado para Anotações 2"/>
+          <p:cNvSpPr>
+            <a:spLocks noGrp="1"/>
+          </p:cNvSpPr>
+          <p:nvPr>
+            <p:ph type="body" idx="1"/>
+          </p:nvPr>
+        </p:nvSpPr>
+        <p:spPr/>
+        <p:txBody>
+          <a:bodyPr/>
+          <a:lstStyle/>
+          <a:p>
+            <a:endParaRPr lang="pt-BR" dirty="0"/>
+          </a:p>
+        </p:txBody>
+      </p:sp>
+    </p:spTree>
+    <p:extLst>
+      <p:ext uri="{BB962C8B-B14F-4D97-AF65-F5344CB8AC3E}">
+        <p14:creationId xmlns:p14="http://schemas.microsoft.com/office/powerpoint/2010/main" val="812104500"/>
       </p:ext>
     </p:extLst>
   </p:cSld>
@@ -3829,6 +4901,2276 @@
 </p:sld>
 </file>
 
+<file path=ppt/slides/slide10.xml><?xml version="1.0" encoding="utf-8"?>
+<p:sld xmlns:a="http://schemas.openxmlformats.org/drawingml/2006/main" xmlns:r="http://schemas.openxmlformats.org/officeDocument/2006/relationships" xmlns:p="http://schemas.openxmlformats.org/presentationml/2006/main">
+  <p:cSld>
+    <p:spTree>
+      <p:nvGrpSpPr>
+        <p:cNvPr id="1" name=""/>
+        <p:cNvGrpSpPr/>
+        <p:nvPr/>
+      </p:nvGrpSpPr>
+      <p:grpSpPr>
+        <a:xfrm>
+          <a:off x="0" y="0"/>
+          <a:ext cx="0" cy="0"/>
+          <a:chOff x="0" y="0"/>
+          <a:chExt cx="0" cy="0"/>
+        </a:xfrm>
+      </p:grpSpPr>
+      <p:sp>
+        <p:nvSpPr>
+          <p:cNvPr id="6" name="Title 1"/>
+          <p:cNvSpPr>
+            <a:spLocks noGrp="1"/>
+          </p:cNvSpPr>
+          <p:nvPr>
+            <p:ph type="title"/>
+          </p:nvPr>
+        </p:nvSpPr>
+        <p:spPr>
+          <a:xfrm>
+            <a:off x="457200" y="205980"/>
+            <a:ext cx="8229600" cy="857251"/>
+          </a:xfrm>
+        </p:spPr>
+        <p:txBody>
+          <a:bodyPr>
+            <a:normAutofit/>
+          </a:bodyPr>
+          <a:lstStyle/>
+          <a:p>
+            <a:r>
+              <a:rPr lang="pt-BR" b="1" dirty="0">
+                <a:solidFill>
+                  <a:srgbClr val="0070C0"/>
+                </a:solidFill>
+              </a:rPr>
+              <a:t>Pinagem - Placa </a:t>
+            </a:r>
+            <a:r>
+              <a:rPr lang="pt-BR" b="1" dirty="0" err="1">
+                <a:solidFill>
+                  <a:srgbClr val="0070C0"/>
+                </a:solidFill>
+              </a:rPr>
+              <a:t>NodeMCU</a:t>
+            </a:r>
+            <a:endParaRPr lang="en-US" b="1" dirty="0">
+              <a:solidFill>
+                <a:srgbClr val="0070C0"/>
+              </a:solidFill>
+            </a:endParaRPr>
+          </a:p>
+        </p:txBody>
+      </p:sp>
+      <p:sp>
+        <p:nvSpPr>
+          <p:cNvPr id="8" name="Text Placeholder 2"/>
+          <p:cNvSpPr>
+            <a:spLocks noGrp="1"/>
+          </p:cNvSpPr>
+          <p:nvPr>
+            <p:ph type="body" sz="half" idx="1"/>
+          </p:nvPr>
+        </p:nvSpPr>
+        <p:spPr>
+          <a:xfrm>
+            <a:off x="142865" y="1200150"/>
+            <a:ext cx="8865056" cy="3737370"/>
+          </a:xfrm>
+        </p:spPr>
+        <p:txBody>
+          <a:bodyPr>
+            <a:noAutofit/>
+          </a:bodyPr>
+          <a:lstStyle/>
+          <a:p>
+            <a:pPr marL="0" indent="0" algn="just">
+              <a:buNone/>
+            </a:pPr>
+            <a:endParaRPr lang="pt-BR" sz="2000" dirty="0">
+              <a:solidFill>
+                <a:schemeClr val="tx1"/>
+              </a:solidFill>
+              <a:latin typeface="Times New Roman" panose="02020603050405020304" pitchFamily="18" charset="0"/>
+              <a:cs typeface="Times New Roman" panose="02020603050405020304" pitchFamily="18" charset="0"/>
+            </a:endParaRPr>
+          </a:p>
+          <a:p>
+            <a:pPr marL="0" indent="0" algn="just">
+              <a:buNone/>
+            </a:pPr>
+            <a:endParaRPr lang="pt-BR" sz="2000" dirty="0">
+              <a:solidFill>
+                <a:schemeClr val="tx1"/>
+              </a:solidFill>
+              <a:latin typeface="Times New Roman" panose="02020603050405020304" pitchFamily="18" charset="0"/>
+              <a:cs typeface="Times New Roman" panose="02020603050405020304" pitchFamily="18" charset="0"/>
+            </a:endParaRPr>
+          </a:p>
+        </p:txBody>
+      </p:sp>
+      <p:pic>
+        <p:nvPicPr>
+          <p:cNvPr id="5" name="Imagem 4">
+            <a:extLst>
+              <a:ext uri="{FF2B5EF4-FFF2-40B4-BE49-F238E27FC236}">
+                <a16:creationId xmlns:a16="http://schemas.microsoft.com/office/drawing/2014/main" id="{C899C433-74F2-C539-864E-80B6ECF261A9}"/>
+              </a:ext>
+            </a:extLst>
+          </p:cNvPr>
+          <p:cNvPicPr>
+            <a:picLocks noChangeAspect="1"/>
+          </p:cNvPicPr>
+          <p:nvPr/>
+        </p:nvPicPr>
+        <p:blipFill>
+          <a:blip r:embed="rId3"/>
+          <a:stretch>
+            <a:fillRect/>
+          </a:stretch>
+        </p:blipFill>
+        <p:spPr>
+          <a:xfrm>
+            <a:off x="328410" y="1200150"/>
+            <a:ext cx="7170385" cy="3255940"/>
+          </a:xfrm>
+          <a:prstGeom prst="rect">
+            <a:avLst/>
+          </a:prstGeom>
+        </p:spPr>
+      </p:pic>
+    </p:spTree>
+    <p:extLst>
+      <p:ext uri="{BB962C8B-B14F-4D97-AF65-F5344CB8AC3E}">
+        <p14:creationId xmlns:p14="http://schemas.microsoft.com/office/powerpoint/2010/main" val="1990765749"/>
+      </p:ext>
+    </p:extLst>
+  </p:cSld>
+  <p:clrMapOvr>
+    <a:masterClrMapping/>
+  </p:clrMapOvr>
+  <p:transition spd="med"/>
+</p:sld>
+</file>
+
+<file path=ppt/slides/slide11.xml><?xml version="1.0" encoding="utf-8"?>
+<p:sld xmlns:a="http://schemas.openxmlformats.org/drawingml/2006/main" xmlns:r="http://schemas.openxmlformats.org/officeDocument/2006/relationships" xmlns:p="http://schemas.openxmlformats.org/presentationml/2006/main">
+  <p:cSld>
+    <p:spTree>
+      <p:nvGrpSpPr>
+        <p:cNvPr id="1" name=""/>
+        <p:cNvGrpSpPr/>
+        <p:nvPr/>
+      </p:nvGrpSpPr>
+      <p:grpSpPr>
+        <a:xfrm>
+          <a:off x="0" y="0"/>
+          <a:ext cx="0" cy="0"/>
+          <a:chOff x="0" y="0"/>
+          <a:chExt cx="0" cy="0"/>
+        </a:xfrm>
+      </p:grpSpPr>
+      <p:sp>
+        <p:nvSpPr>
+          <p:cNvPr id="6" name="Title 1"/>
+          <p:cNvSpPr>
+            <a:spLocks noGrp="1"/>
+          </p:cNvSpPr>
+          <p:nvPr>
+            <p:ph type="title"/>
+          </p:nvPr>
+        </p:nvSpPr>
+        <p:spPr>
+          <a:xfrm>
+            <a:off x="457200" y="205980"/>
+            <a:ext cx="8229600" cy="857251"/>
+          </a:xfrm>
+        </p:spPr>
+        <p:txBody>
+          <a:bodyPr>
+            <a:normAutofit/>
+          </a:bodyPr>
+          <a:lstStyle/>
+          <a:p>
+            <a:r>
+              <a:rPr lang="pt-BR" b="1" dirty="0">
+                <a:solidFill>
+                  <a:srgbClr val="0070C0"/>
+                </a:solidFill>
+              </a:rPr>
+              <a:t>Pinagem - Placa </a:t>
+            </a:r>
+            <a:r>
+              <a:rPr lang="pt-BR" b="1" dirty="0" err="1">
+                <a:solidFill>
+                  <a:srgbClr val="0070C0"/>
+                </a:solidFill>
+              </a:rPr>
+              <a:t>NodeMCU</a:t>
+            </a:r>
+            <a:endParaRPr lang="en-US" b="1" dirty="0">
+              <a:solidFill>
+                <a:srgbClr val="0070C0"/>
+              </a:solidFill>
+            </a:endParaRPr>
+          </a:p>
+        </p:txBody>
+      </p:sp>
+      <p:sp>
+        <p:nvSpPr>
+          <p:cNvPr id="8" name="Text Placeholder 2"/>
+          <p:cNvSpPr>
+            <a:spLocks noGrp="1"/>
+          </p:cNvSpPr>
+          <p:nvPr>
+            <p:ph type="body" sz="half" idx="1"/>
+          </p:nvPr>
+        </p:nvSpPr>
+        <p:spPr>
+          <a:xfrm>
+            <a:off x="142865" y="1200150"/>
+            <a:ext cx="8865056" cy="3737370"/>
+          </a:xfrm>
+        </p:spPr>
+        <p:txBody>
+          <a:bodyPr>
+            <a:noAutofit/>
+          </a:bodyPr>
+          <a:lstStyle/>
+          <a:p>
+            <a:pPr marL="0" indent="0" algn="just">
+              <a:buNone/>
+            </a:pPr>
+            <a:endParaRPr lang="pt-BR" sz="2000" dirty="0">
+              <a:solidFill>
+                <a:schemeClr val="tx1"/>
+              </a:solidFill>
+              <a:latin typeface="Times New Roman" panose="02020603050405020304" pitchFamily="18" charset="0"/>
+              <a:cs typeface="Times New Roman" panose="02020603050405020304" pitchFamily="18" charset="0"/>
+            </a:endParaRPr>
+          </a:p>
+          <a:p>
+            <a:pPr marL="0" indent="0" algn="just">
+              <a:buNone/>
+            </a:pPr>
+            <a:endParaRPr lang="pt-BR" sz="2000" dirty="0">
+              <a:solidFill>
+                <a:schemeClr val="tx1"/>
+              </a:solidFill>
+              <a:latin typeface="Times New Roman" panose="02020603050405020304" pitchFamily="18" charset="0"/>
+              <a:cs typeface="Times New Roman" panose="02020603050405020304" pitchFamily="18" charset="0"/>
+            </a:endParaRPr>
+          </a:p>
+        </p:txBody>
+      </p:sp>
+      <p:pic>
+        <p:nvPicPr>
+          <p:cNvPr id="3" name="Imagem 2">
+            <a:extLst>
+              <a:ext uri="{FF2B5EF4-FFF2-40B4-BE49-F238E27FC236}">
+                <a16:creationId xmlns:a16="http://schemas.microsoft.com/office/drawing/2014/main" id="{7A7BA3D3-F283-C13F-2AD5-DF0E22BF0669}"/>
+              </a:ext>
+            </a:extLst>
+          </p:cNvPr>
+          <p:cNvPicPr>
+            <a:picLocks noChangeAspect="1"/>
+          </p:cNvPicPr>
+          <p:nvPr/>
+        </p:nvPicPr>
+        <p:blipFill>
+          <a:blip r:embed="rId3"/>
+          <a:stretch>
+            <a:fillRect/>
+          </a:stretch>
+        </p:blipFill>
+        <p:spPr>
+          <a:xfrm>
+            <a:off x="367901" y="1200149"/>
+            <a:ext cx="6923309" cy="3384729"/>
+          </a:xfrm>
+          <a:prstGeom prst="rect">
+            <a:avLst/>
+          </a:prstGeom>
+        </p:spPr>
+      </p:pic>
+    </p:spTree>
+    <p:extLst>
+      <p:ext uri="{BB962C8B-B14F-4D97-AF65-F5344CB8AC3E}">
+        <p14:creationId xmlns:p14="http://schemas.microsoft.com/office/powerpoint/2010/main" val="2486955470"/>
+      </p:ext>
+    </p:extLst>
+  </p:cSld>
+  <p:clrMapOvr>
+    <a:masterClrMapping/>
+  </p:clrMapOvr>
+  <p:transition spd="med"/>
+</p:sld>
+</file>
+
+<file path=ppt/slides/slide12.xml><?xml version="1.0" encoding="utf-8"?>
+<p:sld xmlns:a="http://schemas.openxmlformats.org/drawingml/2006/main" xmlns:r="http://schemas.openxmlformats.org/officeDocument/2006/relationships" xmlns:p="http://schemas.openxmlformats.org/presentationml/2006/main">
+  <p:cSld>
+    <p:spTree>
+      <p:nvGrpSpPr>
+        <p:cNvPr id="1" name=""/>
+        <p:cNvGrpSpPr/>
+        <p:nvPr/>
+      </p:nvGrpSpPr>
+      <p:grpSpPr>
+        <a:xfrm>
+          <a:off x="0" y="0"/>
+          <a:ext cx="0" cy="0"/>
+          <a:chOff x="0" y="0"/>
+          <a:chExt cx="0" cy="0"/>
+        </a:xfrm>
+      </p:grpSpPr>
+      <p:sp>
+        <p:nvSpPr>
+          <p:cNvPr id="6" name="Title 1"/>
+          <p:cNvSpPr>
+            <a:spLocks noGrp="1"/>
+          </p:cNvSpPr>
+          <p:nvPr>
+            <p:ph type="title"/>
+          </p:nvPr>
+        </p:nvSpPr>
+        <p:spPr>
+          <a:xfrm>
+            <a:off x="457200" y="205980"/>
+            <a:ext cx="8229600" cy="857251"/>
+          </a:xfrm>
+        </p:spPr>
+        <p:txBody>
+          <a:bodyPr>
+            <a:normAutofit/>
+          </a:bodyPr>
+          <a:lstStyle/>
+          <a:p>
+            <a:r>
+              <a:rPr lang="pt-BR" b="1" dirty="0">
+                <a:solidFill>
+                  <a:srgbClr val="0070C0"/>
+                </a:solidFill>
+              </a:rPr>
+              <a:t>Pinagem - Placa </a:t>
+            </a:r>
+            <a:r>
+              <a:rPr lang="pt-BR" b="1" dirty="0" err="1">
+                <a:solidFill>
+                  <a:srgbClr val="0070C0"/>
+                </a:solidFill>
+              </a:rPr>
+              <a:t>NodeMCU</a:t>
+            </a:r>
+            <a:endParaRPr lang="en-US" b="1" dirty="0">
+              <a:solidFill>
+                <a:srgbClr val="0070C0"/>
+              </a:solidFill>
+            </a:endParaRPr>
+          </a:p>
+        </p:txBody>
+      </p:sp>
+      <p:sp>
+        <p:nvSpPr>
+          <p:cNvPr id="8" name="Text Placeholder 2"/>
+          <p:cNvSpPr>
+            <a:spLocks noGrp="1"/>
+          </p:cNvSpPr>
+          <p:nvPr>
+            <p:ph type="body" sz="half" idx="1"/>
+          </p:nvPr>
+        </p:nvSpPr>
+        <p:spPr>
+          <a:xfrm>
+            <a:off x="142865" y="1200150"/>
+            <a:ext cx="8865056" cy="3737370"/>
+          </a:xfrm>
+        </p:spPr>
+        <p:txBody>
+          <a:bodyPr>
+            <a:noAutofit/>
+          </a:bodyPr>
+          <a:lstStyle/>
+          <a:p>
+            <a:pPr marL="0" indent="0" algn="just">
+              <a:buNone/>
+            </a:pPr>
+            <a:endParaRPr lang="pt-BR" sz="2000" dirty="0">
+              <a:solidFill>
+                <a:schemeClr val="tx1"/>
+              </a:solidFill>
+              <a:latin typeface="Times New Roman" panose="02020603050405020304" pitchFamily="18" charset="0"/>
+              <a:cs typeface="Times New Roman" panose="02020603050405020304" pitchFamily="18" charset="0"/>
+            </a:endParaRPr>
+          </a:p>
+          <a:p>
+            <a:pPr marL="0" indent="0" algn="just">
+              <a:buNone/>
+            </a:pPr>
+            <a:endParaRPr lang="pt-BR" sz="2000" dirty="0">
+              <a:solidFill>
+                <a:schemeClr val="tx1"/>
+              </a:solidFill>
+              <a:latin typeface="Times New Roman" panose="02020603050405020304" pitchFamily="18" charset="0"/>
+              <a:cs typeface="Times New Roman" panose="02020603050405020304" pitchFamily="18" charset="0"/>
+            </a:endParaRPr>
+          </a:p>
+        </p:txBody>
+      </p:sp>
+      <p:pic>
+        <p:nvPicPr>
+          <p:cNvPr id="4" name="Imagem 3">
+            <a:extLst>
+              <a:ext uri="{FF2B5EF4-FFF2-40B4-BE49-F238E27FC236}">
+                <a16:creationId xmlns:a16="http://schemas.microsoft.com/office/drawing/2014/main" id="{60FBE550-C7F6-7052-2737-D03564DA1B69}"/>
+              </a:ext>
+            </a:extLst>
+          </p:cNvPr>
+          <p:cNvPicPr>
+            <a:picLocks noChangeAspect="1"/>
+          </p:cNvPicPr>
+          <p:nvPr/>
+        </p:nvPicPr>
+        <p:blipFill>
+          <a:blip r:embed="rId3"/>
+          <a:stretch>
+            <a:fillRect/>
+          </a:stretch>
+        </p:blipFill>
+        <p:spPr>
+          <a:xfrm>
+            <a:off x="380780" y="1200150"/>
+            <a:ext cx="7488690" cy="3122403"/>
+          </a:xfrm>
+          <a:prstGeom prst="rect">
+            <a:avLst/>
+          </a:prstGeom>
+        </p:spPr>
+      </p:pic>
+    </p:spTree>
+    <p:extLst>
+      <p:ext uri="{BB962C8B-B14F-4D97-AF65-F5344CB8AC3E}">
+        <p14:creationId xmlns:p14="http://schemas.microsoft.com/office/powerpoint/2010/main" val="1273770932"/>
+      </p:ext>
+    </p:extLst>
+  </p:cSld>
+  <p:clrMapOvr>
+    <a:masterClrMapping/>
+  </p:clrMapOvr>
+  <p:transition spd="med"/>
+</p:sld>
+</file>
+
+<file path=ppt/slides/slide13.xml><?xml version="1.0" encoding="utf-8"?>
+<p:sld xmlns:a="http://schemas.openxmlformats.org/drawingml/2006/main" xmlns:r="http://schemas.openxmlformats.org/officeDocument/2006/relationships" xmlns:p="http://schemas.openxmlformats.org/presentationml/2006/main">
+  <p:cSld>
+    <p:spTree>
+      <p:nvGrpSpPr>
+        <p:cNvPr id="1" name=""/>
+        <p:cNvGrpSpPr/>
+        <p:nvPr/>
+      </p:nvGrpSpPr>
+      <p:grpSpPr>
+        <a:xfrm>
+          <a:off x="0" y="0"/>
+          <a:ext cx="0" cy="0"/>
+          <a:chOff x="0" y="0"/>
+          <a:chExt cx="0" cy="0"/>
+        </a:xfrm>
+      </p:grpSpPr>
+      <p:sp>
+        <p:nvSpPr>
+          <p:cNvPr id="6" name="Title 1"/>
+          <p:cNvSpPr>
+            <a:spLocks noGrp="1"/>
+          </p:cNvSpPr>
+          <p:nvPr>
+            <p:ph type="title"/>
+          </p:nvPr>
+        </p:nvSpPr>
+        <p:spPr>
+          <a:xfrm>
+            <a:off x="457200" y="205980"/>
+            <a:ext cx="8229600" cy="857251"/>
+          </a:xfrm>
+        </p:spPr>
+        <p:txBody>
+          <a:bodyPr>
+            <a:normAutofit/>
+          </a:bodyPr>
+          <a:lstStyle/>
+          <a:p>
+            <a:r>
+              <a:rPr lang="pt-BR" b="1" dirty="0">
+                <a:solidFill>
+                  <a:srgbClr val="0070C0"/>
+                </a:solidFill>
+              </a:rPr>
+              <a:t>Programação - Placa </a:t>
+            </a:r>
+            <a:r>
+              <a:rPr lang="pt-BR" b="1" dirty="0" err="1">
+                <a:solidFill>
+                  <a:srgbClr val="0070C0"/>
+                </a:solidFill>
+              </a:rPr>
+              <a:t>NodeMCU</a:t>
+            </a:r>
+            <a:endParaRPr lang="en-US" b="1" dirty="0">
+              <a:solidFill>
+                <a:srgbClr val="0070C0"/>
+              </a:solidFill>
+            </a:endParaRPr>
+          </a:p>
+        </p:txBody>
+      </p:sp>
+      <p:sp>
+        <p:nvSpPr>
+          <p:cNvPr id="8" name="Text Placeholder 2"/>
+          <p:cNvSpPr>
+            <a:spLocks noGrp="1"/>
+          </p:cNvSpPr>
+          <p:nvPr>
+            <p:ph type="body" sz="half" idx="1"/>
+          </p:nvPr>
+        </p:nvSpPr>
+        <p:spPr>
+          <a:xfrm>
+            <a:off x="142865" y="1200150"/>
+            <a:ext cx="8865056" cy="3737370"/>
+          </a:xfrm>
+        </p:spPr>
+        <p:txBody>
+          <a:bodyPr>
+            <a:noAutofit/>
+          </a:bodyPr>
+          <a:lstStyle/>
+          <a:p>
+            <a:pPr marL="0" indent="0" algn="just">
+              <a:buNone/>
+            </a:pPr>
+            <a:r>
+              <a:rPr lang="pt-BR" sz="2000" dirty="0">
+                <a:solidFill>
+                  <a:schemeClr val="tx1"/>
+                </a:solidFill>
+                <a:latin typeface="Times New Roman" panose="02020603050405020304" pitchFamily="18" charset="0"/>
+                <a:cs typeface="Times New Roman" panose="02020603050405020304" pitchFamily="18" charset="0"/>
+              </a:rPr>
+              <a:t>Uma das grandes vantagens em utilizar </a:t>
+            </a:r>
+            <a:r>
+              <a:rPr lang="pt-BR" sz="2000" b="1" dirty="0">
+                <a:solidFill>
+                  <a:schemeClr val="tx1"/>
+                </a:solidFill>
+                <a:latin typeface="Times New Roman" panose="02020603050405020304" pitchFamily="18" charset="0"/>
+                <a:cs typeface="Times New Roman" panose="02020603050405020304" pitchFamily="18" charset="0"/>
+              </a:rPr>
+              <a:t>plataformas</a:t>
+            </a:r>
+            <a:r>
+              <a:rPr lang="pt-BR" sz="2000" dirty="0">
+                <a:solidFill>
+                  <a:schemeClr val="tx1"/>
+                </a:solidFill>
+                <a:latin typeface="Times New Roman" panose="02020603050405020304" pitchFamily="18" charset="0"/>
+                <a:cs typeface="Times New Roman" panose="02020603050405020304" pitchFamily="18" charset="0"/>
+              </a:rPr>
+              <a:t> baseadas no </a:t>
+            </a:r>
+            <a:r>
+              <a:rPr lang="pt-BR" sz="2000" b="1" dirty="0">
+                <a:solidFill>
+                  <a:schemeClr val="tx1"/>
+                </a:solidFill>
+                <a:latin typeface="Times New Roman" panose="02020603050405020304" pitchFamily="18" charset="0"/>
+                <a:cs typeface="Times New Roman" panose="02020603050405020304" pitchFamily="18" charset="0"/>
+              </a:rPr>
+              <a:t>ESP8266</a:t>
+            </a:r>
+            <a:r>
+              <a:rPr lang="pt-BR" sz="2000" dirty="0">
+                <a:solidFill>
+                  <a:schemeClr val="tx1"/>
+                </a:solidFill>
+                <a:latin typeface="Times New Roman" panose="02020603050405020304" pitchFamily="18" charset="0"/>
+                <a:cs typeface="Times New Roman" panose="02020603050405020304" pitchFamily="18" charset="0"/>
+              </a:rPr>
+              <a:t>, é a possibilidade de se programar </a:t>
+            </a:r>
+            <a:r>
+              <a:rPr lang="pt-BR" sz="2000" b="1" dirty="0">
+                <a:solidFill>
+                  <a:schemeClr val="tx1"/>
+                </a:solidFill>
+                <a:latin typeface="Times New Roman" panose="02020603050405020304" pitchFamily="18" charset="0"/>
+                <a:cs typeface="Times New Roman" panose="02020603050405020304" pitchFamily="18" charset="0"/>
+              </a:rPr>
+              <a:t>utilizando a</a:t>
+            </a:r>
+            <a:r>
+              <a:rPr lang="pt-BR" sz="2000" dirty="0">
+                <a:solidFill>
+                  <a:schemeClr val="tx1"/>
+                </a:solidFill>
+                <a:latin typeface="Times New Roman" panose="02020603050405020304" pitchFamily="18" charset="0"/>
+                <a:cs typeface="Times New Roman" panose="02020603050405020304" pitchFamily="18" charset="0"/>
+              </a:rPr>
+              <a:t> </a:t>
+            </a:r>
+            <a:r>
+              <a:rPr lang="pt-BR" sz="2000" b="1" dirty="0">
+                <a:solidFill>
+                  <a:schemeClr val="tx1"/>
+                </a:solidFill>
+                <a:latin typeface="Times New Roman" panose="02020603050405020304" pitchFamily="18" charset="0"/>
+                <a:cs typeface="Times New Roman" panose="02020603050405020304" pitchFamily="18" charset="0"/>
+              </a:rPr>
+              <a:t>IDE do Arduino</a:t>
+            </a:r>
+            <a:r>
+              <a:rPr lang="pt-BR" sz="2000" dirty="0">
+                <a:solidFill>
+                  <a:schemeClr val="tx1"/>
+                </a:solidFill>
+                <a:latin typeface="Times New Roman" panose="02020603050405020304" pitchFamily="18" charset="0"/>
+                <a:cs typeface="Times New Roman" panose="02020603050405020304" pitchFamily="18" charset="0"/>
+              </a:rPr>
+              <a:t>. </a:t>
+            </a:r>
+          </a:p>
+          <a:p>
+            <a:pPr marL="0" indent="0" algn="just">
+              <a:buNone/>
+            </a:pPr>
+            <a:endParaRPr lang="pt-BR" sz="2000" dirty="0">
+              <a:solidFill>
+                <a:schemeClr val="tx1"/>
+              </a:solidFill>
+              <a:latin typeface="Times New Roman" panose="02020603050405020304" pitchFamily="18" charset="0"/>
+              <a:cs typeface="Times New Roman" panose="02020603050405020304" pitchFamily="18" charset="0"/>
+            </a:endParaRPr>
+          </a:p>
+          <a:p>
+            <a:pPr marL="0" indent="0" algn="just">
+              <a:buNone/>
+            </a:pPr>
+            <a:r>
+              <a:rPr lang="pt-BR" sz="2000" dirty="0">
+                <a:solidFill>
+                  <a:schemeClr val="tx1"/>
+                </a:solidFill>
+                <a:latin typeface="Times New Roman" panose="02020603050405020304" pitchFamily="18" charset="0"/>
+                <a:cs typeface="Times New Roman" panose="02020603050405020304" pitchFamily="18" charset="0"/>
+              </a:rPr>
+              <a:t>Assim como em outras </a:t>
+            </a:r>
+            <a:r>
+              <a:rPr lang="pt-BR" sz="2000" b="1" dirty="0">
+                <a:solidFill>
+                  <a:schemeClr val="tx1"/>
+                </a:solidFill>
+                <a:latin typeface="Times New Roman" panose="02020603050405020304" pitchFamily="18" charset="0"/>
+                <a:cs typeface="Times New Roman" panose="02020603050405020304" pitchFamily="18" charset="0"/>
+              </a:rPr>
+              <a:t>placas da família ESP8266</a:t>
+            </a:r>
+            <a:r>
+              <a:rPr lang="pt-BR" sz="2000" dirty="0">
+                <a:solidFill>
+                  <a:schemeClr val="tx1"/>
+                </a:solidFill>
+                <a:latin typeface="Times New Roman" panose="02020603050405020304" pitchFamily="18" charset="0"/>
+                <a:cs typeface="Times New Roman" panose="02020603050405020304" pitchFamily="18" charset="0"/>
+              </a:rPr>
+              <a:t>, o </a:t>
+            </a:r>
+            <a:r>
+              <a:rPr lang="pt-BR" sz="2000" b="1" dirty="0" err="1">
+                <a:solidFill>
+                  <a:srgbClr val="FF0000"/>
+                </a:solidFill>
+                <a:latin typeface="Times New Roman" panose="02020603050405020304" pitchFamily="18" charset="0"/>
+                <a:cs typeface="Times New Roman" panose="02020603050405020304" pitchFamily="18" charset="0"/>
+              </a:rPr>
+              <a:t>NodeMCU</a:t>
+            </a:r>
+            <a:r>
+              <a:rPr lang="pt-BR" sz="2000" dirty="0">
+                <a:solidFill>
+                  <a:schemeClr val="tx1"/>
+                </a:solidFill>
+                <a:latin typeface="Times New Roman" panose="02020603050405020304" pitchFamily="18" charset="0"/>
+                <a:cs typeface="Times New Roman" panose="02020603050405020304" pitchFamily="18" charset="0"/>
+              </a:rPr>
+              <a:t> também é </a:t>
+            </a:r>
+            <a:r>
+              <a:rPr lang="pt-BR" sz="2000" b="1" dirty="0">
+                <a:solidFill>
+                  <a:schemeClr val="tx1"/>
+                </a:solidFill>
+                <a:latin typeface="Times New Roman" panose="02020603050405020304" pitchFamily="18" charset="0"/>
+                <a:cs typeface="Times New Roman" panose="02020603050405020304" pitchFamily="18" charset="0"/>
+              </a:rPr>
+              <a:t>compatível</a:t>
+            </a:r>
+            <a:r>
+              <a:rPr lang="pt-BR" sz="2000" dirty="0">
+                <a:solidFill>
+                  <a:schemeClr val="tx1"/>
+                </a:solidFill>
+                <a:latin typeface="Times New Roman" panose="02020603050405020304" pitchFamily="18" charset="0"/>
+                <a:cs typeface="Times New Roman" panose="02020603050405020304" pitchFamily="18" charset="0"/>
+              </a:rPr>
+              <a:t> com o ambiente de desenvolvimento do </a:t>
+            </a:r>
+            <a:r>
+              <a:rPr lang="pt-BR" sz="2000" b="1" dirty="0">
+                <a:solidFill>
+                  <a:schemeClr val="tx1"/>
+                </a:solidFill>
+                <a:latin typeface="Times New Roman" panose="02020603050405020304" pitchFamily="18" charset="0"/>
+                <a:cs typeface="Times New Roman" panose="02020603050405020304" pitchFamily="18" charset="0"/>
+              </a:rPr>
+              <a:t>Arduino</a:t>
+            </a:r>
+            <a:r>
+              <a:rPr lang="pt-BR" sz="2000" dirty="0">
+                <a:solidFill>
+                  <a:schemeClr val="tx1"/>
+                </a:solidFill>
+                <a:latin typeface="Times New Roman" panose="02020603050405020304" pitchFamily="18" charset="0"/>
+                <a:cs typeface="Times New Roman" panose="02020603050405020304" pitchFamily="18" charset="0"/>
+              </a:rPr>
+              <a:t>. Além disso, a placa pode ser programada utilizando a </a:t>
+            </a:r>
+            <a:r>
+              <a:rPr lang="pt-BR" sz="2000" b="1" dirty="0">
+                <a:solidFill>
+                  <a:schemeClr val="tx1"/>
+                </a:solidFill>
+                <a:latin typeface="Times New Roman" panose="02020603050405020304" pitchFamily="18" charset="0"/>
+                <a:cs typeface="Times New Roman" panose="02020603050405020304" pitchFamily="18" charset="0"/>
+              </a:rPr>
+              <a:t>linguagem LUA</a:t>
+            </a:r>
+            <a:r>
+              <a:rPr lang="pt-BR" sz="2000" dirty="0">
+                <a:solidFill>
+                  <a:schemeClr val="tx1"/>
+                </a:solidFill>
+                <a:latin typeface="Times New Roman" panose="02020603050405020304" pitchFamily="18" charset="0"/>
+                <a:cs typeface="Times New Roman" panose="02020603050405020304" pitchFamily="18" charset="0"/>
+              </a:rPr>
+              <a:t> (linguagem desenvolvida por brasileiros).</a:t>
+            </a:r>
+          </a:p>
+          <a:p>
+            <a:pPr marL="0" indent="0" algn="just">
+              <a:buNone/>
+            </a:pPr>
+            <a:endParaRPr lang="pt-BR" sz="2000" dirty="0">
+              <a:solidFill>
+                <a:schemeClr val="tx1"/>
+              </a:solidFill>
+              <a:latin typeface="Times New Roman" panose="02020603050405020304" pitchFamily="18" charset="0"/>
+              <a:cs typeface="Times New Roman" panose="02020603050405020304" pitchFamily="18" charset="0"/>
+            </a:endParaRPr>
+          </a:p>
+          <a:p>
+            <a:pPr marL="0" indent="0" algn="just">
+              <a:buNone/>
+            </a:pPr>
+            <a:r>
+              <a:rPr lang="pt-BR" sz="2000" dirty="0">
+                <a:solidFill>
+                  <a:schemeClr val="tx1"/>
+                </a:solidFill>
+                <a:latin typeface="Times New Roman" panose="02020603050405020304" pitchFamily="18" charset="0"/>
+                <a:cs typeface="Times New Roman" panose="02020603050405020304" pitchFamily="18" charset="0"/>
+              </a:rPr>
+              <a:t>Ao ser utilizado a </a:t>
+            </a:r>
+            <a:r>
+              <a:rPr lang="pt-BR" sz="2000" b="1" dirty="0">
+                <a:solidFill>
+                  <a:schemeClr val="tx1"/>
+                </a:solidFill>
+                <a:latin typeface="Times New Roman" panose="02020603050405020304" pitchFamily="18" charset="0"/>
+                <a:cs typeface="Times New Roman" panose="02020603050405020304" pitchFamily="18" charset="0"/>
+              </a:rPr>
+              <a:t>IDE do Arduino</a:t>
+            </a:r>
+            <a:r>
+              <a:rPr lang="pt-BR" sz="2000" dirty="0">
+                <a:solidFill>
+                  <a:schemeClr val="tx1"/>
+                </a:solidFill>
+                <a:latin typeface="Times New Roman" panose="02020603050405020304" pitchFamily="18" charset="0"/>
+                <a:cs typeface="Times New Roman" panose="02020603050405020304" pitchFamily="18" charset="0"/>
+              </a:rPr>
+              <a:t> para programar o </a:t>
+            </a:r>
+            <a:r>
+              <a:rPr lang="pt-BR" sz="2000" b="1" dirty="0" err="1">
+                <a:solidFill>
+                  <a:schemeClr val="tx1"/>
+                </a:solidFill>
+                <a:latin typeface="Times New Roman" panose="02020603050405020304" pitchFamily="18" charset="0"/>
+                <a:cs typeface="Times New Roman" panose="02020603050405020304" pitchFamily="18" charset="0"/>
+              </a:rPr>
+              <a:t>NodeMCU</a:t>
+            </a:r>
+            <a:r>
+              <a:rPr lang="pt-BR" sz="2000" dirty="0">
+                <a:solidFill>
+                  <a:schemeClr val="tx1"/>
+                </a:solidFill>
+                <a:latin typeface="Times New Roman" panose="02020603050405020304" pitchFamily="18" charset="0"/>
+                <a:cs typeface="Times New Roman" panose="02020603050405020304" pitchFamily="18" charset="0"/>
+              </a:rPr>
+              <a:t>, será possível fazer o uso de diversas bibliotecas que já fazem grande parte da programação.</a:t>
+            </a:r>
+          </a:p>
+        </p:txBody>
+      </p:sp>
+    </p:spTree>
+    <p:extLst>
+      <p:ext uri="{BB962C8B-B14F-4D97-AF65-F5344CB8AC3E}">
+        <p14:creationId xmlns:p14="http://schemas.microsoft.com/office/powerpoint/2010/main" val="4175458623"/>
+      </p:ext>
+    </p:extLst>
+  </p:cSld>
+  <p:clrMapOvr>
+    <a:masterClrMapping/>
+  </p:clrMapOvr>
+  <p:transition spd="med"/>
+</p:sld>
+</file>
+
+<file path=ppt/slides/slide14.xml><?xml version="1.0" encoding="utf-8"?>
+<p:sld xmlns:a="http://schemas.openxmlformats.org/drawingml/2006/main" xmlns:r="http://schemas.openxmlformats.org/officeDocument/2006/relationships" xmlns:p="http://schemas.openxmlformats.org/presentationml/2006/main">
+  <p:cSld>
+    <p:spTree>
+      <p:nvGrpSpPr>
+        <p:cNvPr id="1" name=""/>
+        <p:cNvGrpSpPr/>
+        <p:nvPr/>
+      </p:nvGrpSpPr>
+      <p:grpSpPr>
+        <a:xfrm>
+          <a:off x="0" y="0"/>
+          <a:ext cx="0" cy="0"/>
+          <a:chOff x="0" y="0"/>
+          <a:chExt cx="0" cy="0"/>
+        </a:xfrm>
+      </p:grpSpPr>
+      <p:sp>
+        <p:nvSpPr>
+          <p:cNvPr id="6" name="Title 1"/>
+          <p:cNvSpPr>
+            <a:spLocks noGrp="1"/>
+          </p:cNvSpPr>
+          <p:nvPr>
+            <p:ph type="title"/>
+          </p:nvPr>
+        </p:nvSpPr>
+        <p:spPr>
+          <a:xfrm>
+            <a:off x="457200" y="205980"/>
+            <a:ext cx="8229600" cy="857251"/>
+          </a:xfrm>
+        </p:spPr>
+        <p:txBody>
+          <a:bodyPr>
+            <a:normAutofit/>
+          </a:bodyPr>
+          <a:lstStyle/>
+          <a:p>
+            <a:r>
+              <a:rPr lang="pt-BR" b="1" dirty="0">
+                <a:solidFill>
+                  <a:srgbClr val="0070C0"/>
+                </a:solidFill>
+              </a:rPr>
+              <a:t>Programação - Placa </a:t>
+            </a:r>
+            <a:r>
+              <a:rPr lang="pt-BR" b="1" dirty="0" err="1">
+                <a:solidFill>
+                  <a:srgbClr val="0070C0"/>
+                </a:solidFill>
+              </a:rPr>
+              <a:t>NodeMCU</a:t>
+            </a:r>
+            <a:endParaRPr lang="en-US" b="1" dirty="0">
+              <a:solidFill>
+                <a:srgbClr val="0070C0"/>
+              </a:solidFill>
+            </a:endParaRPr>
+          </a:p>
+        </p:txBody>
+      </p:sp>
+      <p:sp>
+        <p:nvSpPr>
+          <p:cNvPr id="8" name="Text Placeholder 2"/>
+          <p:cNvSpPr>
+            <a:spLocks noGrp="1"/>
+          </p:cNvSpPr>
+          <p:nvPr>
+            <p:ph type="body" sz="half" idx="1"/>
+          </p:nvPr>
+        </p:nvSpPr>
+        <p:spPr>
+          <a:xfrm>
+            <a:off x="142865" y="903932"/>
+            <a:ext cx="8865056" cy="4144585"/>
+          </a:xfrm>
+        </p:spPr>
+        <p:txBody>
+          <a:bodyPr>
+            <a:noAutofit/>
+          </a:bodyPr>
+          <a:lstStyle/>
+          <a:p>
+            <a:pPr marL="0" indent="0" algn="just">
+              <a:buNone/>
+            </a:pPr>
+            <a:endParaRPr lang="pt-BR" sz="2000" dirty="0">
+              <a:solidFill>
+                <a:schemeClr val="tx1"/>
+              </a:solidFill>
+              <a:latin typeface="Times New Roman" panose="02020603050405020304" pitchFamily="18" charset="0"/>
+              <a:cs typeface="Times New Roman" panose="02020603050405020304" pitchFamily="18" charset="0"/>
+            </a:endParaRPr>
+          </a:p>
+        </p:txBody>
+      </p:sp>
+      <p:pic>
+        <p:nvPicPr>
+          <p:cNvPr id="3" name="Imagem 2">
+            <a:extLst>
+              <a:ext uri="{FF2B5EF4-FFF2-40B4-BE49-F238E27FC236}">
+                <a16:creationId xmlns:a16="http://schemas.microsoft.com/office/drawing/2014/main" id="{13C5B9A5-CB8D-1479-8FB6-C650DFF10694}"/>
+              </a:ext>
+            </a:extLst>
+          </p:cNvPr>
+          <p:cNvPicPr>
+            <a:picLocks noChangeAspect="1"/>
+          </p:cNvPicPr>
+          <p:nvPr/>
+        </p:nvPicPr>
+        <p:blipFill>
+          <a:blip r:embed="rId3"/>
+          <a:stretch>
+            <a:fillRect/>
+          </a:stretch>
+        </p:blipFill>
+        <p:spPr>
+          <a:xfrm>
+            <a:off x="235240" y="929690"/>
+            <a:ext cx="6577684" cy="4193147"/>
+          </a:xfrm>
+          <a:prstGeom prst="rect">
+            <a:avLst/>
+          </a:prstGeom>
+        </p:spPr>
+      </p:pic>
+    </p:spTree>
+    <p:extLst>
+      <p:ext uri="{BB962C8B-B14F-4D97-AF65-F5344CB8AC3E}">
+        <p14:creationId xmlns:p14="http://schemas.microsoft.com/office/powerpoint/2010/main" val="3264966334"/>
+      </p:ext>
+    </p:extLst>
+  </p:cSld>
+  <p:clrMapOvr>
+    <a:masterClrMapping/>
+  </p:clrMapOvr>
+  <p:transition spd="med"/>
+</p:sld>
+</file>
+
+<file path=ppt/slides/slide15.xml><?xml version="1.0" encoding="utf-8"?>
+<p:sld xmlns:a="http://schemas.openxmlformats.org/drawingml/2006/main" xmlns:r="http://schemas.openxmlformats.org/officeDocument/2006/relationships" xmlns:p="http://schemas.openxmlformats.org/presentationml/2006/main">
+  <p:cSld>
+    <p:spTree>
+      <p:nvGrpSpPr>
+        <p:cNvPr id="1" name=""/>
+        <p:cNvGrpSpPr/>
+        <p:nvPr/>
+      </p:nvGrpSpPr>
+      <p:grpSpPr>
+        <a:xfrm>
+          <a:off x="0" y="0"/>
+          <a:ext cx="0" cy="0"/>
+          <a:chOff x="0" y="0"/>
+          <a:chExt cx="0" cy="0"/>
+        </a:xfrm>
+      </p:grpSpPr>
+      <p:sp>
+        <p:nvSpPr>
+          <p:cNvPr id="6" name="Title 1"/>
+          <p:cNvSpPr>
+            <a:spLocks noGrp="1"/>
+          </p:cNvSpPr>
+          <p:nvPr>
+            <p:ph type="title"/>
+          </p:nvPr>
+        </p:nvSpPr>
+        <p:spPr>
+          <a:xfrm>
+            <a:off x="457200" y="205980"/>
+            <a:ext cx="8229600" cy="857251"/>
+          </a:xfrm>
+        </p:spPr>
+        <p:txBody>
+          <a:bodyPr>
+            <a:normAutofit/>
+          </a:bodyPr>
+          <a:lstStyle/>
+          <a:p>
+            <a:r>
+              <a:rPr lang="pt-BR" b="1" dirty="0">
+                <a:solidFill>
+                  <a:srgbClr val="0070C0"/>
+                </a:solidFill>
+              </a:rPr>
+              <a:t>1ª Geração - Placa </a:t>
+            </a:r>
+            <a:r>
+              <a:rPr lang="pt-BR" b="1" dirty="0" err="1">
+                <a:solidFill>
+                  <a:srgbClr val="0070C0"/>
+                </a:solidFill>
+              </a:rPr>
+              <a:t>NodeMCU</a:t>
+            </a:r>
+            <a:endParaRPr lang="en-US" b="1" dirty="0">
+              <a:solidFill>
+                <a:srgbClr val="0070C0"/>
+              </a:solidFill>
+            </a:endParaRPr>
+          </a:p>
+        </p:txBody>
+      </p:sp>
+      <p:sp>
+        <p:nvSpPr>
+          <p:cNvPr id="8" name="Text Placeholder 2"/>
+          <p:cNvSpPr>
+            <a:spLocks noGrp="1"/>
+          </p:cNvSpPr>
+          <p:nvPr>
+            <p:ph type="body" sz="half" idx="1"/>
+          </p:nvPr>
+        </p:nvSpPr>
+        <p:spPr>
+          <a:xfrm>
+            <a:off x="142865" y="1200150"/>
+            <a:ext cx="8865056" cy="3737370"/>
+          </a:xfrm>
+        </p:spPr>
+        <p:txBody>
+          <a:bodyPr>
+            <a:noAutofit/>
+          </a:bodyPr>
+          <a:lstStyle/>
+          <a:p>
+            <a:pPr marL="0" indent="0" algn="just">
+              <a:buNone/>
+            </a:pPr>
+            <a:r>
+              <a:rPr lang="pt-BR" sz="2000" dirty="0">
+                <a:solidFill>
+                  <a:schemeClr val="tx1"/>
+                </a:solidFill>
+                <a:latin typeface="Times New Roman" panose="02020603050405020304" pitchFamily="18" charset="0"/>
+                <a:cs typeface="Times New Roman" panose="02020603050405020304" pitchFamily="18" charset="0"/>
+              </a:rPr>
+              <a:t>Está </a:t>
+            </a:r>
+            <a:r>
+              <a:rPr lang="pt-BR" sz="2000" b="1" dirty="0">
+                <a:solidFill>
+                  <a:schemeClr val="tx1"/>
+                </a:solidFill>
+                <a:latin typeface="Times New Roman" panose="02020603050405020304" pitchFamily="18" charset="0"/>
+                <a:cs typeface="Times New Roman" panose="02020603050405020304" pitchFamily="18" charset="0"/>
+              </a:rPr>
+              <a:t>desatualizada</a:t>
+            </a:r>
+            <a:r>
+              <a:rPr lang="pt-BR" sz="2000" dirty="0">
+                <a:solidFill>
+                  <a:schemeClr val="tx1"/>
+                </a:solidFill>
+                <a:latin typeface="Times New Roman" panose="02020603050405020304" pitchFamily="18" charset="0"/>
+                <a:cs typeface="Times New Roman" panose="02020603050405020304" pitchFamily="18" charset="0"/>
+              </a:rPr>
+              <a:t> e a mesma possui um ESP-12. Além disso, esta versão possui dimensões consideradas grandes, se comparada as versões posteriores.</a:t>
+            </a:r>
+          </a:p>
+          <a:p>
+            <a:pPr marL="0" indent="0" algn="just">
+              <a:buNone/>
+            </a:pPr>
+            <a:endParaRPr lang="pt-BR" sz="2000" dirty="0">
+              <a:solidFill>
+                <a:schemeClr val="tx1"/>
+              </a:solidFill>
+              <a:latin typeface="Times New Roman" panose="02020603050405020304" pitchFamily="18" charset="0"/>
+              <a:cs typeface="Times New Roman" panose="02020603050405020304" pitchFamily="18" charset="0"/>
+            </a:endParaRPr>
+          </a:p>
+        </p:txBody>
+      </p:sp>
+      <p:pic>
+        <p:nvPicPr>
+          <p:cNvPr id="3" name="Imagem 2">
+            <a:extLst>
+              <a:ext uri="{FF2B5EF4-FFF2-40B4-BE49-F238E27FC236}">
+                <a16:creationId xmlns:a16="http://schemas.microsoft.com/office/drawing/2014/main" id="{BF43BF1E-2DEB-39A4-213E-44849F3A3727}"/>
+              </a:ext>
+            </a:extLst>
+          </p:cNvPr>
+          <p:cNvPicPr>
+            <a:picLocks noChangeAspect="1"/>
+          </p:cNvPicPr>
+          <p:nvPr/>
+        </p:nvPicPr>
+        <p:blipFill>
+          <a:blip r:embed="rId3"/>
+          <a:stretch>
+            <a:fillRect/>
+          </a:stretch>
+        </p:blipFill>
+        <p:spPr>
+          <a:xfrm>
+            <a:off x="1581721" y="1962150"/>
+            <a:ext cx="4810125" cy="3076575"/>
+          </a:xfrm>
+          <a:prstGeom prst="rect">
+            <a:avLst/>
+          </a:prstGeom>
+        </p:spPr>
+      </p:pic>
+    </p:spTree>
+    <p:extLst>
+      <p:ext uri="{BB962C8B-B14F-4D97-AF65-F5344CB8AC3E}">
+        <p14:creationId xmlns:p14="http://schemas.microsoft.com/office/powerpoint/2010/main" val="1722256116"/>
+      </p:ext>
+    </p:extLst>
+  </p:cSld>
+  <p:clrMapOvr>
+    <a:masterClrMapping/>
+  </p:clrMapOvr>
+  <p:transition spd="med"/>
+</p:sld>
+</file>
+
+<file path=ppt/slides/slide16.xml><?xml version="1.0" encoding="utf-8"?>
+<p:sld xmlns:a="http://schemas.openxmlformats.org/drawingml/2006/main" xmlns:r="http://schemas.openxmlformats.org/officeDocument/2006/relationships" xmlns:p="http://schemas.openxmlformats.org/presentationml/2006/main">
+  <p:cSld>
+    <p:spTree>
+      <p:nvGrpSpPr>
+        <p:cNvPr id="1" name=""/>
+        <p:cNvGrpSpPr/>
+        <p:nvPr/>
+      </p:nvGrpSpPr>
+      <p:grpSpPr>
+        <a:xfrm>
+          <a:off x="0" y="0"/>
+          <a:ext cx="0" cy="0"/>
+          <a:chOff x="0" y="0"/>
+          <a:chExt cx="0" cy="0"/>
+        </a:xfrm>
+      </p:grpSpPr>
+      <p:sp>
+        <p:nvSpPr>
+          <p:cNvPr id="6" name="Title 1"/>
+          <p:cNvSpPr>
+            <a:spLocks noGrp="1"/>
+          </p:cNvSpPr>
+          <p:nvPr>
+            <p:ph type="title"/>
+          </p:nvPr>
+        </p:nvSpPr>
+        <p:spPr>
+          <a:xfrm>
+            <a:off x="457200" y="205980"/>
+            <a:ext cx="8229600" cy="857251"/>
+          </a:xfrm>
+        </p:spPr>
+        <p:txBody>
+          <a:bodyPr>
+            <a:normAutofit/>
+          </a:bodyPr>
+          <a:lstStyle/>
+          <a:p>
+            <a:r>
+              <a:rPr lang="pt-BR" b="1" dirty="0">
+                <a:solidFill>
+                  <a:srgbClr val="0070C0"/>
+                </a:solidFill>
+              </a:rPr>
+              <a:t>2ª Geração - Placa </a:t>
+            </a:r>
+            <a:r>
+              <a:rPr lang="pt-BR" b="1" dirty="0" err="1">
+                <a:solidFill>
+                  <a:srgbClr val="0070C0"/>
+                </a:solidFill>
+              </a:rPr>
+              <a:t>NodeMCU</a:t>
+            </a:r>
+            <a:endParaRPr lang="en-US" b="1" dirty="0">
+              <a:solidFill>
+                <a:srgbClr val="0070C0"/>
+              </a:solidFill>
+            </a:endParaRPr>
+          </a:p>
+        </p:txBody>
+      </p:sp>
+      <p:sp>
+        <p:nvSpPr>
+          <p:cNvPr id="8" name="Text Placeholder 2"/>
+          <p:cNvSpPr>
+            <a:spLocks noGrp="1"/>
+          </p:cNvSpPr>
+          <p:nvPr>
+            <p:ph type="body" sz="half" idx="1"/>
+          </p:nvPr>
+        </p:nvSpPr>
+        <p:spPr>
+          <a:xfrm>
+            <a:off x="142865" y="1200150"/>
+            <a:ext cx="8865056" cy="3737370"/>
+          </a:xfrm>
+        </p:spPr>
+        <p:txBody>
+          <a:bodyPr>
+            <a:noAutofit/>
+          </a:bodyPr>
+          <a:lstStyle/>
+          <a:p>
+            <a:pPr marL="0" indent="0" algn="just">
+              <a:buNone/>
+            </a:pPr>
+            <a:r>
+              <a:rPr lang="pt-BR" sz="2000" dirty="0">
+                <a:solidFill>
+                  <a:schemeClr val="tx1"/>
+                </a:solidFill>
+                <a:latin typeface="Times New Roman" panose="02020603050405020304" pitchFamily="18" charset="0"/>
+                <a:cs typeface="Times New Roman" panose="02020603050405020304" pitchFamily="18" charset="0"/>
+              </a:rPr>
+              <a:t>O </a:t>
+            </a:r>
+            <a:r>
+              <a:rPr lang="pt-BR" sz="2000" b="1" dirty="0">
+                <a:solidFill>
+                  <a:schemeClr val="tx1"/>
+                </a:solidFill>
+                <a:latin typeface="Times New Roman" panose="02020603050405020304" pitchFamily="18" charset="0"/>
+                <a:cs typeface="Times New Roman" panose="02020603050405020304" pitchFamily="18" charset="0"/>
+              </a:rPr>
+              <a:t>ESP-12</a:t>
+            </a:r>
+            <a:r>
+              <a:rPr lang="pt-BR" sz="2000" dirty="0">
+                <a:solidFill>
+                  <a:schemeClr val="tx1"/>
+                </a:solidFill>
+                <a:latin typeface="Times New Roman" panose="02020603050405020304" pitchFamily="18" charset="0"/>
+                <a:cs typeface="Times New Roman" panose="02020603050405020304" pitchFamily="18" charset="0"/>
+              </a:rPr>
+              <a:t> foi </a:t>
+            </a:r>
+            <a:r>
+              <a:rPr lang="pt-BR" sz="2000" b="1" dirty="0">
+                <a:solidFill>
+                  <a:srgbClr val="FF0000"/>
+                </a:solidFill>
+                <a:latin typeface="Times New Roman" panose="02020603050405020304" pitchFamily="18" charset="0"/>
+                <a:cs typeface="Times New Roman" panose="02020603050405020304" pitchFamily="18" charset="0"/>
+              </a:rPr>
+              <a:t>atualizado</a:t>
+            </a:r>
+            <a:r>
+              <a:rPr lang="pt-BR" sz="2000" dirty="0">
+                <a:solidFill>
+                  <a:schemeClr val="tx1"/>
+                </a:solidFill>
+                <a:latin typeface="Times New Roman" panose="02020603050405020304" pitchFamily="18" charset="0"/>
+                <a:cs typeface="Times New Roman" panose="02020603050405020304" pitchFamily="18" charset="0"/>
+              </a:rPr>
+              <a:t> para o </a:t>
+            </a:r>
+            <a:r>
+              <a:rPr lang="pt-BR" sz="2000" b="1" dirty="0">
+                <a:solidFill>
+                  <a:schemeClr val="tx1"/>
+                </a:solidFill>
+                <a:latin typeface="Times New Roman" panose="02020603050405020304" pitchFamily="18" charset="0"/>
+                <a:cs typeface="Times New Roman" panose="02020603050405020304" pitchFamily="18" charset="0"/>
+              </a:rPr>
+              <a:t>ESP-12E</a:t>
+            </a:r>
+            <a:r>
+              <a:rPr lang="pt-BR" sz="2000" dirty="0">
+                <a:solidFill>
+                  <a:schemeClr val="tx1"/>
+                </a:solidFill>
+                <a:latin typeface="Times New Roman" panose="02020603050405020304" pitchFamily="18" charset="0"/>
+                <a:cs typeface="Times New Roman" panose="02020603050405020304" pitchFamily="18" charset="0"/>
+              </a:rPr>
+              <a:t>. Esta versão se encaixa perfeitamente em uma </a:t>
+            </a:r>
+            <a:r>
+              <a:rPr lang="pt-BR" sz="2000" b="1" dirty="0">
+                <a:solidFill>
+                  <a:schemeClr val="tx1"/>
+                </a:solidFill>
+                <a:latin typeface="Times New Roman" panose="02020603050405020304" pitchFamily="18" charset="0"/>
+                <a:cs typeface="Times New Roman" panose="02020603050405020304" pitchFamily="18" charset="0"/>
+              </a:rPr>
+              <a:t>protoboard</a:t>
+            </a:r>
+            <a:r>
+              <a:rPr lang="pt-BR" sz="2000" dirty="0">
+                <a:solidFill>
+                  <a:schemeClr val="tx1"/>
+                </a:solidFill>
+                <a:latin typeface="Times New Roman" panose="02020603050405020304" pitchFamily="18" charset="0"/>
+                <a:cs typeface="Times New Roman" panose="02020603050405020304" pitchFamily="18" charset="0"/>
+              </a:rPr>
+              <a:t>, pois o espaçamento entre os </a:t>
+            </a:r>
+            <a:r>
+              <a:rPr lang="pt-BR" sz="2000" b="1" dirty="0">
+                <a:solidFill>
+                  <a:schemeClr val="tx1"/>
+                </a:solidFill>
+                <a:latin typeface="Times New Roman" panose="02020603050405020304" pitchFamily="18" charset="0"/>
+                <a:cs typeface="Times New Roman" panose="02020603050405020304" pitchFamily="18" charset="0"/>
+              </a:rPr>
+              <a:t>pinos é de 2.54mm</a:t>
+            </a:r>
+            <a:r>
+              <a:rPr lang="pt-BR" sz="2000" dirty="0">
+                <a:solidFill>
+                  <a:schemeClr val="tx1"/>
+                </a:solidFill>
+                <a:latin typeface="Times New Roman" panose="02020603050405020304" pitchFamily="18" charset="0"/>
+                <a:cs typeface="Times New Roman" panose="02020603050405020304" pitchFamily="18" charset="0"/>
+              </a:rPr>
+              <a:t>. é produzida pela </a:t>
+            </a:r>
+            <a:r>
+              <a:rPr lang="pt-BR" sz="2000" dirty="0" err="1">
+                <a:solidFill>
+                  <a:schemeClr val="tx1"/>
+                </a:solidFill>
+                <a:latin typeface="Times New Roman" panose="02020603050405020304" pitchFamily="18" charset="0"/>
+                <a:cs typeface="Times New Roman" panose="02020603050405020304" pitchFamily="18" charset="0"/>
+              </a:rPr>
+              <a:t>Amica</a:t>
+            </a:r>
+            <a:r>
+              <a:rPr lang="pt-BR" sz="2000" dirty="0">
+                <a:solidFill>
+                  <a:schemeClr val="tx1"/>
+                </a:solidFill>
+                <a:latin typeface="Times New Roman" panose="02020603050405020304" pitchFamily="18" charset="0"/>
+                <a:cs typeface="Times New Roman" panose="02020603050405020304" pitchFamily="18" charset="0"/>
+              </a:rPr>
+              <a:t> e o </a:t>
+            </a:r>
+            <a:r>
+              <a:rPr lang="pt-BR" sz="2000" b="1" dirty="0">
+                <a:solidFill>
+                  <a:schemeClr val="tx1"/>
+                </a:solidFill>
+                <a:latin typeface="Times New Roman" panose="02020603050405020304" pitchFamily="18" charset="0"/>
+                <a:cs typeface="Times New Roman" panose="02020603050405020304" pitchFamily="18" charset="0"/>
+              </a:rPr>
+              <a:t>conversor USB serial</a:t>
+            </a:r>
+            <a:r>
+              <a:rPr lang="pt-BR" sz="2000" dirty="0">
+                <a:solidFill>
+                  <a:schemeClr val="tx1"/>
+                </a:solidFill>
+                <a:latin typeface="Times New Roman" panose="02020603050405020304" pitchFamily="18" charset="0"/>
+                <a:cs typeface="Times New Roman" panose="02020603050405020304" pitchFamily="18" charset="0"/>
+              </a:rPr>
+              <a:t> utilizado é o CP2102 da </a:t>
+            </a:r>
+            <a:r>
+              <a:rPr lang="pt-BR" sz="2000" dirty="0" err="1">
+                <a:solidFill>
+                  <a:schemeClr val="tx1"/>
+                </a:solidFill>
+                <a:latin typeface="Times New Roman" panose="02020603050405020304" pitchFamily="18" charset="0"/>
+                <a:cs typeface="Times New Roman" panose="02020603050405020304" pitchFamily="18" charset="0"/>
+              </a:rPr>
+              <a:t>Silabs</a:t>
+            </a:r>
+            <a:r>
+              <a:rPr lang="pt-BR" sz="2000" dirty="0">
+                <a:solidFill>
+                  <a:schemeClr val="tx1"/>
+                </a:solidFill>
+                <a:latin typeface="Times New Roman" panose="02020603050405020304" pitchFamily="18" charset="0"/>
+                <a:cs typeface="Times New Roman" panose="02020603050405020304" pitchFamily="18" charset="0"/>
+              </a:rPr>
+              <a:t>.</a:t>
+            </a:r>
+          </a:p>
+          <a:p>
+            <a:pPr marL="0" indent="0" algn="just">
+              <a:buNone/>
+            </a:pPr>
+            <a:endParaRPr lang="pt-BR" sz="2000" dirty="0">
+              <a:solidFill>
+                <a:schemeClr val="tx1"/>
+              </a:solidFill>
+              <a:latin typeface="Times New Roman" panose="02020603050405020304" pitchFamily="18" charset="0"/>
+              <a:cs typeface="Times New Roman" panose="02020603050405020304" pitchFamily="18" charset="0"/>
+            </a:endParaRPr>
+          </a:p>
+        </p:txBody>
+      </p:sp>
+      <p:pic>
+        <p:nvPicPr>
+          <p:cNvPr id="4" name="Imagem 3">
+            <a:extLst>
+              <a:ext uri="{FF2B5EF4-FFF2-40B4-BE49-F238E27FC236}">
+                <a16:creationId xmlns:a16="http://schemas.microsoft.com/office/drawing/2014/main" id="{BE9B19D6-C5B4-1E3F-5407-7C4558046771}"/>
+              </a:ext>
+            </a:extLst>
+          </p:cNvPr>
+          <p:cNvPicPr>
+            <a:picLocks noChangeAspect="1"/>
+          </p:cNvPicPr>
+          <p:nvPr/>
+        </p:nvPicPr>
+        <p:blipFill>
+          <a:blip r:embed="rId3"/>
+          <a:stretch>
+            <a:fillRect/>
+          </a:stretch>
+        </p:blipFill>
+        <p:spPr>
+          <a:xfrm>
+            <a:off x="1149640" y="2183080"/>
+            <a:ext cx="5379949" cy="2754440"/>
+          </a:xfrm>
+          <a:prstGeom prst="rect">
+            <a:avLst/>
+          </a:prstGeom>
+        </p:spPr>
+      </p:pic>
+    </p:spTree>
+    <p:extLst>
+      <p:ext uri="{BB962C8B-B14F-4D97-AF65-F5344CB8AC3E}">
+        <p14:creationId xmlns:p14="http://schemas.microsoft.com/office/powerpoint/2010/main" val="3171691676"/>
+      </p:ext>
+    </p:extLst>
+  </p:cSld>
+  <p:clrMapOvr>
+    <a:masterClrMapping/>
+  </p:clrMapOvr>
+  <p:transition spd="med"/>
+</p:sld>
+</file>
+
+<file path=ppt/slides/slide17.xml><?xml version="1.0" encoding="utf-8"?>
+<p:sld xmlns:a="http://schemas.openxmlformats.org/drawingml/2006/main" xmlns:r="http://schemas.openxmlformats.org/officeDocument/2006/relationships" xmlns:p="http://schemas.openxmlformats.org/presentationml/2006/main">
+  <p:cSld>
+    <p:spTree>
+      <p:nvGrpSpPr>
+        <p:cNvPr id="1" name=""/>
+        <p:cNvGrpSpPr/>
+        <p:nvPr/>
+      </p:nvGrpSpPr>
+      <p:grpSpPr>
+        <a:xfrm>
+          <a:off x="0" y="0"/>
+          <a:ext cx="0" cy="0"/>
+          <a:chOff x="0" y="0"/>
+          <a:chExt cx="0" cy="0"/>
+        </a:xfrm>
+      </p:grpSpPr>
+      <p:sp>
+        <p:nvSpPr>
+          <p:cNvPr id="6" name="Title 1"/>
+          <p:cNvSpPr>
+            <a:spLocks noGrp="1"/>
+          </p:cNvSpPr>
+          <p:nvPr>
+            <p:ph type="title"/>
+          </p:nvPr>
+        </p:nvSpPr>
+        <p:spPr>
+          <a:xfrm>
+            <a:off x="457200" y="205980"/>
+            <a:ext cx="8229600" cy="857251"/>
+          </a:xfrm>
+        </p:spPr>
+        <p:txBody>
+          <a:bodyPr>
+            <a:normAutofit/>
+          </a:bodyPr>
+          <a:lstStyle/>
+          <a:p>
+            <a:r>
+              <a:rPr lang="pt-BR" b="1" dirty="0">
+                <a:solidFill>
+                  <a:srgbClr val="0070C0"/>
+                </a:solidFill>
+              </a:rPr>
+              <a:t>3ª Geração - Placa </a:t>
+            </a:r>
+            <a:r>
+              <a:rPr lang="pt-BR" b="1" dirty="0" err="1">
+                <a:solidFill>
+                  <a:srgbClr val="0070C0"/>
+                </a:solidFill>
+              </a:rPr>
+              <a:t>NodeMCU</a:t>
+            </a:r>
+            <a:endParaRPr lang="en-US" b="1" dirty="0">
+              <a:solidFill>
+                <a:srgbClr val="0070C0"/>
+              </a:solidFill>
+            </a:endParaRPr>
+          </a:p>
+        </p:txBody>
+      </p:sp>
+      <p:sp>
+        <p:nvSpPr>
+          <p:cNvPr id="8" name="Text Placeholder 2"/>
+          <p:cNvSpPr>
+            <a:spLocks noGrp="1"/>
+          </p:cNvSpPr>
+          <p:nvPr>
+            <p:ph type="body" sz="half" idx="1"/>
+          </p:nvPr>
+        </p:nvSpPr>
+        <p:spPr>
+          <a:xfrm>
+            <a:off x="142865" y="1200150"/>
+            <a:ext cx="8865056" cy="3737370"/>
+          </a:xfrm>
+        </p:spPr>
+        <p:txBody>
+          <a:bodyPr>
+            <a:noAutofit/>
+          </a:bodyPr>
+          <a:lstStyle/>
+          <a:p>
+            <a:pPr marL="0" indent="0" algn="just">
+              <a:buNone/>
+            </a:pPr>
+            <a:r>
+              <a:rPr lang="pt-BR" sz="2000" dirty="0">
+                <a:solidFill>
+                  <a:schemeClr val="tx1"/>
+                </a:solidFill>
+                <a:latin typeface="Times New Roman" panose="02020603050405020304" pitchFamily="18" charset="0"/>
+                <a:cs typeface="Times New Roman" panose="02020603050405020304" pitchFamily="18" charset="0"/>
+              </a:rPr>
+              <a:t>Produzido pela </a:t>
+            </a:r>
+            <a:r>
+              <a:rPr lang="pt-BR" sz="2000" b="1" dirty="0" err="1">
+                <a:solidFill>
+                  <a:srgbClr val="FF0000"/>
+                </a:solidFill>
+                <a:latin typeface="Times New Roman" panose="02020603050405020304" pitchFamily="18" charset="0"/>
+                <a:cs typeface="Times New Roman" panose="02020603050405020304" pitchFamily="18" charset="0"/>
+              </a:rPr>
+              <a:t>Lolin</a:t>
+            </a:r>
+            <a:r>
+              <a:rPr lang="pt-BR" sz="2000" dirty="0">
+                <a:solidFill>
+                  <a:schemeClr val="tx1"/>
+                </a:solidFill>
+                <a:latin typeface="Times New Roman" panose="02020603050405020304" pitchFamily="18" charset="0"/>
+                <a:cs typeface="Times New Roman" panose="02020603050405020304" pitchFamily="18" charset="0"/>
+              </a:rPr>
+              <a:t>, </a:t>
+            </a:r>
+            <a:r>
+              <a:rPr lang="pt-BR" sz="2000" b="1" dirty="0">
+                <a:solidFill>
+                  <a:schemeClr val="tx1"/>
+                </a:solidFill>
+                <a:latin typeface="Times New Roman" panose="02020603050405020304" pitchFamily="18" charset="0"/>
+                <a:cs typeface="Times New Roman" panose="02020603050405020304" pitchFamily="18" charset="0"/>
+              </a:rPr>
+              <a:t>mesmas características do V2</a:t>
+            </a:r>
+            <a:r>
+              <a:rPr lang="pt-BR" sz="2000" dirty="0">
+                <a:solidFill>
+                  <a:schemeClr val="tx1"/>
+                </a:solidFill>
+                <a:latin typeface="Times New Roman" panose="02020603050405020304" pitchFamily="18" charset="0"/>
+                <a:cs typeface="Times New Roman" panose="02020603050405020304" pitchFamily="18" charset="0"/>
+              </a:rPr>
+              <a:t>, tem uma largura maior, que impossibilita que seja inserida em um protoboard, </a:t>
+            </a:r>
+            <a:r>
+              <a:rPr lang="pt-BR" sz="2000" b="1" dirty="0">
+                <a:solidFill>
+                  <a:schemeClr val="tx1"/>
+                </a:solidFill>
+                <a:latin typeface="Times New Roman" panose="02020603050405020304" pitchFamily="18" charset="0"/>
+                <a:cs typeface="Times New Roman" panose="02020603050405020304" pitchFamily="18" charset="0"/>
+              </a:rPr>
+              <a:t>conversor USB serial CH340</a:t>
+            </a:r>
+            <a:r>
+              <a:rPr lang="pt-BR" sz="2000" dirty="0">
+                <a:solidFill>
+                  <a:schemeClr val="tx1"/>
+                </a:solidFill>
+                <a:latin typeface="Times New Roman" panose="02020603050405020304" pitchFamily="18" charset="0"/>
+                <a:cs typeface="Times New Roman" panose="02020603050405020304" pitchFamily="18" charset="0"/>
+              </a:rPr>
+              <a:t>.</a:t>
+            </a:r>
+          </a:p>
+          <a:p>
+            <a:pPr marL="0" indent="0" algn="just">
+              <a:buNone/>
+            </a:pPr>
+            <a:endParaRPr lang="pt-BR" sz="2000" dirty="0">
+              <a:solidFill>
+                <a:schemeClr val="tx1"/>
+              </a:solidFill>
+              <a:latin typeface="Times New Roman" panose="02020603050405020304" pitchFamily="18" charset="0"/>
+              <a:cs typeface="Times New Roman" panose="02020603050405020304" pitchFamily="18" charset="0"/>
+            </a:endParaRPr>
+          </a:p>
+        </p:txBody>
+      </p:sp>
+      <p:pic>
+        <p:nvPicPr>
+          <p:cNvPr id="3" name="Imagem 2">
+            <a:extLst>
+              <a:ext uri="{FF2B5EF4-FFF2-40B4-BE49-F238E27FC236}">
+                <a16:creationId xmlns:a16="http://schemas.microsoft.com/office/drawing/2014/main" id="{F6D1CD3A-DCED-FBAE-FC91-9329B69613BB}"/>
+              </a:ext>
+            </a:extLst>
+          </p:cNvPr>
+          <p:cNvPicPr>
+            <a:picLocks noChangeAspect="1"/>
+          </p:cNvPicPr>
+          <p:nvPr/>
+        </p:nvPicPr>
+        <p:blipFill>
+          <a:blip r:embed="rId3"/>
+          <a:stretch>
+            <a:fillRect/>
+          </a:stretch>
+        </p:blipFill>
+        <p:spPr>
+          <a:xfrm>
+            <a:off x="954233" y="1871099"/>
+            <a:ext cx="5902283" cy="3066421"/>
+          </a:xfrm>
+          <a:prstGeom prst="rect">
+            <a:avLst/>
+          </a:prstGeom>
+        </p:spPr>
+      </p:pic>
+    </p:spTree>
+    <p:extLst>
+      <p:ext uri="{BB962C8B-B14F-4D97-AF65-F5344CB8AC3E}">
+        <p14:creationId xmlns:p14="http://schemas.microsoft.com/office/powerpoint/2010/main" val="3727589893"/>
+      </p:ext>
+    </p:extLst>
+  </p:cSld>
+  <p:clrMapOvr>
+    <a:masterClrMapping/>
+  </p:clrMapOvr>
+  <p:transition spd="med"/>
+</p:sld>
+</file>
+
+<file path=ppt/slides/slide18.xml><?xml version="1.0" encoding="utf-8"?>
+<p:sld xmlns:a="http://schemas.openxmlformats.org/drawingml/2006/main" xmlns:r="http://schemas.openxmlformats.org/officeDocument/2006/relationships" xmlns:p="http://schemas.openxmlformats.org/presentationml/2006/main">
+  <p:cSld>
+    <p:spTree>
+      <p:nvGrpSpPr>
+        <p:cNvPr id="1" name=""/>
+        <p:cNvGrpSpPr/>
+        <p:nvPr/>
+      </p:nvGrpSpPr>
+      <p:grpSpPr>
+        <a:xfrm>
+          <a:off x="0" y="0"/>
+          <a:ext cx="0" cy="0"/>
+          <a:chOff x="0" y="0"/>
+          <a:chExt cx="0" cy="0"/>
+        </a:xfrm>
+      </p:grpSpPr>
+      <p:sp>
+        <p:nvSpPr>
+          <p:cNvPr id="6" name="Title 1"/>
+          <p:cNvSpPr>
+            <a:spLocks noGrp="1"/>
+          </p:cNvSpPr>
+          <p:nvPr>
+            <p:ph type="title"/>
+          </p:nvPr>
+        </p:nvSpPr>
+        <p:spPr>
+          <a:xfrm>
+            <a:off x="457200" y="205980"/>
+            <a:ext cx="8229600" cy="857251"/>
+          </a:xfrm>
+        </p:spPr>
+        <p:txBody>
+          <a:bodyPr>
+            <a:normAutofit/>
+          </a:bodyPr>
+          <a:lstStyle/>
+          <a:p>
+            <a:r>
+              <a:rPr lang="pt-BR" b="1" dirty="0">
+                <a:solidFill>
+                  <a:srgbClr val="0070C0"/>
+                </a:solidFill>
+              </a:rPr>
+              <a:t>Demonstração  - ESP8266</a:t>
+            </a:r>
+            <a:endParaRPr lang="en-US" b="1" dirty="0">
+              <a:solidFill>
+                <a:srgbClr val="0070C0"/>
+              </a:solidFill>
+            </a:endParaRPr>
+          </a:p>
+        </p:txBody>
+      </p:sp>
+      <p:sp>
+        <p:nvSpPr>
+          <p:cNvPr id="8" name="Text Placeholder 2"/>
+          <p:cNvSpPr>
+            <a:spLocks noGrp="1"/>
+          </p:cNvSpPr>
+          <p:nvPr>
+            <p:ph type="body" sz="half" idx="1"/>
+          </p:nvPr>
+        </p:nvSpPr>
+        <p:spPr>
+          <a:xfrm>
+            <a:off x="142865" y="1200150"/>
+            <a:ext cx="8865056" cy="3737370"/>
+          </a:xfrm>
+        </p:spPr>
+        <p:txBody>
+          <a:bodyPr>
+            <a:noAutofit/>
+          </a:bodyPr>
+          <a:lstStyle/>
+          <a:p>
+            <a:pPr marL="0" indent="0" algn="just">
+              <a:buNone/>
+            </a:pPr>
+            <a:r>
+              <a:rPr lang="pt-BR" sz="2000" dirty="0">
+                <a:solidFill>
+                  <a:schemeClr val="tx1"/>
+                </a:solidFill>
+                <a:latin typeface="Times New Roman" panose="02020603050405020304" pitchFamily="18" charset="0"/>
+                <a:cs typeface="Times New Roman" panose="02020603050405020304" pitchFamily="18" charset="0"/>
+              </a:rPr>
+              <a:t>Utilizando </a:t>
+            </a:r>
+            <a:r>
+              <a:rPr lang="pt-BR" sz="2000" b="1" dirty="0">
+                <a:solidFill>
+                  <a:srgbClr val="FF0000"/>
+                </a:solidFill>
+                <a:latin typeface="Times New Roman" panose="02020603050405020304" pitchFamily="18" charset="0"/>
+                <a:cs typeface="Times New Roman" panose="02020603050405020304" pitchFamily="18" charset="0"/>
+              </a:rPr>
+              <a:t>Componentes do Arduíno</a:t>
+            </a:r>
+            <a:r>
+              <a:rPr lang="pt-BR" sz="2000" dirty="0">
+                <a:solidFill>
+                  <a:schemeClr val="tx1"/>
+                </a:solidFill>
+                <a:latin typeface="Times New Roman" panose="02020603050405020304" pitchFamily="18" charset="0"/>
+                <a:cs typeface="Times New Roman" panose="02020603050405020304" pitchFamily="18" charset="0"/>
+              </a:rPr>
+              <a:t> no </a:t>
+            </a:r>
+            <a:r>
+              <a:rPr lang="pt-BR" sz="2000" b="1" dirty="0">
+                <a:solidFill>
+                  <a:schemeClr val="tx1"/>
+                </a:solidFill>
+                <a:latin typeface="Times New Roman" panose="02020603050405020304" pitchFamily="18" charset="0"/>
+                <a:cs typeface="Times New Roman" panose="02020603050405020304" pitchFamily="18" charset="0"/>
+              </a:rPr>
+              <a:t>ESP8266</a:t>
+            </a:r>
+            <a:r>
+              <a:rPr lang="pt-BR" sz="2000" dirty="0">
+                <a:solidFill>
+                  <a:schemeClr val="tx1"/>
+                </a:solidFill>
+                <a:latin typeface="Times New Roman" panose="02020603050405020304" pitchFamily="18" charset="0"/>
+                <a:cs typeface="Times New Roman" panose="02020603050405020304" pitchFamily="18" charset="0"/>
+              </a:rPr>
+              <a:t>.</a:t>
+            </a:r>
+          </a:p>
+          <a:p>
+            <a:pPr marL="0" indent="0" algn="just">
+              <a:buNone/>
+            </a:pPr>
+            <a:endParaRPr lang="pt-BR" sz="2000" dirty="0">
+              <a:solidFill>
+                <a:schemeClr val="tx1"/>
+              </a:solidFill>
+              <a:latin typeface="Times New Roman" panose="02020603050405020304" pitchFamily="18" charset="0"/>
+              <a:cs typeface="Times New Roman" panose="02020603050405020304" pitchFamily="18" charset="0"/>
+            </a:endParaRPr>
+          </a:p>
+          <a:p>
+            <a:pPr marL="0" indent="0" algn="just">
+              <a:buNone/>
+            </a:pPr>
+            <a:r>
+              <a:rPr lang="pt-BR" sz="2000" dirty="0">
+                <a:solidFill>
+                  <a:schemeClr val="tx1"/>
+                </a:solidFill>
+                <a:latin typeface="Times New Roman" panose="02020603050405020304" pitchFamily="18" charset="0"/>
+                <a:cs typeface="Times New Roman" panose="02020603050405020304" pitchFamily="18" charset="0"/>
+                <a:hlinkClick r:id="rId3"/>
+              </a:rPr>
+              <a:t>https://www.youtube.com/watch?v=HPiVWWCBAnU</a:t>
+            </a:r>
+            <a:endParaRPr lang="pt-BR" sz="2000" dirty="0">
+              <a:solidFill>
+                <a:schemeClr val="tx1"/>
+              </a:solidFill>
+              <a:latin typeface="Times New Roman" panose="02020603050405020304" pitchFamily="18" charset="0"/>
+              <a:cs typeface="Times New Roman" panose="02020603050405020304" pitchFamily="18" charset="0"/>
+            </a:endParaRPr>
+          </a:p>
+          <a:p>
+            <a:pPr marL="0" indent="0" algn="just">
+              <a:buNone/>
+            </a:pPr>
+            <a:endParaRPr lang="pt-BR" sz="2000" dirty="0">
+              <a:solidFill>
+                <a:schemeClr val="tx1"/>
+              </a:solidFill>
+              <a:latin typeface="Times New Roman" panose="02020603050405020304" pitchFamily="18" charset="0"/>
+              <a:cs typeface="Times New Roman" panose="02020603050405020304" pitchFamily="18" charset="0"/>
+            </a:endParaRPr>
+          </a:p>
+          <a:p>
+            <a:pPr marL="0" indent="0" algn="just">
+              <a:buNone/>
+            </a:pPr>
+            <a:r>
+              <a:rPr lang="pt-BR" sz="2000" dirty="0">
+                <a:solidFill>
+                  <a:schemeClr val="tx1"/>
+                </a:solidFill>
+                <a:latin typeface="Times New Roman" panose="02020603050405020304" pitchFamily="18" charset="0"/>
+                <a:cs typeface="Times New Roman" panose="02020603050405020304" pitchFamily="18" charset="0"/>
+              </a:rPr>
+              <a:t>Guia </a:t>
+            </a:r>
+            <a:r>
+              <a:rPr lang="pt-BR" sz="2000" dirty="0" err="1">
+                <a:solidFill>
+                  <a:schemeClr val="tx1"/>
+                </a:solidFill>
+                <a:latin typeface="Times New Roman" panose="02020603050405020304" pitchFamily="18" charset="0"/>
+                <a:cs typeface="Times New Roman" panose="02020603050405020304" pitchFamily="18" charset="0"/>
+              </a:rPr>
+              <a:t>NodeMCU</a:t>
+            </a:r>
+            <a:r>
+              <a:rPr lang="pt-BR" sz="2000" dirty="0">
+                <a:solidFill>
+                  <a:schemeClr val="tx1"/>
+                </a:solidFill>
+                <a:latin typeface="Times New Roman" panose="02020603050405020304" pitchFamily="18" charset="0"/>
+                <a:cs typeface="Times New Roman" panose="02020603050405020304" pitchFamily="18" charset="0"/>
+              </a:rPr>
+              <a:t> – </a:t>
+            </a:r>
+            <a:r>
+              <a:rPr lang="pt-BR" sz="2000" b="1" dirty="0">
+                <a:solidFill>
+                  <a:schemeClr val="tx1"/>
+                </a:solidFill>
+                <a:latin typeface="Times New Roman" panose="02020603050405020304" pitchFamily="18" charset="0"/>
+                <a:cs typeface="Times New Roman" panose="02020603050405020304" pitchFamily="18" charset="0"/>
+              </a:rPr>
+              <a:t>ESP12/ESP8266</a:t>
+            </a:r>
+            <a:r>
+              <a:rPr lang="pt-BR" sz="2000" dirty="0">
+                <a:solidFill>
+                  <a:schemeClr val="tx1"/>
+                </a:solidFill>
+                <a:latin typeface="Times New Roman" panose="02020603050405020304" pitchFamily="18" charset="0"/>
+                <a:cs typeface="Times New Roman" panose="02020603050405020304" pitchFamily="18" charset="0"/>
+              </a:rPr>
+              <a:t>.</a:t>
+            </a:r>
+          </a:p>
+          <a:p>
+            <a:pPr marL="0" indent="0" algn="just">
+              <a:buNone/>
+            </a:pPr>
+            <a:endParaRPr lang="pt-BR" sz="2000" dirty="0">
+              <a:solidFill>
+                <a:schemeClr val="tx1"/>
+              </a:solidFill>
+              <a:latin typeface="Times New Roman" panose="02020603050405020304" pitchFamily="18" charset="0"/>
+              <a:cs typeface="Times New Roman" panose="02020603050405020304" pitchFamily="18" charset="0"/>
+            </a:endParaRPr>
+          </a:p>
+          <a:p>
+            <a:pPr marL="0" indent="0" algn="just">
+              <a:buNone/>
+            </a:pPr>
+            <a:r>
+              <a:rPr lang="pt-BR" sz="1600" dirty="0">
+                <a:solidFill>
+                  <a:schemeClr val="tx1"/>
+                </a:solidFill>
+                <a:latin typeface="Times New Roman" panose="02020603050405020304" pitchFamily="18" charset="0"/>
+                <a:cs typeface="Times New Roman" panose="02020603050405020304" pitchFamily="18" charset="0"/>
+                <a:hlinkClick r:id="rId4"/>
+              </a:rPr>
+              <a:t>https://blog.eletrogate.com/nodemcu-esp12-introducao-1/#:~:text=A%20Placa%20NodeMCU%20ESP12%20deve,drivers%20do%20chip%20Serial%2DUSB</a:t>
+            </a:r>
+            <a:r>
+              <a:rPr lang="pt-BR" sz="1600" dirty="0">
+                <a:solidFill>
+                  <a:schemeClr val="tx1"/>
+                </a:solidFill>
+                <a:latin typeface="Times New Roman" panose="02020603050405020304" pitchFamily="18" charset="0"/>
+                <a:cs typeface="Times New Roman" panose="02020603050405020304" pitchFamily="18" charset="0"/>
+              </a:rPr>
+              <a:t>.</a:t>
+            </a:r>
+          </a:p>
+          <a:p>
+            <a:pPr marL="0" indent="0" algn="just">
+              <a:buNone/>
+            </a:pPr>
+            <a:endParaRPr lang="pt-BR" sz="2000" dirty="0">
+              <a:solidFill>
+                <a:schemeClr val="tx1"/>
+              </a:solidFill>
+              <a:latin typeface="Times New Roman" panose="02020603050405020304" pitchFamily="18" charset="0"/>
+              <a:cs typeface="Times New Roman" panose="02020603050405020304" pitchFamily="18" charset="0"/>
+              <a:hlinkClick r:id="rId5"/>
+            </a:endParaRPr>
+          </a:p>
+          <a:p>
+            <a:pPr marL="0" indent="0" algn="just">
+              <a:buNone/>
+            </a:pPr>
+            <a:r>
+              <a:rPr lang="pt-BR" sz="2000" dirty="0">
+                <a:solidFill>
+                  <a:schemeClr val="tx1"/>
+                </a:solidFill>
+                <a:latin typeface="Times New Roman" panose="02020603050405020304" pitchFamily="18" charset="0"/>
+                <a:cs typeface="Times New Roman" panose="02020603050405020304" pitchFamily="18" charset="0"/>
+                <a:hlinkClick r:id="rId5"/>
+              </a:rPr>
+              <a:t>https://www.pontodaeletronica.com.br/modulo-wi-fi-esp8266-nodemcu-esp-12.html</a:t>
+            </a:r>
+            <a:endParaRPr lang="pt-BR" sz="2000" dirty="0">
+              <a:solidFill>
+                <a:schemeClr val="tx1"/>
+              </a:solidFill>
+              <a:latin typeface="Times New Roman" panose="02020603050405020304" pitchFamily="18" charset="0"/>
+              <a:cs typeface="Times New Roman" panose="02020603050405020304" pitchFamily="18" charset="0"/>
+            </a:endParaRPr>
+          </a:p>
+          <a:p>
+            <a:pPr marL="0" indent="0" algn="just">
+              <a:buNone/>
+            </a:pPr>
+            <a:endParaRPr lang="pt-BR" sz="2000" dirty="0">
+              <a:solidFill>
+                <a:schemeClr val="tx1"/>
+              </a:solidFill>
+              <a:latin typeface="Times New Roman" panose="02020603050405020304" pitchFamily="18" charset="0"/>
+              <a:cs typeface="Times New Roman" panose="02020603050405020304" pitchFamily="18" charset="0"/>
+            </a:endParaRPr>
+          </a:p>
+          <a:p>
+            <a:pPr marL="0" indent="0" algn="just">
+              <a:buNone/>
+            </a:pPr>
+            <a:endParaRPr lang="pt-BR" sz="2000" dirty="0">
+              <a:solidFill>
+                <a:schemeClr val="tx1"/>
+              </a:solidFill>
+              <a:latin typeface="Times New Roman" panose="02020603050405020304" pitchFamily="18" charset="0"/>
+              <a:cs typeface="Times New Roman" panose="02020603050405020304" pitchFamily="18" charset="0"/>
+            </a:endParaRPr>
+          </a:p>
+        </p:txBody>
+      </p:sp>
+    </p:spTree>
+    <p:extLst>
+      <p:ext uri="{BB962C8B-B14F-4D97-AF65-F5344CB8AC3E}">
+        <p14:creationId xmlns:p14="http://schemas.microsoft.com/office/powerpoint/2010/main" val="3206177413"/>
+      </p:ext>
+    </p:extLst>
+  </p:cSld>
+  <p:clrMapOvr>
+    <a:masterClrMapping/>
+  </p:clrMapOvr>
+  <p:transition spd="med"/>
+</p:sld>
+</file>
+
+<file path=ppt/slides/slide19.xml><?xml version="1.0" encoding="utf-8"?>
+<p:sld xmlns:a="http://schemas.openxmlformats.org/drawingml/2006/main" xmlns:r="http://schemas.openxmlformats.org/officeDocument/2006/relationships" xmlns:p="http://schemas.openxmlformats.org/presentationml/2006/main">
+  <p:cSld>
+    <p:spTree>
+      <p:nvGrpSpPr>
+        <p:cNvPr id="1" name=""/>
+        <p:cNvGrpSpPr/>
+        <p:nvPr/>
+      </p:nvGrpSpPr>
+      <p:grpSpPr>
+        <a:xfrm>
+          <a:off x="0" y="0"/>
+          <a:ext cx="0" cy="0"/>
+          <a:chOff x="0" y="0"/>
+          <a:chExt cx="0" cy="0"/>
+        </a:xfrm>
+      </p:grpSpPr>
+      <p:sp>
+        <p:nvSpPr>
+          <p:cNvPr id="6" name="Title 1"/>
+          <p:cNvSpPr>
+            <a:spLocks noGrp="1"/>
+          </p:cNvSpPr>
+          <p:nvPr>
+            <p:ph type="title"/>
+          </p:nvPr>
+        </p:nvSpPr>
+        <p:spPr>
+          <a:xfrm>
+            <a:off x="457200" y="205980"/>
+            <a:ext cx="8229600" cy="857251"/>
+          </a:xfrm>
+        </p:spPr>
+        <p:txBody>
+          <a:bodyPr>
+            <a:normAutofit/>
+          </a:bodyPr>
+          <a:lstStyle/>
+          <a:p>
+            <a:r>
+              <a:rPr lang="pt-BR" b="1" dirty="0">
+                <a:solidFill>
+                  <a:srgbClr val="0070C0"/>
+                </a:solidFill>
+              </a:rPr>
+              <a:t>Instalação IDE Arduíno  - ESP8266</a:t>
+            </a:r>
+            <a:endParaRPr lang="en-US" b="1" dirty="0">
+              <a:solidFill>
+                <a:srgbClr val="0070C0"/>
+              </a:solidFill>
+            </a:endParaRPr>
+          </a:p>
+        </p:txBody>
+      </p:sp>
+      <p:sp>
+        <p:nvSpPr>
+          <p:cNvPr id="8" name="Text Placeholder 2"/>
+          <p:cNvSpPr>
+            <a:spLocks noGrp="1"/>
+          </p:cNvSpPr>
+          <p:nvPr>
+            <p:ph type="body" sz="half" idx="1"/>
+          </p:nvPr>
+        </p:nvSpPr>
+        <p:spPr>
+          <a:xfrm>
+            <a:off x="142865" y="1200150"/>
+            <a:ext cx="8865056" cy="3737370"/>
+          </a:xfrm>
+        </p:spPr>
+        <p:txBody>
+          <a:bodyPr>
+            <a:noAutofit/>
+          </a:bodyPr>
+          <a:lstStyle/>
+          <a:p>
+            <a:pPr marL="0" indent="0" algn="just">
+              <a:buNone/>
+            </a:pPr>
+            <a:r>
+              <a:rPr lang="pt-BR" sz="2400">
+                <a:solidFill>
+                  <a:schemeClr val="tx1"/>
+                </a:solidFill>
+                <a:latin typeface="Times New Roman" panose="02020603050405020304" pitchFamily="18" charset="0"/>
+                <a:cs typeface="Times New Roman" panose="02020603050405020304" pitchFamily="18" charset="0"/>
+              </a:rPr>
+              <a:t>-- </a:t>
+            </a:r>
+            <a:r>
+              <a:rPr lang="pt-BR" sz="2400" b="1">
+                <a:solidFill>
+                  <a:schemeClr val="tx1"/>
+                </a:solidFill>
+                <a:latin typeface="Times New Roman" panose="02020603050405020304" pitchFamily="18" charset="0"/>
+                <a:cs typeface="Times New Roman" panose="02020603050405020304" pitchFamily="18" charset="0"/>
+              </a:rPr>
+              <a:t>Instalação</a:t>
+            </a:r>
+            <a:endParaRPr lang="pt-BR" sz="2400" b="1" dirty="0">
+              <a:solidFill>
+                <a:schemeClr val="tx1"/>
+              </a:solidFill>
+              <a:latin typeface="Times New Roman" panose="02020603050405020304" pitchFamily="18" charset="0"/>
+              <a:cs typeface="Times New Roman" panose="02020603050405020304" pitchFamily="18" charset="0"/>
+            </a:endParaRPr>
+          </a:p>
+          <a:p>
+            <a:pPr marL="0" indent="0" algn="just">
+              <a:buNone/>
+            </a:pPr>
+            <a:r>
+              <a:rPr lang="pt-BR" sz="2400" dirty="0">
+                <a:solidFill>
+                  <a:schemeClr val="tx1"/>
+                </a:solidFill>
+                <a:latin typeface="Times New Roman" panose="02020603050405020304" pitchFamily="18" charset="0"/>
+                <a:cs typeface="Times New Roman" panose="02020603050405020304" pitchFamily="18" charset="0"/>
+                <a:hlinkClick r:id="rId3"/>
+              </a:rPr>
+              <a:t>https://randomnerdtutorials.com/how-to-install-esp8266-board-arduino-ide/</a:t>
+            </a:r>
+            <a:endParaRPr lang="pt-BR" sz="2400" dirty="0">
+              <a:solidFill>
+                <a:schemeClr val="tx1"/>
+              </a:solidFill>
+              <a:latin typeface="Times New Roman" panose="02020603050405020304" pitchFamily="18" charset="0"/>
+              <a:cs typeface="Times New Roman" panose="02020603050405020304" pitchFamily="18" charset="0"/>
+            </a:endParaRPr>
+          </a:p>
+          <a:p>
+            <a:pPr marL="0" indent="0" algn="just">
+              <a:buNone/>
+            </a:pPr>
+            <a:endParaRPr lang="pt-BR" sz="2400" dirty="0">
+              <a:solidFill>
+                <a:schemeClr val="tx1"/>
+              </a:solidFill>
+              <a:latin typeface="Times New Roman" panose="02020603050405020304" pitchFamily="18" charset="0"/>
+              <a:cs typeface="Times New Roman" panose="02020603050405020304" pitchFamily="18" charset="0"/>
+            </a:endParaRPr>
+          </a:p>
+          <a:p>
+            <a:pPr marL="0" indent="0" algn="just">
+              <a:buNone/>
+            </a:pPr>
+            <a:r>
+              <a:rPr lang="pt-BR" sz="2400" dirty="0">
+                <a:solidFill>
+                  <a:schemeClr val="tx1"/>
+                </a:solidFill>
+                <a:latin typeface="Times New Roman" panose="02020603050405020304" pitchFamily="18" charset="0"/>
+                <a:cs typeface="Times New Roman" panose="02020603050405020304" pitchFamily="18" charset="0"/>
+              </a:rPr>
+              <a:t>-- </a:t>
+            </a:r>
+            <a:r>
+              <a:rPr lang="pt-BR" sz="2400" b="1" dirty="0">
+                <a:solidFill>
+                  <a:schemeClr val="tx1"/>
+                </a:solidFill>
+                <a:latin typeface="Times New Roman" panose="02020603050405020304" pitchFamily="18" charset="0"/>
+                <a:cs typeface="Times New Roman" panose="02020603050405020304" pitchFamily="18" charset="0"/>
+              </a:rPr>
+              <a:t>Exemplo de Código</a:t>
+            </a:r>
+          </a:p>
+          <a:p>
+            <a:pPr marL="0" indent="0" algn="just">
+              <a:buNone/>
+            </a:pPr>
+            <a:r>
+              <a:rPr lang="pt-BR" sz="2400" dirty="0">
+                <a:solidFill>
+                  <a:schemeClr val="tx1"/>
+                </a:solidFill>
+                <a:latin typeface="Times New Roman" panose="02020603050405020304" pitchFamily="18" charset="0"/>
+                <a:cs typeface="Times New Roman" panose="02020603050405020304" pitchFamily="18" charset="0"/>
+                <a:hlinkClick r:id="rId4"/>
+              </a:rPr>
+              <a:t>https://github.com/bmellink/Quiz/blob/master/QuizNode8266/QuizNode8266.ino</a:t>
+            </a:r>
+            <a:endParaRPr lang="pt-BR" sz="2400" dirty="0">
+              <a:solidFill>
+                <a:schemeClr val="tx1"/>
+              </a:solidFill>
+              <a:latin typeface="Times New Roman" panose="02020603050405020304" pitchFamily="18" charset="0"/>
+              <a:cs typeface="Times New Roman" panose="02020603050405020304" pitchFamily="18" charset="0"/>
+            </a:endParaRPr>
+          </a:p>
+          <a:p>
+            <a:pPr marL="0" indent="0" algn="just">
+              <a:buNone/>
+            </a:pPr>
+            <a:endParaRPr lang="pt-BR" sz="2400" dirty="0">
+              <a:solidFill>
+                <a:schemeClr val="tx1"/>
+              </a:solidFill>
+              <a:latin typeface="Times New Roman" panose="02020603050405020304" pitchFamily="18" charset="0"/>
+              <a:cs typeface="Times New Roman" panose="02020603050405020304" pitchFamily="18" charset="0"/>
+            </a:endParaRPr>
+          </a:p>
+        </p:txBody>
+      </p:sp>
+    </p:spTree>
+    <p:extLst>
+      <p:ext uri="{BB962C8B-B14F-4D97-AF65-F5344CB8AC3E}">
+        <p14:creationId xmlns:p14="http://schemas.microsoft.com/office/powerpoint/2010/main" val="4106102878"/>
+      </p:ext>
+    </p:extLst>
+  </p:cSld>
+  <p:clrMapOvr>
+    <a:masterClrMapping/>
+  </p:clrMapOvr>
+  <p:transition spd="med"/>
+</p:sld>
+</file>
+
 <file path=ppt/slides/slide2.xml><?xml version="1.0" encoding="utf-8"?>
 <p:sld xmlns:a="http://schemas.openxmlformats.org/drawingml/2006/main" xmlns:r="http://schemas.openxmlformats.org/officeDocument/2006/relationships" xmlns:p="http://schemas.openxmlformats.org/presentationml/2006/main">
   <p:cSld>
@@ -3935,7 +7277,7 @@
               </a:rPr>
             </a:br>
             <a:r>
-              <a:rPr lang="pt-BR" b="1">
+              <a:rPr lang="pt-BR" b="1" dirty="0">
                 <a:solidFill>
                   <a:schemeClr val="bg1"/>
                 </a:solidFill>
@@ -3963,7 +7305,23 @@
                   <a:schemeClr val="bg1"/>
                 </a:solidFill>
               </a:rPr>
-              <a:t>Desenvolvimento de Aplicações – Plataforma Middleware para </a:t>
+              <a:t>Desenvolvimento de Aplicações –Plataforma </a:t>
+            </a:r>
+            <a:r>
+              <a:rPr lang="pt-BR" sz="3600" b="1" dirty="0" err="1">
+                <a:solidFill>
+                  <a:schemeClr val="bg1"/>
+                </a:solidFill>
+              </a:rPr>
+              <a:t>NodeMCU</a:t>
+            </a:r>
+            <a:r>
+              <a:rPr lang="pt-BR" sz="3600" b="1" dirty="0">
+                <a:solidFill>
+                  <a:schemeClr val="bg1"/>
+                </a:solidFill>
+              </a:rPr>
+              <a:t> para </a:t>
             </a:r>
             <a:r>
               <a:rPr lang="pt-BR" sz="3600" b="1" dirty="0" err="1">
@@ -4331,115 +7689,7 @@
 </p:sld>
 </file>
 
-<file path=ppt/slides/slide3.xml><?xml version="1.0" encoding="utf-8"?>
-<p:sld xmlns:a="http://schemas.openxmlformats.org/drawingml/2006/main" xmlns:r="http://schemas.openxmlformats.org/officeDocument/2006/relationships" xmlns:p="http://schemas.openxmlformats.org/presentationml/2006/main">
-  <p:cSld>
-    <p:spTree>
-      <p:nvGrpSpPr>
-        <p:cNvPr id="1" name=""/>
-        <p:cNvGrpSpPr/>
-        <p:nvPr/>
-      </p:nvGrpSpPr>
-      <p:grpSpPr>
-        <a:xfrm>
-          <a:off x="0" y="0"/>
-          <a:ext cx="0" cy="0"/>
-          <a:chOff x="0" y="0"/>
-          <a:chExt cx="0" cy="0"/>
-        </a:xfrm>
-      </p:grpSpPr>
-      <p:sp>
-        <p:nvSpPr>
-          <p:cNvPr id="6" name="Title 1"/>
-          <p:cNvSpPr>
-            <a:spLocks noGrp="1"/>
-          </p:cNvSpPr>
-          <p:nvPr>
-            <p:ph type="title"/>
-          </p:nvPr>
-        </p:nvSpPr>
-        <p:spPr>
-          <a:xfrm>
-            <a:off x="457200" y="205980"/>
-            <a:ext cx="8229600" cy="857251"/>
-          </a:xfrm>
-        </p:spPr>
-        <p:txBody>
-          <a:bodyPr>
-            <a:normAutofit fontScale="90000"/>
-          </a:bodyPr>
-          <a:lstStyle/>
-          <a:p>
-            <a:r>
-              <a:rPr lang="pt-BR" b="1" dirty="0">
-                <a:solidFill>
-                  <a:srgbClr val="0070C0"/>
-                </a:solidFill>
-              </a:rPr>
-              <a:t>Aplicação na Plataforma NODEMCU</a:t>
-            </a:r>
-            <a:endParaRPr lang="en-US" b="1" dirty="0">
-              <a:solidFill>
-                <a:srgbClr val="0070C0"/>
-              </a:solidFill>
-            </a:endParaRPr>
-          </a:p>
-        </p:txBody>
-      </p:sp>
-      <p:sp>
-        <p:nvSpPr>
-          <p:cNvPr id="8" name="Text Placeholder 2"/>
-          <p:cNvSpPr>
-            <a:spLocks noGrp="1"/>
-          </p:cNvSpPr>
-          <p:nvPr>
-            <p:ph type="body" sz="half" idx="1"/>
-          </p:nvPr>
-        </p:nvSpPr>
-        <p:spPr>
-          <a:xfrm>
-            <a:off x="142865" y="1200150"/>
-            <a:ext cx="8865056" cy="3737370"/>
-          </a:xfrm>
-        </p:spPr>
-        <p:txBody>
-          <a:bodyPr>
-            <a:noAutofit/>
-          </a:bodyPr>
-          <a:lstStyle/>
-          <a:p>
-            <a:pPr marL="0" indent="0" algn="just">
-              <a:buNone/>
-            </a:pPr>
-            <a:r>
-              <a:rPr lang="pt-BR" sz="1400" dirty="0"/>
-              <a:t>ETAPAS</a:t>
-            </a:r>
-            <a:endParaRPr lang="pt-BR" sz="2000" dirty="0">
-              <a:solidFill>
-                <a:schemeClr val="tx1"/>
-              </a:solidFill>
-              <a:latin typeface="Times New Roman" panose="02020603050405020304" pitchFamily="18" charset="0"/>
-              <a:cs typeface="Times New Roman" panose="02020603050405020304" pitchFamily="18" charset="0"/>
-            </a:endParaRPr>
-          </a:p>
-        </p:txBody>
-      </p:sp>
-    </p:spTree>
-    <p:extLst>
-      <p:ext uri="{BB962C8B-B14F-4D97-AF65-F5344CB8AC3E}">
-        <p14:creationId xmlns:p14="http://schemas.microsoft.com/office/powerpoint/2010/main" val="4033950810"/>
-      </p:ext>
-    </p:extLst>
-  </p:cSld>
-  <p:clrMapOvr>
-    <a:masterClrMapping/>
-  </p:clrMapOvr>
-  <p:transition spd="med"/>
-</p:sld>
-</file>
-
-<file path=ppt/slides/slide4.xml><?xml version="1.0" encoding="utf-8"?>
+<file path=ppt/slides/slide20.xml><?xml version="1.0" encoding="utf-8"?>
 <p:sld xmlns:a="http://schemas.openxmlformats.org/drawingml/2006/main" xmlns:r="http://schemas.openxmlformats.org/officeDocument/2006/relationships" xmlns:p="http://schemas.openxmlformats.org/presentationml/2006/main">
   <p:cSld>
     <p:spTree>
@@ -4540,21 +7790,7 @@
                 <a:latin typeface="Times New Roman" panose="02020603050405020304" pitchFamily="18" charset="0"/>
                 <a:cs typeface="Times New Roman" panose="02020603050405020304" pitchFamily="18" charset="0"/>
               </a:rPr>
-              <a:t>[1] </a:t>
-            </a:r>
-            <a:r>
-              <a:rPr lang="pt-BR" sz="2400" dirty="0" err="1">
-                <a:latin typeface="Times New Roman" panose="02020603050405020304" pitchFamily="18" charset="0"/>
-                <a:cs typeface="Times New Roman" panose="02020603050405020304" pitchFamily="18" charset="0"/>
-              </a:rPr>
-              <a:t>Desenv</a:t>
-            </a:r>
-            <a:r>
-              <a:rPr lang="pt-BR" sz="2400" dirty="0">
-                <a:latin typeface="Times New Roman" panose="02020603050405020304" pitchFamily="18" charset="0"/>
-                <a:cs typeface="Times New Roman" panose="02020603050405020304" pitchFamily="18" charset="0"/>
-              </a:rPr>
-              <a:t>. App Plataformas de Middleware Para IOT em Python.</a:t>
+              <a:t>[1] Arduíno – Instalação e Configuração da IDE no Windows.</a:t>
             </a:r>
           </a:p>
           <a:p>
@@ -4577,7 +7813,7 @@
                 <a:cs typeface="Times New Roman" panose="02020603050405020304" pitchFamily="18" charset="0"/>
                 <a:hlinkClick r:id="rId3"/>
               </a:rPr>
-              <a:t>https://</a:t>
+              <a:t>https://blogmasterwalkershop.com.br/arduino/arduino-instalacao-e-configuracao-no-windows</a:t>
             </a:r>
             <a:endParaRPr lang="pt-BR" sz="2400" dirty="0">
               <a:latin typeface="Times New Roman" panose="02020603050405020304" pitchFamily="18" charset="0"/>
@@ -4602,21 +7838,21 @@
                 <a:latin typeface="Times New Roman" panose="02020603050405020304" pitchFamily="18" charset="0"/>
                 <a:cs typeface="Times New Roman" panose="02020603050405020304" pitchFamily="18" charset="0"/>
               </a:rPr>
-              <a:t>[2] </a:t>
+              <a:t>[2] Sistema utilizando o módulo ESP8266 </a:t>
             </a:r>
             <a:r>
               <a:rPr lang="pt-BR" sz="2400" dirty="0" err="1">
                 <a:latin typeface="Times New Roman" panose="02020603050405020304" pitchFamily="18" charset="0"/>
                 <a:cs typeface="Times New Roman" panose="02020603050405020304" pitchFamily="18" charset="0"/>
               </a:rPr>
-              <a:t>Desenv</a:t>
+              <a:t>NodeMCU</a:t>
             </a:r>
             <a:r>
               <a:rPr lang="pt-BR" sz="2400" dirty="0">
                 <a:latin typeface="Times New Roman" panose="02020603050405020304" pitchFamily="18" charset="0"/>
                 <a:cs typeface="Times New Roman" panose="02020603050405020304" pitchFamily="18" charset="0"/>
               </a:rPr>
-              <a:t>. App Plataformas de Middleware Para IOT em Python. </a:t>
+              <a:t>. </a:t>
             </a:r>
           </a:p>
           <a:p>
@@ -4639,47 +7875,8 @@
                 <a:cs typeface="Times New Roman" panose="02020603050405020304" pitchFamily="18" charset="0"/>
                 <a:hlinkClick r:id="rId4"/>
               </a:rPr>
-              <a:t>https:</a:t>
-            </a:r>
-            <a:r>
-              <a:rPr lang="pt-BR" sz="2400" dirty="0">
-                <a:latin typeface="Times New Roman" panose="02020603050405020304" pitchFamily="18" charset="0"/>
-                <a:cs typeface="Times New Roman" panose="02020603050405020304" pitchFamily="18" charset="0"/>
-              </a:rPr>
-              <a:t>//</a:t>
-            </a:r>
-          </a:p>
-          <a:p>
-            <a:pPr marL="0" indent="0" algn="just">
-              <a:buNone/>
-            </a:pPr>
-            <a:endParaRPr lang="pt-BR" sz="2400" dirty="0">
-              <a:latin typeface="Times New Roman" panose="02020603050405020304" pitchFamily="18" charset="0"/>
-              <a:cs typeface="Times New Roman" panose="02020603050405020304" pitchFamily="18" charset="0"/>
-            </a:endParaRPr>
-          </a:p>
-          <a:p>
-            <a:pPr marL="0" indent="0" algn="just">
-              <a:buNone/>
-            </a:pPr>
-            <a:endParaRPr lang="pt-BR" sz="2400" dirty="0">
-              <a:latin typeface="Times New Roman" panose="02020603050405020304" pitchFamily="18" charset="0"/>
-              <a:cs typeface="Times New Roman" panose="02020603050405020304" pitchFamily="18" charset="0"/>
-            </a:endParaRPr>
-          </a:p>
-          <a:p>
-            <a:pPr marL="0" indent="0" algn="just">
-              <a:buNone/>
-            </a:pPr>
-            <a:endParaRPr lang="pt-BR" sz="2400" dirty="0">
-              <a:latin typeface="Times New Roman" panose="02020603050405020304" pitchFamily="18" charset="0"/>
-              <a:cs typeface="Times New Roman" panose="02020603050405020304" pitchFamily="18" charset="0"/>
-            </a:endParaRPr>
-          </a:p>
-          <a:p>
-            <a:pPr marL="0" indent="0" algn="just">
-              <a:buNone/>
-            </a:pPr>
+              <a:t>https://repositorio.unesp.br/handle/11449/156909</a:t>
+            </a:r>
             <a:endParaRPr lang="pt-BR" sz="2400" dirty="0">
               <a:latin typeface="Calibri" panose="020F0502020204030204" pitchFamily="34" charset="0"/>
             </a:endParaRPr>
@@ -4700,7 +7897,7 @@
 </p:sld>
 </file>
 
-<file path=ppt/slides/slide5.xml><?xml version="1.0" encoding="utf-8"?>
+<file path=ppt/slides/slide21.xml><?xml version="1.0" encoding="utf-8"?>
 <p:sld xmlns:a="http://schemas.openxmlformats.org/drawingml/2006/main" xmlns:r="http://schemas.openxmlformats.org/officeDocument/2006/relationships" xmlns:p="http://schemas.openxmlformats.org/presentationml/2006/main">
   <p:cSld>
     <p:spTree>
@@ -4788,21 +7985,21 @@
                 <a:latin typeface="Times New Roman" panose="02020603050405020304" pitchFamily="18" charset="0"/>
                 <a:cs typeface="Times New Roman" panose="02020603050405020304" pitchFamily="18" charset="0"/>
               </a:rPr>
-              <a:t>[1] </a:t>
+              <a:t>[1] Plataforma </a:t>
             </a:r>
             <a:r>
               <a:rPr lang="pt-BR" sz="2400" dirty="0" err="1">
                 <a:latin typeface="Times New Roman" panose="02020603050405020304" pitchFamily="18" charset="0"/>
                 <a:cs typeface="Times New Roman" panose="02020603050405020304" pitchFamily="18" charset="0"/>
               </a:rPr>
-              <a:t>Desenv</a:t>
+              <a:t>ThingSpeak</a:t>
             </a:r>
             <a:r>
               <a:rPr lang="pt-BR" sz="2400" dirty="0">
                 <a:latin typeface="Times New Roman" panose="02020603050405020304" pitchFamily="18" charset="0"/>
                 <a:cs typeface="Times New Roman" panose="02020603050405020304" pitchFamily="18" charset="0"/>
               </a:rPr>
-              <a:t>. App Plataformas de Middleware Para IOT em Python.</a:t>
+              <a:t> com Arduino ESP8266.</a:t>
             </a:r>
           </a:p>
           <a:p>
@@ -4825,7 +8022,7 @@
                 <a:cs typeface="Times New Roman" panose="02020603050405020304" pitchFamily="18" charset="0"/>
                 <a:hlinkClick r:id="rId3"/>
               </a:rPr>
-              <a:t>https://</a:t>
+              <a:t>https://www.youtube.com/watch?v=NhTru6W4LKQ</a:t>
             </a:r>
             <a:endParaRPr lang="pt-BR" sz="2400" dirty="0">
               <a:latin typeface="Times New Roman" panose="02020603050405020304" pitchFamily="18" charset="0"/>
@@ -4845,33 +8042,42 @@
             <a:pPr marL="0" indent="0" algn="just">
               <a:buNone/>
             </a:pPr>
-            <a:r>
-              <a:rPr lang="pt-BR" sz="2400" dirty="0">
-                <a:latin typeface="Times New Roman" panose="02020603050405020304" pitchFamily="18" charset="0"/>
-                <a:cs typeface="Times New Roman" panose="02020603050405020304" pitchFamily="18" charset="0"/>
-              </a:rPr>
-              <a:t>[2] </a:t>
-            </a:r>
-            <a:r>
-              <a:rPr lang="pt-BR" sz="2400" dirty="0" err="1">
-                <a:latin typeface="Times New Roman" panose="02020603050405020304" pitchFamily="18" charset="0"/>
-                <a:cs typeface="Times New Roman" panose="02020603050405020304" pitchFamily="18" charset="0"/>
-              </a:rPr>
-              <a:t>Desenv</a:t>
-            </a:r>
-            <a:r>
-              <a:rPr lang="pt-BR" sz="2400" dirty="0">
-                <a:latin typeface="Times New Roman" panose="02020603050405020304" pitchFamily="18" charset="0"/>
-                <a:cs typeface="Times New Roman" panose="02020603050405020304" pitchFamily="18" charset="0"/>
-              </a:rPr>
-              <a:t>. App Plataformas de Middleware Para IOT em Python. </a:t>
-            </a:r>
+            <a:endParaRPr lang="pt-BR" sz="2400" dirty="0">
+              <a:latin typeface="Times New Roman" panose="02020603050405020304" pitchFamily="18" charset="0"/>
+              <a:cs typeface="Times New Roman" panose="02020603050405020304" pitchFamily="18" charset="0"/>
+            </a:endParaRPr>
           </a:p>
           <a:p>
             <a:pPr marL="0" indent="0" algn="just">
               <a:buNone/>
             </a:pPr>
             <a:r>
+              <a:rPr lang="pt-BR" sz="2400" dirty="0">
+                <a:latin typeface="Times New Roman" panose="02020603050405020304" pitchFamily="18" charset="0"/>
+                <a:cs typeface="Times New Roman" panose="02020603050405020304" pitchFamily="18" charset="0"/>
+              </a:rPr>
+              <a:t>[2] Como configurar e Programar com o </a:t>
+            </a:r>
+            <a:r>
+              <a:rPr lang="pt-BR" sz="2400" dirty="0" err="1">
+                <a:latin typeface="Times New Roman" panose="02020603050405020304" pitchFamily="18" charset="0"/>
+                <a:cs typeface="Times New Roman" panose="02020603050405020304" pitchFamily="18" charset="0"/>
+              </a:rPr>
+              <a:t>NodeMCU</a:t>
+            </a:r>
+            <a:r>
+              <a:rPr lang="pt-BR" sz="2400" dirty="0">
+                <a:latin typeface="Times New Roman" panose="02020603050405020304" pitchFamily="18" charset="0"/>
+                <a:cs typeface="Times New Roman" panose="02020603050405020304" pitchFamily="18" charset="0"/>
+              </a:rPr>
+              <a:t> ESP8266. </a:t>
+            </a:r>
+          </a:p>
+          <a:p>
+            <a:pPr marL="0" indent="0" algn="just">
+              <a:buNone/>
+            </a:pPr>
+            <a:r>
               <a:rPr lang="pt-BR" sz="2400" b="1" dirty="0">
                 <a:solidFill>
                   <a:srgbClr val="FF0000"/>
@@ -4887,7 +8093,7 @@
                 <a:cs typeface="Times New Roman" panose="02020603050405020304" pitchFamily="18" charset="0"/>
                 <a:hlinkClick r:id="rId4"/>
               </a:rPr>
-              <a:t>https://</a:t>
+              <a:t>https://www.youtube.com/watch?v=YN522_npNqs</a:t>
             </a:r>
             <a:endParaRPr lang="pt-BR" sz="2400" dirty="0">
               <a:latin typeface="Times New Roman" panose="02020603050405020304" pitchFamily="18" charset="0"/>
@@ -4919,7 +8125,7 @@
 </p:sld>
 </file>
 
-<file path=ppt/slides/slide6.xml><?xml version="1.0" encoding="utf-8"?>
+<file path=ppt/slides/slide22.xml><?xml version="1.0" encoding="utf-8"?>
 <p:sld xmlns:a="http://schemas.openxmlformats.org/drawingml/2006/main" xmlns:r="http://schemas.openxmlformats.org/officeDocument/2006/relationships" xmlns:p="http://schemas.openxmlformats.org/presentationml/2006/main">
   <p:cSld>
     <p:spTree>
@@ -5016,18 +8222,26 @@
               <a:buNone/>
             </a:pPr>
             <a:r>
-              <a:rPr lang="pt-BR" sz="2400" dirty="0">
-                <a:latin typeface="Times New Roman" panose="02020603050405020304" pitchFamily="18" charset="0"/>
-                <a:cs typeface="Times New Roman" panose="02020603050405020304" pitchFamily="18" charset="0"/>
-              </a:rPr>
-              <a:t>Exercícios (Atividade Verificadora de Aprendizagem)</a:t>
+              <a:rPr lang="pt-BR" sz="2000" b="1" dirty="0">
+                <a:latin typeface="Times New Roman" panose="02020603050405020304" pitchFamily="18" charset="0"/>
+                <a:cs typeface="Times New Roman" panose="02020603050405020304" pitchFamily="18" charset="0"/>
+              </a:rPr>
+              <a:t>-- Quiz 1</a:t>
             </a:r>
           </a:p>
           <a:p>
             <a:pPr marL="0" indent="0" algn="just">
               <a:buNone/>
             </a:pPr>
-            <a:endParaRPr lang="pt-BR" sz="2400">
+            <a:r>
+              <a:rPr lang="pt-BR" sz="2000" dirty="0">
+                <a:latin typeface="Times New Roman" panose="02020603050405020304" pitchFamily="18" charset="0"/>
+                <a:cs typeface="Times New Roman" panose="02020603050405020304" pitchFamily="18" charset="0"/>
+                <a:hlinkClick r:id="rId3"/>
+              </a:rPr>
+              <a:t>https://engineeringinterviewquestions.com/mcqs-on-esp8266-wifi-module-answers/</a:t>
+            </a:r>
+            <a:endParaRPr lang="pt-BR" sz="2000" dirty="0">
               <a:latin typeface="Times New Roman" panose="02020603050405020304" pitchFamily="18" charset="0"/>
               <a:cs typeface="Times New Roman" panose="02020603050405020304" pitchFamily="18" charset="0"/>
             </a:endParaRPr>
@@ -5036,7 +8250,74 @@
             <a:pPr marL="0" indent="0" algn="just">
               <a:buNone/>
             </a:pPr>
-            <a:endParaRPr lang="pt-BR" sz="2400" dirty="0">
+            <a:endParaRPr lang="pt-BR" sz="2000" dirty="0">
+              <a:latin typeface="Times New Roman" panose="02020603050405020304" pitchFamily="18" charset="0"/>
+              <a:cs typeface="Times New Roman" panose="02020603050405020304" pitchFamily="18" charset="0"/>
+            </a:endParaRPr>
+          </a:p>
+          <a:p>
+            <a:pPr marL="0" indent="0" algn="just">
+              <a:buNone/>
+            </a:pPr>
+            <a:r>
+              <a:rPr lang="pt-BR" sz="2000" b="1" dirty="0">
+                <a:latin typeface="Times New Roman" panose="02020603050405020304" pitchFamily="18" charset="0"/>
+                <a:cs typeface="Times New Roman" panose="02020603050405020304" pitchFamily="18" charset="0"/>
+              </a:rPr>
+              <a:t>-- Quiz 2</a:t>
+            </a:r>
+          </a:p>
+          <a:p>
+            <a:pPr marL="0" indent="0" algn="just">
+              <a:buNone/>
+            </a:pPr>
+            <a:r>
+              <a:rPr lang="pt-BR" sz="2000" dirty="0">
+                <a:latin typeface="Times New Roman" panose="02020603050405020304" pitchFamily="18" charset="0"/>
+                <a:cs typeface="Times New Roman" panose="02020603050405020304" pitchFamily="18" charset="0"/>
+                <a:hlinkClick r:id="rId4"/>
+              </a:rPr>
+              <a:t>https://iot4beginners.com/nodemcu_esp8266-quiz_1/</a:t>
+            </a:r>
+            <a:endParaRPr lang="pt-BR" sz="2000" dirty="0">
+              <a:latin typeface="Times New Roman" panose="02020603050405020304" pitchFamily="18" charset="0"/>
+              <a:cs typeface="Times New Roman" panose="02020603050405020304" pitchFamily="18" charset="0"/>
+            </a:endParaRPr>
+          </a:p>
+          <a:p>
+            <a:pPr marL="0" indent="0" algn="just">
+              <a:buNone/>
+            </a:pPr>
+            <a:endParaRPr lang="pt-BR" sz="2000" dirty="0">
+              <a:latin typeface="Times New Roman" panose="02020603050405020304" pitchFamily="18" charset="0"/>
+              <a:cs typeface="Times New Roman" panose="02020603050405020304" pitchFamily="18" charset="0"/>
+            </a:endParaRPr>
+          </a:p>
+          <a:p>
+            <a:pPr marL="0" indent="0" algn="just">
+              <a:buNone/>
+            </a:pPr>
+            <a:r>
+              <a:rPr lang="pt-BR" sz="2000" b="1" dirty="0">
+                <a:latin typeface="Times New Roman" panose="02020603050405020304" pitchFamily="18" charset="0"/>
+                <a:cs typeface="Times New Roman" panose="02020603050405020304" pitchFamily="18" charset="0"/>
+              </a:rPr>
+              <a:t>-- Quiz 3</a:t>
+            </a:r>
+          </a:p>
+          <a:p>
+            <a:pPr marL="0" indent="0" algn="just">
+              <a:buNone/>
+            </a:pPr>
+            <a:r>
+              <a:rPr lang="pt-BR" sz="2000" dirty="0">
+                <a:latin typeface="Times New Roman" panose="02020603050405020304" pitchFamily="18" charset="0"/>
+                <a:cs typeface="Times New Roman" panose="02020603050405020304" pitchFamily="18" charset="0"/>
+                <a:hlinkClick r:id="rId5"/>
+              </a:rPr>
+              <a:t>https://iot4beginners.com/nodemcu_esp8266-quiz_3/</a:t>
+            </a:r>
+            <a:endParaRPr lang="pt-BR" sz="2000" dirty="0">
               <a:latin typeface="Times New Roman" panose="02020603050405020304" pitchFamily="18" charset="0"/>
               <a:cs typeface="Times New Roman" panose="02020603050405020304" pitchFamily="18" charset="0"/>
             </a:endParaRPr>
@@ -5057,7 +8338,7 @@
 </p:sld>
 </file>
 
-<file path=ppt/slides/slide7.xml><?xml version="1.0" encoding="utf-8"?>
+<file path=ppt/slides/slide23.xml><?xml version="1.0" encoding="utf-8"?>
 <p:sld xmlns:a="http://schemas.openxmlformats.org/drawingml/2006/main" xmlns:r="http://schemas.openxmlformats.org/officeDocument/2006/relationships" xmlns:p="http://schemas.openxmlformats.org/presentationml/2006/main">
   <p:cSld>
     <p:spTree>
@@ -5158,7 +8439,58 @@
                 <a:latin typeface="Times New Roman" panose="02020603050405020304" pitchFamily="18" charset="0"/>
                 <a:cs typeface="Times New Roman" panose="02020603050405020304" pitchFamily="18" charset="0"/>
               </a:rPr>
-              <a:t>[1] .</a:t>
+              <a:t>[1] </a:t>
+            </a:r>
+            <a:r>
+              <a:rPr lang="pt-BR" sz="2000" b="1" dirty="0">
+                <a:solidFill>
+                  <a:srgbClr val="FF0000"/>
+                </a:solidFill>
+                <a:latin typeface="Times New Roman" panose="02020603050405020304" pitchFamily="18" charset="0"/>
+                <a:cs typeface="Times New Roman" panose="02020603050405020304" pitchFamily="18" charset="0"/>
+              </a:rPr>
+              <a:t>SILVEIRA, </a:t>
+            </a:r>
+            <a:r>
+              <a:rPr lang="pt-BR" sz="2000" b="1" dirty="0" err="1">
+                <a:solidFill>
+                  <a:srgbClr val="FF0000"/>
+                </a:solidFill>
+                <a:latin typeface="Times New Roman" panose="02020603050405020304" pitchFamily="18" charset="0"/>
+                <a:cs typeface="Times New Roman" panose="02020603050405020304" pitchFamily="18" charset="0"/>
+              </a:rPr>
+              <a:t>Rayanne</a:t>
+            </a:r>
+            <a:r>
+              <a:rPr lang="pt-BR" sz="2000" b="1" dirty="0">
+                <a:solidFill>
+                  <a:srgbClr val="FF0000"/>
+                </a:solidFill>
+                <a:latin typeface="Times New Roman" panose="02020603050405020304" pitchFamily="18" charset="0"/>
+                <a:cs typeface="Times New Roman" panose="02020603050405020304" pitchFamily="18" charset="0"/>
+              </a:rPr>
+              <a:t> MC; LEITE, S. L.</a:t>
+            </a:r>
+            <a:r>
+              <a:rPr lang="pt-BR" sz="2000" dirty="0">
+                <a:latin typeface="Times New Roman" panose="02020603050405020304" pitchFamily="18" charset="0"/>
+                <a:cs typeface="Times New Roman" panose="02020603050405020304" pitchFamily="18" charset="0"/>
+              </a:rPr>
+              <a:t> Sistema de controle de acesso baseado na plataforma </a:t>
+            </a:r>
+            <a:r>
+              <a:rPr lang="pt-BR" sz="2000" dirty="0" err="1">
+                <a:latin typeface="Times New Roman" panose="02020603050405020304" pitchFamily="18" charset="0"/>
+                <a:cs typeface="Times New Roman" panose="02020603050405020304" pitchFamily="18" charset="0"/>
+              </a:rPr>
+              <a:t>nodemcu</a:t>
+            </a:r>
+            <a:r>
+              <a:rPr lang="pt-BR" sz="2000" dirty="0">
+                <a:latin typeface="Times New Roman" panose="02020603050405020304" pitchFamily="18" charset="0"/>
+                <a:cs typeface="Times New Roman" panose="02020603050405020304" pitchFamily="18" charset="0"/>
+              </a:rPr>
+              <a:t>. VI Jornada de Informática do Maranhão, 2016.</a:t>
             </a:r>
           </a:p>
           <a:p>
@@ -5182,11 +8514,39 @@
               <a:t>[2] </a:t>
             </a:r>
             <a:r>
-              <a:rPr lang="pt-BR" sz="2000" dirty="0">
-                <a:latin typeface="Calibri" panose="020F0502020204030204" pitchFamily="34" charset="0"/>
-              </a:rPr>
-              <a:t>.</a:t>
-            </a:r>
+              <a:rPr lang="en-US" sz="2000" b="1" dirty="0">
+                <a:solidFill>
+                  <a:srgbClr val="FF0000"/>
+                </a:solidFill>
+                <a:latin typeface="Times New Roman" panose="02020603050405020304" pitchFamily="18" charset="0"/>
+                <a:cs typeface="Times New Roman" panose="02020603050405020304" pitchFamily="18" charset="0"/>
+              </a:rPr>
+              <a:t>PARIHAR, Yogendra Singh et al.</a:t>
+            </a:r>
+            <a:r>
+              <a:rPr lang="en-US" sz="2000" dirty="0">
+                <a:latin typeface="Times New Roman" panose="02020603050405020304" pitchFamily="18" charset="0"/>
+                <a:cs typeface="Times New Roman" panose="02020603050405020304" pitchFamily="18" charset="0"/>
+              </a:rPr>
+              <a:t> Internet of things and </a:t>
+            </a:r>
+            <a:r>
+              <a:rPr lang="en-US" sz="2000" dirty="0" err="1">
+                <a:latin typeface="Times New Roman" panose="02020603050405020304" pitchFamily="18" charset="0"/>
+                <a:cs typeface="Times New Roman" panose="02020603050405020304" pitchFamily="18" charset="0"/>
+              </a:rPr>
+              <a:t>nodemcu</a:t>
+            </a:r>
+            <a:r>
+              <a:rPr lang="en-US" sz="2000" dirty="0">
+                <a:latin typeface="Times New Roman" panose="02020603050405020304" pitchFamily="18" charset="0"/>
+                <a:cs typeface="Times New Roman" panose="02020603050405020304" pitchFamily="18" charset="0"/>
+              </a:rPr>
+              <a:t>. journal of emerging technologies and innovative research, v. 6, n. 6, p. 1085, 2019.</a:t>
+            </a:r>
+            <a:endParaRPr lang="pt-BR" sz="2000" dirty="0">
+              <a:latin typeface="Calibri" panose="020F0502020204030204" pitchFamily="34" charset="0"/>
+            </a:endParaRPr>
           </a:p>
           <a:p>
             <a:pPr marL="0" indent="0" algn="just">
@@ -5204,7 +8564,178 @@
               <a:rPr lang="pt-BR" sz="2000" dirty="0">
                 <a:latin typeface="Calibri" panose="020F0502020204030204" pitchFamily="34" charset="0"/>
               </a:rPr>
-              <a:t>[3] .</a:t>
+              <a:t>[3] </a:t>
+            </a:r>
+            <a:r>
+              <a:rPr lang="pt-BR" sz="2000" b="1" dirty="0">
+                <a:solidFill>
+                  <a:srgbClr val="FF0000"/>
+                </a:solidFill>
+                <a:latin typeface="Calibri" panose="020F0502020204030204" pitchFamily="34" charset="0"/>
+              </a:rPr>
+              <a:t>WICAKSONO, </a:t>
+            </a:r>
+            <a:r>
+              <a:rPr lang="pt-BR" sz="2000" b="1" dirty="0" err="1">
+                <a:solidFill>
+                  <a:srgbClr val="FF0000"/>
+                </a:solidFill>
+                <a:latin typeface="Calibri" panose="020F0502020204030204" pitchFamily="34" charset="0"/>
+              </a:rPr>
+              <a:t>Mochamad</a:t>
+            </a:r>
+            <a:r>
+              <a:rPr lang="pt-BR" sz="2000" b="1" dirty="0">
+                <a:solidFill>
+                  <a:srgbClr val="FF0000"/>
+                </a:solidFill>
+                <a:latin typeface="Calibri" panose="020F0502020204030204" pitchFamily="34" charset="0"/>
+              </a:rPr>
+              <a:t> </a:t>
+            </a:r>
+            <a:r>
+              <a:rPr lang="pt-BR" sz="2000" b="1" dirty="0" err="1">
+                <a:solidFill>
+                  <a:srgbClr val="FF0000"/>
+                </a:solidFill>
+                <a:latin typeface="Calibri" panose="020F0502020204030204" pitchFamily="34" charset="0"/>
+              </a:rPr>
+              <a:t>Fajar</a:t>
+            </a:r>
+            <a:r>
+              <a:rPr lang="pt-BR" sz="2000" b="1" dirty="0">
+                <a:solidFill>
+                  <a:srgbClr val="FF0000"/>
+                </a:solidFill>
+                <a:latin typeface="Calibri" panose="020F0502020204030204" pitchFamily="34" charset="0"/>
+              </a:rPr>
+              <a:t>.</a:t>
+            </a:r>
+            <a:r>
+              <a:rPr lang="pt-BR" sz="2000" dirty="0">
+                <a:latin typeface="Calibri" panose="020F0502020204030204" pitchFamily="34" charset="0"/>
+              </a:rPr>
+              <a:t> </a:t>
+            </a:r>
+            <a:r>
+              <a:rPr lang="pt-BR" sz="2000" dirty="0" err="1">
+                <a:latin typeface="Calibri" panose="020F0502020204030204" pitchFamily="34" charset="0"/>
+              </a:rPr>
+              <a:t>Implementasi</a:t>
+            </a:r>
+            <a:r>
+              <a:rPr lang="pt-BR" sz="2000" dirty="0">
+                <a:latin typeface="Calibri" panose="020F0502020204030204" pitchFamily="34" charset="0"/>
+              </a:rPr>
+              <a:t> </a:t>
+            </a:r>
+            <a:r>
+              <a:rPr lang="pt-BR" sz="2000" dirty="0" err="1">
+                <a:latin typeface="Calibri" panose="020F0502020204030204" pitchFamily="34" charset="0"/>
+              </a:rPr>
+              <a:t>modul</a:t>
+            </a:r>
+            <a:r>
+              <a:rPr lang="pt-BR" sz="2000" dirty="0">
+                <a:latin typeface="Calibri" panose="020F0502020204030204" pitchFamily="34" charset="0"/>
+              </a:rPr>
+              <a:t> </a:t>
+            </a:r>
+            <a:r>
+              <a:rPr lang="pt-BR" sz="2000" dirty="0" err="1">
+                <a:latin typeface="Calibri" panose="020F0502020204030204" pitchFamily="34" charset="0"/>
+              </a:rPr>
+              <a:t>wifi</a:t>
+            </a:r>
+            <a:r>
+              <a:rPr lang="pt-BR" sz="2000" dirty="0">
+                <a:latin typeface="Calibri" panose="020F0502020204030204" pitchFamily="34" charset="0"/>
+              </a:rPr>
+              <a:t> </a:t>
+            </a:r>
+            <a:r>
+              <a:rPr lang="pt-BR" sz="2000" dirty="0" err="1">
+                <a:latin typeface="Calibri" panose="020F0502020204030204" pitchFamily="34" charset="0"/>
+              </a:rPr>
+              <a:t>NodeMCU</a:t>
+            </a:r>
+            <a:r>
+              <a:rPr lang="pt-BR" sz="2000" dirty="0">
+                <a:latin typeface="Calibri" panose="020F0502020204030204" pitchFamily="34" charset="0"/>
+              </a:rPr>
+              <a:t> Esp8266 </a:t>
+            </a:r>
+            <a:r>
+              <a:rPr lang="pt-BR" sz="2000" dirty="0" err="1">
+                <a:latin typeface="Calibri" panose="020F0502020204030204" pitchFamily="34" charset="0"/>
+              </a:rPr>
+              <a:t>untuk</a:t>
+            </a:r>
+            <a:r>
+              <a:rPr lang="pt-BR" sz="2000" dirty="0">
+                <a:latin typeface="Calibri" panose="020F0502020204030204" pitchFamily="34" charset="0"/>
+              </a:rPr>
+              <a:t> </a:t>
+            </a:r>
+            <a:r>
+              <a:rPr lang="pt-BR" sz="2000" dirty="0" err="1">
+                <a:latin typeface="Calibri" panose="020F0502020204030204" pitchFamily="34" charset="0"/>
+              </a:rPr>
+              <a:t>smart</a:t>
+            </a:r>
+            <a:r>
+              <a:rPr lang="pt-BR" sz="2000" dirty="0">
+                <a:latin typeface="Calibri" panose="020F0502020204030204" pitchFamily="34" charset="0"/>
+              </a:rPr>
+              <a:t> home. </a:t>
+            </a:r>
+            <a:r>
+              <a:rPr lang="pt-BR" sz="2000" dirty="0" err="1">
+                <a:latin typeface="Calibri" panose="020F0502020204030204" pitchFamily="34" charset="0"/>
+              </a:rPr>
+              <a:t>Komputika</a:t>
+            </a:r>
+            <a:r>
+              <a:rPr lang="pt-BR" sz="2000" dirty="0">
+                <a:latin typeface="Calibri" panose="020F0502020204030204" pitchFamily="34" charset="0"/>
+              </a:rPr>
+              <a:t>: </a:t>
+            </a:r>
+            <a:r>
+              <a:rPr lang="pt-BR" sz="2000" dirty="0" err="1">
+                <a:latin typeface="Calibri" panose="020F0502020204030204" pitchFamily="34" charset="0"/>
+              </a:rPr>
+              <a:t>Jurnal</a:t>
+            </a:r>
+            <a:r>
+              <a:rPr lang="pt-BR" sz="2000" dirty="0">
+                <a:latin typeface="Calibri" panose="020F0502020204030204" pitchFamily="34" charset="0"/>
+              </a:rPr>
+              <a:t> </a:t>
+            </a:r>
+            <a:r>
+              <a:rPr lang="pt-BR" sz="2000" dirty="0" err="1">
+                <a:latin typeface="Calibri" panose="020F0502020204030204" pitchFamily="34" charset="0"/>
+              </a:rPr>
+              <a:t>Sistem</a:t>
+            </a:r>
+            <a:r>
+              <a:rPr lang="pt-BR" sz="2000" dirty="0">
+                <a:latin typeface="Calibri" panose="020F0502020204030204" pitchFamily="34" charset="0"/>
+              </a:rPr>
+              <a:t> </a:t>
+            </a:r>
+            <a:r>
+              <a:rPr lang="pt-BR" sz="2000" dirty="0" err="1">
+                <a:latin typeface="Calibri" panose="020F0502020204030204" pitchFamily="34" charset="0"/>
+              </a:rPr>
+              <a:t>Komputer</a:t>
+            </a:r>
+            <a:r>
+              <a:rPr lang="pt-BR" sz="2000" dirty="0">
+                <a:latin typeface="Calibri" panose="020F0502020204030204" pitchFamily="34" charset="0"/>
+              </a:rPr>
+              <a:t>, v. 6, n. 1, 2017.</a:t>
             </a:r>
           </a:p>
         </p:txBody>
@@ -5223,7 +8754,7 @@
 </p:sld>
 </file>
 
-<file path=ppt/slides/slide8.xml><?xml version="1.0" encoding="utf-8"?>
+<file path=ppt/slides/slide24.xml><?xml version="1.0" encoding="utf-8"?>
 <p:sld xmlns:a="http://schemas.openxmlformats.org/drawingml/2006/main" xmlns:r="http://schemas.openxmlformats.org/officeDocument/2006/relationships" xmlns:p="http://schemas.openxmlformats.org/presentationml/2006/main">
   <p:cSld>
     <p:spTree>
@@ -5670,6 +9201,1752 @@
         </p:spPr>
       </p:pic>
     </p:spTree>
+  </p:cSld>
+  <p:clrMapOvr>
+    <a:masterClrMapping/>
+  </p:clrMapOvr>
+  <p:transition spd="med"/>
+</p:sld>
+</file>
+
+<file path=ppt/slides/slide3.xml><?xml version="1.0" encoding="utf-8"?>
+<p:sld xmlns:a="http://schemas.openxmlformats.org/drawingml/2006/main" xmlns:r="http://schemas.openxmlformats.org/officeDocument/2006/relationships" xmlns:p="http://schemas.openxmlformats.org/presentationml/2006/main">
+  <p:cSld>
+    <p:spTree>
+      <p:nvGrpSpPr>
+        <p:cNvPr id="1" name=""/>
+        <p:cNvGrpSpPr/>
+        <p:nvPr/>
+      </p:nvGrpSpPr>
+      <p:grpSpPr>
+        <a:xfrm>
+          <a:off x="0" y="0"/>
+          <a:ext cx="0" cy="0"/>
+          <a:chOff x="0" y="0"/>
+          <a:chExt cx="0" cy="0"/>
+        </a:xfrm>
+      </p:grpSpPr>
+      <p:sp>
+        <p:nvSpPr>
+          <p:cNvPr id="6" name="Title 1"/>
+          <p:cNvSpPr>
+            <a:spLocks noGrp="1"/>
+          </p:cNvSpPr>
+          <p:nvPr>
+            <p:ph type="title"/>
+          </p:nvPr>
+        </p:nvSpPr>
+        <p:spPr>
+          <a:xfrm>
+            <a:off x="457200" y="205980"/>
+            <a:ext cx="8229600" cy="857251"/>
+          </a:xfrm>
+        </p:spPr>
+        <p:txBody>
+          <a:bodyPr>
+            <a:normAutofit/>
+          </a:bodyPr>
+          <a:lstStyle/>
+          <a:p>
+            <a:r>
+              <a:rPr lang="pt-BR" b="1" dirty="0">
+                <a:solidFill>
+                  <a:srgbClr val="0070C0"/>
+                </a:solidFill>
+              </a:rPr>
+              <a:t>Plataforma </a:t>
+            </a:r>
+            <a:r>
+              <a:rPr lang="pt-BR" b="1" dirty="0" err="1">
+                <a:solidFill>
+                  <a:srgbClr val="0070C0"/>
+                </a:solidFill>
+              </a:rPr>
+              <a:t>NodeMCU</a:t>
+            </a:r>
+            <a:endParaRPr lang="en-US" b="1" dirty="0">
+              <a:solidFill>
+                <a:srgbClr val="0070C0"/>
+              </a:solidFill>
+            </a:endParaRPr>
+          </a:p>
+        </p:txBody>
+      </p:sp>
+      <p:sp>
+        <p:nvSpPr>
+          <p:cNvPr id="8" name="Text Placeholder 2"/>
+          <p:cNvSpPr>
+            <a:spLocks noGrp="1"/>
+          </p:cNvSpPr>
+          <p:nvPr>
+            <p:ph type="body" sz="half" idx="1"/>
+          </p:nvPr>
+        </p:nvSpPr>
+        <p:spPr>
+          <a:xfrm>
+            <a:off x="142865" y="1200150"/>
+            <a:ext cx="8865056" cy="3737370"/>
+          </a:xfrm>
+        </p:spPr>
+        <p:txBody>
+          <a:bodyPr>
+            <a:noAutofit/>
+          </a:bodyPr>
+          <a:lstStyle/>
+          <a:p>
+            <a:pPr marL="0" indent="0" algn="just">
+              <a:buNone/>
+            </a:pPr>
+            <a:r>
+              <a:rPr lang="pt-BR" sz="2000" dirty="0">
+                <a:solidFill>
+                  <a:schemeClr val="tx1"/>
+                </a:solidFill>
+                <a:latin typeface="Times New Roman" panose="02020603050405020304" pitchFamily="18" charset="0"/>
+                <a:cs typeface="Times New Roman" panose="02020603050405020304" pitchFamily="18" charset="0"/>
+              </a:rPr>
+              <a:t>Plataforma </a:t>
+            </a:r>
+            <a:r>
+              <a:rPr lang="pt-BR" sz="2000" dirty="0" err="1">
+                <a:solidFill>
+                  <a:schemeClr val="tx1"/>
+                </a:solidFill>
+                <a:latin typeface="Times New Roman" panose="02020603050405020304" pitchFamily="18" charset="0"/>
+                <a:cs typeface="Times New Roman" panose="02020603050405020304" pitchFamily="18" charset="0"/>
+              </a:rPr>
+              <a:t>IoT</a:t>
+            </a:r>
+            <a:r>
+              <a:rPr lang="pt-BR" sz="2000" dirty="0">
+                <a:solidFill>
+                  <a:schemeClr val="tx1"/>
+                </a:solidFill>
+                <a:latin typeface="Times New Roman" panose="02020603050405020304" pitchFamily="18" charset="0"/>
+                <a:cs typeface="Times New Roman" panose="02020603050405020304" pitchFamily="18" charset="0"/>
+              </a:rPr>
+              <a:t> </a:t>
+            </a:r>
+            <a:r>
+              <a:rPr lang="pt-BR" sz="2000" b="1" dirty="0">
+                <a:solidFill>
+                  <a:schemeClr val="tx1"/>
+                </a:solidFill>
+                <a:latin typeface="Times New Roman" panose="02020603050405020304" pitchFamily="18" charset="0"/>
+                <a:cs typeface="Times New Roman" panose="02020603050405020304" pitchFamily="18" charset="0"/>
+              </a:rPr>
+              <a:t>open-</a:t>
+            </a:r>
+            <a:r>
+              <a:rPr lang="pt-BR" sz="2000" b="1" dirty="0" err="1">
+                <a:solidFill>
+                  <a:schemeClr val="tx1"/>
+                </a:solidFill>
+                <a:latin typeface="Times New Roman" panose="02020603050405020304" pitchFamily="18" charset="0"/>
+                <a:cs typeface="Times New Roman" panose="02020603050405020304" pitchFamily="18" charset="0"/>
+              </a:rPr>
+              <a:t>source</a:t>
+            </a:r>
+            <a:r>
+              <a:rPr lang="pt-BR" sz="2000" dirty="0">
+                <a:solidFill>
+                  <a:schemeClr val="tx1"/>
+                </a:solidFill>
+                <a:latin typeface="Times New Roman" panose="02020603050405020304" pitchFamily="18" charset="0"/>
+                <a:cs typeface="Times New Roman" panose="02020603050405020304" pitchFamily="18" charset="0"/>
+              </a:rPr>
+              <a:t> da </a:t>
+            </a:r>
+            <a:r>
+              <a:rPr lang="pt-BR" sz="2000" b="1" dirty="0">
+                <a:solidFill>
+                  <a:srgbClr val="FF0000"/>
+                </a:solidFill>
+                <a:latin typeface="Times New Roman" panose="02020603050405020304" pitchFamily="18" charset="0"/>
+                <a:cs typeface="Times New Roman" panose="02020603050405020304" pitchFamily="18" charset="0"/>
+              </a:rPr>
+              <a:t>família ESP8266</a:t>
+            </a:r>
+            <a:r>
+              <a:rPr lang="pt-BR" sz="2000" dirty="0">
+                <a:solidFill>
+                  <a:schemeClr val="tx1"/>
+                </a:solidFill>
+                <a:latin typeface="Times New Roman" panose="02020603050405020304" pitchFamily="18" charset="0"/>
+                <a:cs typeface="Times New Roman" panose="02020603050405020304" pitchFamily="18" charset="0"/>
+              </a:rPr>
+              <a:t>, de baixo custo, suporte integrado as redes WiFi e baixo consumo de energia. Já vem com um conversor USB serial integrado.</a:t>
+            </a:r>
+          </a:p>
+          <a:p>
+            <a:pPr marL="0" indent="0" algn="just">
+              <a:buNone/>
+            </a:pPr>
+            <a:endParaRPr lang="pt-BR" sz="2000" dirty="0">
+              <a:solidFill>
+                <a:schemeClr val="tx1"/>
+              </a:solidFill>
+              <a:latin typeface="Times New Roman" panose="02020603050405020304" pitchFamily="18" charset="0"/>
+              <a:cs typeface="Times New Roman" panose="02020603050405020304" pitchFamily="18" charset="0"/>
+            </a:endParaRPr>
+          </a:p>
+          <a:p>
+            <a:pPr marL="0" indent="0" algn="just">
+              <a:buNone/>
+            </a:pPr>
+            <a:r>
+              <a:rPr lang="pt-BR" sz="2000" dirty="0">
+                <a:solidFill>
+                  <a:schemeClr val="tx1"/>
+                </a:solidFill>
+                <a:latin typeface="Times New Roman" panose="02020603050405020304" pitchFamily="18" charset="0"/>
+                <a:cs typeface="Times New Roman" panose="02020603050405020304" pitchFamily="18" charset="0"/>
+              </a:rPr>
+              <a:t>O Módulo </a:t>
+            </a:r>
+            <a:r>
+              <a:rPr lang="pt-BR" sz="2000" b="1" dirty="0" err="1">
+                <a:solidFill>
+                  <a:schemeClr val="tx1"/>
+                </a:solidFill>
+                <a:latin typeface="Times New Roman" panose="02020603050405020304" pitchFamily="18" charset="0"/>
+                <a:cs typeface="Times New Roman" panose="02020603050405020304" pitchFamily="18" charset="0"/>
+              </a:rPr>
+              <a:t>NodeMCU</a:t>
+            </a:r>
+            <a:r>
+              <a:rPr lang="pt-BR" sz="2000" b="1" dirty="0">
+                <a:solidFill>
+                  <a:schemeClr val="tx1"/>
+                </a:solidFill>
+                <a:latin typeface="Times New Roman" panose="02020603050405020304" pitchFamily="18" charset="0"/>
+                <a:cs typeface="Times New Roman" panose="02020603050405020304" pitchFamily="18" charset="0"/>
+              </a:rPr>
+              <a:t> ESP8266 CP2102</a:t>
+            </a:r>
+            <a:r>
+              <a:rPr lang="pt-BR" sz="2000" dirty="0">
+                <a:solidFill>
+                  <a:schemeClr val="tx1"/>
+                </a:solidFill>
+                <a:latin typeface="Times New Roman" panose="02020603050405020304" pitchFamily="18" charset="0"/>
+                <a:cs typeface="Times New Roman" panose="02020603050405020304" pitchFamily="18" charset="0"/>
+              </a:rPr>
+              <a:t> é uma placa de desenvolvimento para </a:t>
+            </a:r>
+            <a:r>
+              <a:rPr lang="pt-BR" sz="2000" dirty="0" err="1">
+                <a:solidFill>
+                  <a:schemeClr val="tx1"/>
+                </a:solidFill>
+                <a:latin typeface="Times New Roman" panose="02020603050405020304" pitchFamily="18" charset="0"/>
+                <a:cs typeface="Times New Roman" panose="02020603050405020304" pitchFamily="18" charset="0"/>
+              </a:rPr>
+              <a:t>IoT</a:t>
+            </a:r>
+            <a:r>
+              <a:rPr lang="pt-BR" sz="2000" dirty="0">
+                <a:solidFill>
+                  <a:schemeClr val="tx1"/>
+                </a:solidFill>
+                <a:latin typeface="Times New Roman" panose="02020603050405020304" pitchFamily="18" charset="0"/>
+                <a:cs typeface="Times New Roman" panose="02020603050405020304" pitchFamily="18" charset="0"/>
+              </a:rPr>
+              <a:t> –que trabalha em conjunto com o </a:t>
+            </a:r>
+            <a:r>
+              <a:rPr lang="pt-BR" sz="2000" b="1" dirty="0" err="1">
+                <a:solidFill>
+                  <a:schemeClr val="tx1"/>
+                </a:solidFill>
+                <a:latin typeface="Times New Roman" panose="02020603050405020304" pitchFamily="18" charset="0"/>
+                <a:cs typeface="Times New Roman" panose="02020603050405020304" pitchFamily="18" charset="0"/>
+              </a:rPr>
+              <a:t>Wifi</a:t>
+            </a:r>
+            <a:r>
+              <a:rPr lang="pt-BR" sz="2000" dirty="0">
+                <a:solidFill>
+                  <a:schemeClr val="tx1"/>
+                </a:solidFill>
+                <a:latin typeface="Times New Roman" panose="02020603050405020304" pitchFamily="18" charset="0"/>
+                <a:cs typeface="Times New Roman" panose="02020603050405020304" pitchFamily="18" charset="0"/>
+              </a:rPr>
+              <a:t> (</a:t>
+            </a:r>
+            <a:r>
+              <a:rPr lang="pt-BR" sz="2000" b="1" dirty="0">
+                <a:solidFill>
+                  <a:srgbClr val="FF0000"/>
+                </a:solidFill>
+                <a:latin typeface="Times New Roman" panose="02020603050405020304" pitchFamily="18" charset="0"/>
+                <a:cs typeface="Times New Roman" panose="02020603050405020304" pitchFamily="18" charset="0"/>
+              </a:rPr>
+              <a:t>modelo ESP-12E</a:t>
+            </a:r>
+            <a:r>
+              <a:rPr lang="pt-BR" sz="2000" dirty="0">
+                <a:solidFill>
+                  <a:schemeClr val="tx1"/>
+                </a:solidFill>
+                <a:latin typeface="Times New Roman" panose="02020603050405020304" pitchFamily="18" charset="0"/>
+                <a:cs typeface="Times New Roman" panose="02020603050405020304" pitchFamily="18" charset="0"/>
+              </a:rPr>
+              <a:t>) para realizar a conexão com a rede </a:t>
+            </a:r>
+            <a:r>
+              <a:rPr lang="pt-BR" sz="2000" dirty="0" err="1">
+                <a:solidFill>
+                  <a:schemeClr val="tx1"/>
+                </a:solidFill>
+                <a:latin typeface="Times New Roman" panose="02020603050405020304" pitchFamily="18" charset="0"/>
+                <a:cs typeface="Times New Roman" panose="02020603050405020304" pitchFamily="18" charset="0"/>
+              </a:rPr>
+              <a:t>Wifi</a:t>
+            </a:r>
+            <a:r>
+              <a:rPr lang="pt-BR" sz="2000" dirty="0">
+                <a:solidFill>
+                  <a:schemeClr val="tx1"/>
+                </a:solidFill>
+                <a:latin typeface="Times New Roman" panose="02020603050405020304" pitchFamily="18" charset="0"/>
+                <a:cs typeface="Times New Roman" panose="02020603050405020304" pitchFamily="18" charset="0"/>
+              </a:rPr>
+              <a:t>, dando a possibilidade de conectar dispositivo microcontrolado à rede de internet.</a:t>
+            </a:r>
+          </a:p>
+          <a:p>
+            <a:pPr marL="0" indent="0" algn="just">
+              <a:buNone/>
+            </a:pPr>
+            <a:endParaRPr lang="pt-BR" sz="2000" dirty="0">
+              <a:solidFill>
+                <a:schemeClr val="tx1"/>
+              </a:solidFill>
+              <a:latin typeface="Times New Roman" panose="02020603050405020304" pitchFamily="18" charset="0"/>
+              <a:cs typeface="Times New Roman" panose="02020603050405020304" pitchFamily="18" charset="0"/>
+            </a:endParaRPr>
+          </a:p>
+          <a:p>
+            <a:pPr marL="0" indent="0" algn="just">
+              <a:buNone/>
+            </a:pPr>
+            <a:r>
+              <a:rPr lang="pt-BR" sz="2000" b="1" dirty="0">
+                <a:solidFill>
+                  <a:schemeClr val="tx1"/>
+                </a:solidFill>
+                <a:latin typeface="Times New Roman" panose="02020603050405020304" pitchFamily="18" charset="0"/>
+                <a:cs typeface="Times New Roman" panose="02020603050405020304" pitchFamily="18" charset="0"/>
+              </a:rPr>
+              <a:t>Plataforma</a:t>
+            </a:r>
+            <a:r>
+              <a:rPr lang="pt-BR" sz="2000" dirty="0">
+                <a:solidFill>
+                  <a:schemeClr val="tx1"/>
+                </a:solidFill>
+                <a:latin typeface="Times New Roman" panose="02020603050405020304" pitchFamily="18" charset="0"/>
+                <a:cs typeface="Times New Roman" panose="02020603050405020304" pitchFamily="18" charset="0"/>
+              </a:rPr>
+              <a:t>: </a:t>
+            </a:r>
+            <a:r>
+              <a:rPr lang="pt-BR" sz="2000" dirty="0">
+                <a:solidFill>
+                  <a:schemeClr val="tx1"/>
+                </a:solidFill>
+                <a:latin typeface="Times New Roman" panose="02020603050405020304" pitchFamily="18" charset="0"/>
+                <a:cs typeface="Times New Roman" panose="02020603050405020304" pitchFamily="18" charset="0"/>
+                <a:hlinkClick r:id="rId3"/>
+              </a:rPr>
+              <a:t>https://thingspeak.com/</a:t>
+            </a:r>
+            <a:endParaRPr lang="pt-BR" sz="2000" dirty="0">
+              <a:solidFill>
+                <a:schemeClr val="tx1"/>
+              </a:solidFill>
+              <a:latin typeface="Times New Roman" panose="02020603050405020304" pitchFamily="18" charset="0"/>
+              <a:cs typeface="Times New Roman" panose="02020603050405020304" pitchFamily="18" charset="0"/>
+            </a:endParaRPr>
+          </a:p>
+          <a:p>
+            <a:pPr marL="0" indent="0" algn="just">
+              <a:buNone/>
+            </a:pPr>
+            <a:endParaRPr lang="pt-BR" sz="2000" dirty="0">
+              <a:solidFill>
+                <a:schemeClr val="tx1"/>
+              </a:solidFill>
+              <a:latin typeface="Times New Roman" panose="02020603050405020304" pitchFamily="18" charset="0"/>
+              <a:cs typeface="Times New Roman" panose="02020603050405020304" pitchFamily="18" charset="0"/>
+            </a:endParaRPr>
+          </a:p>
+        </p:txBody>
+      </p:sp>
+    </p:spTree>
+    <p:extLst>
+      <p:ext uri="{BB962C8B-B14F-4D97-AF65-F5344CB8AC3E}">
+        <p14:creationId xmlns:p14="http://schemas.microsoft.com/office/powerpoint/2010/main" val="4033950810"/>
+      </p:ext>
+    </p:extLst>
+  </p:cSld>
+  <p:clrMapOvr>
+    <a:masterClrMapping/>
+  </p:clrMapOvr>
+  <p:transition spd="med"/>
+</p:sld>
+</file>
+
+<file path=ppt/slides/slide4.xml><?xml version="1.0" encoding="utf-8"?>
+<p:sld xmlns:a="http://schemas.openxmlformats.org/drawingml/2006/main" xmlns:r="http://schemas.openxmlformats.org/officeDocument/2006/relationships" xmlns:p="http://schemas.openxmlformats.org/presentationml/2006/main">
+  <p:cSld>
+    <p:spTree>
+      <p:nvGrpSpPr>
+        <p:cNvPr id="1" name=""/>
+        <p:cNvGrpSpPr/>
+        <p:nvPr/>
+      </p:nvGrpSpPr>
+      <p:grpSpPr>
+        <a:xfrm>
+          <a:off x="0" y="0"/>
+          <a:ext cx="0" cy="0"/>
+          <a:chOff x="0" y="0"/>
+          <a:chExt cx="0" cy="0"/>
+        </a:xfrm>
+      </p:grpSpPr>
+      <p:sp>
+        <p:nvSpPr>
+          <p:cNvPr id="6" name="Title 1"/>
+          <p:cNvSpPr>
+            <a:spLocks noGrp="1"/>
+          </p:cNvSpPr>
+          <p:nvPr>
+            <p:ph type="title"/>
+          </p:nvPr>
+        </p:nvSpPr>
+        <p:spPr>
+          <a:xfrm>
+            <a:off x="457200" y="205980"/>
+            <a:ext cx="8229600" cy="857251"/>
+          </a:xfrm>
+        </p:spPr>
+        <p:txBody>
+          <a:bodyPr>
+            <a:normAutofit/>
+          </a:bodyPr>
+          <a:lstStyle/>
+          <a:p>
+            <a:r>
+              <a:rPr lang="pt-BR" b="1" dirty="0">
+                <a:solidFill>
+                  <a:srgbClr val="0070C0"/>
+                </a:solidFill>
+              </a:rPr>
+              <a:t>Características - Placa </a:t>
+            </a:r>
+            <a:r>
+              <a:rPr lang="pt-BR" b="1" dirty="0" err="1">
+                <a:solidFill>
+                  <a:srgbClr val="0070C0"/>
+                </a:solidFill>
+              </a:rPr>
+              <a:t>NodeMCU</a:t>
+            </a:r>
+            <a:endParaRPr lang="en-US" b="1" dirty="0">
+              <a:solidFill>
+                <a:srgbClr val="0070C0"/>
+              </a:solidFill>
+            </a:endParaRPr>
+          </a:p>
+        </p:txBody>
+      </p:sp>
+      <p:sp>
+        <p:nvSpPr>
+          <p:cNvPr id="8" name="Text Placeholder 2"/>
+          <p:cNvSpPr>
+            <a:spLocks noGrp="1"/>
+          </p:cNvSpPr>
+          <p:nvPr>
+            <p:ph type="body" sz="half" idx="1"/>
+          </p:nvPr>
+        </p:nvSpPr>
+        <p:spPr>
+          <a:xfrm>
+            <a:off x="142865" y="1200150"/>
+            <a:ext cx="8865056" cy="3737370"/>
+          </a:xfrm>
+        </p:spPr>
+        <p:txBody>
+          <a:bodyPr>
+            <a:noAutofit/>
+          </a:bodyPr>
+          <a:lstStyle/>
+          <a:p>
+            <a:pPr algn="just">
+              <a:buFont typeface="Wingdings" panose="05000000000000000000" pitchFamily="2" charset="2"/>
+              <a:buChar char="§"/>
+            </a:pPr>
+            <a:r>
+              <a:rPr lang="pt-BR" sz="2000" dirty="0">
+                <a:solidFill>
+                  <a:schemeClr val="tx1"/>
+                </a:solidFill>
+                <a:latin typeface="Times New Roman" panose="02020603050405020304" pitchFamily="18" charset="0"/>
+                <a:cs typeface="Times New Roman" panose="02020603050405020304" pitchFamily="18" charset="0"/>
+              </a:rPr>
+              <a:t>Processador ESP8266-E</a:t>
+            </a:r>
+          </a:p>
+          <a:p>
+            <a:pPr algn="just">
+              <a:buFont typeface="Wingdings" panose="05000000000000000000" pitchFamily="2" charset="2"/>
+              <a:buChar char="§"/>
+            </a:pPr>
+            <a:r>
+              <a:rPr lang="pt-BR" sz="2000" dirty="0">
+                <a:solidFill>
+                  <a:schemeClr val="tx1"/>
+                </a:solidFill>
+                <a:latin typeface="Times New Roman" panose="02020603050405020304" pitchFamily="18" charset="0"/>
+                <a:cs typeface="Times New Roman" panose="02020603050405020304" pitchFamily="18" charset="0"/>
+              </a:rPr>
+              <a:t>Arquitetura RISC de 32 Bits</a:t>
+            </a:r>
+          </a:p>
+          <a:p>
+            <a:pPr algn="just">
+              <a:buFont typeface="Wingdings" panose="05000000000000000000" pitchFamily="2" charset="2"/>
+              <a:buChar char="§"/>
+            </a:pPr>
+            <a:r>
+              <a:rPr lang="pt-BR" sz="2000" dirty="0">
+                <a:solidFill>
+                  <a:schemeClr val="tx1"/>
+                </a:solidFill>
+                <a:latin typeface="Times New Roman" panose="02020603050405020304" pitchFamily="18" charset="0"/>
+                <a:cs typeface="Times New Roman" panose="02020603050405020304" pitchFamily="18" charset="0"/>
+              </a:rPr>
+              <a:t>Processador pode operar em 80MHz/160MHz</a:t>
+            </a:r>
+          </a:p>
+          <a:p>
+            <a:pPr algn="just">
+              <a:buFont typeface="Wingdings" panose="05000000000000000000" pitchFamily="2" charset="2"/>
+              <a:buChar char="§"/>
+            </a:pPr>
+            <a:r>
+              <a:rPr lang="pt-BR" sz="2000" dirty="0">
+                <a:solidFill>
+                  <a:schemeClr val="tx1"/>
+                </a:solidFill>
+                <a:latin typeface="Times New Roman" panose="02020603050405020304" pitchFamily="18" charset="0"/>
+                <a:cs typeface="Times New Roman" panose="02020603050405020304" pitchFamily="18" charset="0"/>
+              </a:rPr>
+              <a:t>4Mb de memória flash</a:t>
+            </a:r>
+          </a:p>
+          <a:p>
+            <a:pPr algn="just">
+              <a:buFont typeface="Wingdings" panose="05000000000000000000" pitchFamily="2" charset="2"/>
+              <a:buChar char="§"/>
+            </a:pPr>
+            <a:r>
+              <a:rPr lang="pt-BR" sz="2000" dirty="0">
+                <a:solidFill>
+                  <a:schemeClr val="tx1"/>
+                </a:solidFill>
+                <a:latin typeface="Times New Roman" panose="02020603050405020304" pitchFamily="18" charset="0"/>
+                <a:cs typeface="Times New Roman" panose="02020603050405020304" pitchFamily="18" charset="0"/>
+              </a:rPr>
+              <a:t>64Kb para instruções</a:t>
+            </a:r>
+          </a:p>
+          <a:p>
+            <a:pPr algn="just">
+              <a:buFont typeface="Wingdings" panose="05000000000000000000" pitchFamily="2" charset="2"/>
+              <a:buChar char="§"/>
+            </a:pPr>
+            <a:r>
+              <a:rPr lang="pt-BR" sz="2000" dirty="0">
+                <a:solidFill>
+                  <a:schemeClr val="tx1"/>
+                </a:solidFill>
+                <a:latin typeface="Times New Roman" panose="02020603050405020304" pitchFamily="18" charset="0"/>
+                <a:cs typeface="Times New Roman" panose="02020603050405020304" pitchFamily="18" charset="0"/>
+              </a:rPr>
+              <a:t>96Kb para dados</a:t>
+            </a:r>
+          </a:p>
+          <a:p>
+            <a:pPr algn="just">
+              <a:buFont typeface="Wingdings" panose="05000000000000000000" pitchFamily="2" charset="2"/>
+              <a:buChar char="§"/>
+            </a:pPr>
+            <a:r>
+              <a:rPr lang="pt-BR" sz="2000" dirty="0">
+                <a:solidFill>
+                  <a:schemeClr val="tx1"/>
+                </a:solidFill>
+                <a:latin typeface="Times New Roman" panose="02020603050405020304" pitchFamily="18" charset="0"/>
+                <a:cs typeface="Times New Roman" panose="02020603050405020304" pitchFamily="18" charset="0"/>
+              </a:rPr>
+              <a:t>WiFi nativo padrão 802.11b/g/n</a:t>
+            </a:r>
+          </a:p>
+          <a:p>
+            <a:pPr algn="just">
+              <a:buFont typeface="Wingdings" panose="05000000000000000000" pitchFamily="2" charset="2"/>
+              <a:buChar char="§"/>
+            </a:pPr>
+            <a:r>
+              <a:rPr lang="pt-BR" sz="2000" dirty="0">
+                <a:solidFill>
+                  <a:schemeClr val="tx1"/>
+                </a:solidFill>
+                <a:latin typeface="Times New Roman" panose="02020603050405020304" pitchFamily="18" charset="0"/>
+                <a:cs typeface="Times New Roman" panose="02020603050405020304" pitchFamily="18" charset="0"/>
+              </a:rPr>
+              <a:t>Opera em modo AP, </a:t>
+            </a:r>
+            <a:r>
+              <a:rPr lang="pt-BR" sz="2000" dirty="0" err="1">
+                <a:solidFill>
+                  <a:schemeClr val="tx1"/>
+                </a:solidFill>
+                <a:latin typeface="Times New Roman" panose="02020603050405020304" pitchFamily="18" charset="0"/>
+                <a:cs typeface="Times New Roman" panose="02020603050405020304" pitchFamily="18" charset="0"/>
+              </a:rPr>
+              <a:t>Station</a:t>
+            </a:r>
+            <a:r>
+              <a:rPr lang="pt-BR" sz="2000" dirty="0">
+                <a:solidFill>
+                  <a:schemeClr val="tx1"/>
+                </a:solidFill>
+                <a:latin typeface="Times New Roman" panose="02020603050405020304" pitchFamily="18" charset="0"/>
+                <a:cs typeface="Times New Roman" panose="02020603050405020304" pitchFamily="18" charset="0"/>
+              </a:rPr>
+              <a:t> ou AP + </a:t>
+            </a:r>
+            <a:r>
+              <a:rPr lang="pt-BR" sz="2000" dirty="0" err="1">
+                <a:solidFill>
+                  <a:schemeClr val="tx1"/>
+                </a:solidFill>
+                <a:latin typeface="Times New Roman" panose="02020603050405020304" pitchFamily="18" charset="0"/>
+                <a:cs typeface="Times New Roman" panose="02020603050405020304" pitchFamily="18" charset="0"/>
+              </a:rPr>
+              <a:t>station</a:t>
+            </a:r>
+            <a:endParaRPr lang="pt-BR" sz="2000" dirty="0">
+              <a:solidFill>
+                <a:schemeClr val="tx1"/>
+              </a:solidFill>
+              <a:latin typeface="Times New Roman" panose="02020603050405020304" pitchFamily="18" charset="0"/>
+              <a:cs typeface="Times New Roman" panose="02020603050405020304" pitchFamily="18" charset="0"/>
+            </a:endParaRPr>
+          </a:p>
+          <a:p>
+            <a:pPr algn="just">
+              <a:buFont typeface="Wingdings" panose="05000000000000000000" pitchFamily="2" charset="2"/>
+              <a:buChar char="§"/>
+            </a:pPr>
+            <a:r>
+              <a:rPr lang="pt-BR" sz="2000" dirty="0">
+                <a:solidFill>
+                  <a:schemeClr val="tx1"/>
+                </a:solidFill>
+                <a:latin typeface="Times New Roman" panose="02020603050405020304" pitchFamily="18" charset="0"/>
+                <a:cs typeface="Times New Roman" panose="02020603050405020304" pitchFamily="18" charset="0"/>
+              </a:rPr>
+              <a:t>Alimentação 5VDC através do conector micro USB</a:t>
+            </a:r>
+          </a:p>
+        </p:txBody>
+      </p:sp>
+    </p:spTree>
+    <p:extLst>
+      <p:ext uri="{BB962C8B-B14F-4D97-AF65-F5344CB8AC3E}">
+        <p14:creationId xmlns:p14="http://schemas.microsoft.com/office/powerpoint/2010/main" val="911386807"/>
+      </p:ext>
+    </p:extLst>
+  </p:cSld>
+  <p:clrMapOvr>
+    <a:masterClrMapping/>
+  </p:clrMapOvr>
+  <p:transition spd="med"/>
+</p:sld>
+</file>
+
+<file path=ppt/slides/slide5.xml><?xml version="1.0" encoding="utf-8"?>
+<p:sld xmlns:a="http://schemas.openxmlformats.org/drawingml/2006/main" xmlns:r="http://schemas.openxmlformats.org/officeDocument/2006/relationships" xmlns:p="http://schemas.openxmlformats.org/presentationml/2006/main">
+  <p:cSld>
+    <p:spTree>
+      <p:nvGrpSpPr>
+        <p:cNvPr id="1" name=""/>
+        <p:cNvGrpSpPr/>
+        <p:nvPr/>
+      </p:nvGrpSpPr>
+      <p:grpSpPr>
+        <a:xfrm>
+          <a:off x="0" y="0"/>
+          <a:ext cx="0" cy="0"/>
+          <a:chOff x="0" y="0"/>
+          <a:chExt cx="0" cy="0"/>
+        </a:xfrm>
+      </p:grpSpPr>
+      <p:sp>
+        <p:nvSpPr>
+          <p:cNvPr id="6" name="Title 1"/>
+          <p:cNvSpPr>
+            <a:spLocks noGrp="1"/>
+          </p:cNvSpPr>
+          <p:nvPr>
+            <p:ph type="title"/>
+          </p:nvPr>
+        </p:nvSpPr>
+        <p:spPr>
+          <a:xfrm>
+            <a:off x="457200" y="205980"/>
+            <a:ext cx="8229600" cy="857251"/>
+          </a:xfrm>
+        </p:spPr>
+        <p:txBody>
+          <a:bodyPr>
+            <a:normAutofit/>
+          </a:bodyPr>
+          <a:lstStyle/>
+          <a:p>
+            <a:r>
+              <a:rPr lang="pt-BR" b="1" dirty="0">
+                <a:solidFill>
+                  <a:srgbClr val="0070C0"/>
+                </a:solidFill>
+              </a:rPr>
+              <a:t>Características - Placa </a:t>
+            </a:r>
+            <a:r>
+              <a:rPr lang="pt-BR" b="1" dirty="0" err="1">
+                <a:solidFill>
+                  <a:srgbClr val="0070C0"/>
+                </a:solidFill>
+              </a:rPr>
+              <a:t>NodeMCU</a:t>
+            </a:r>
+            <a:endParaRPr lang="en-US" b="1" dirty="0">
+              <a:solidFill>
+                <a:srgbClr val="0070C0"/>
+              </a:solidFill>
+            </a:endParaRPr>
+          </a:p>
+        </p:txBody>
+      </p:sp>
+      <p:sp>
+        <p:nvSpPr>
+          <p:cNvPr id="8" name="Text Placeholder 2"/>
+          <p:cNvSpPr>
+            <a:spLocks noGrp="1"/>
+          </p:cNvSpPr>
+          <p:nvPr>
+            <p:ph type="body" sz="half" idx="1"/>
+          </p:nvPr>
+        </p:nvSpPr>
+        <p:spPr>
+          <a:xfrm>
+            <a:off x="142865" y="1200150"/>
+            <a:ext cx="8865056" cy="3737370"/>
+          </a:xfrm>
+        </p:spPr>
+        <p:txBody>
+          <a:bodyPr>
+            <a:noAutofit/>
+          </a:bodyPr>
+          <a:lstStyle/>
+          <a:p>
+            <a:pPr algn="just">
+              <a:buFont typeface="Wingdings" panose="05000000000000000000" pitchFamily="2" charset="2"/>
+              <a:buChar char="§"/>
+            </a:pPr>
+            <a:r>
+              <a:rPr lang="pt-BR" sz="2000" dirty="0">
+                <a:solidFill>
+                  <a:schemeClr val="tx1"/>
+                </a:solidFill>
+                <a:latin typeface="Times New Roman" panose="02020603050405020304" pitchFamily="18" charset="0"/>
+                <a:cs typeface="Times New Roman" panose="02020603050405020304" pitchFamily="18" charset="0"/>
+              </a:rPr>
+              <a:t>11 pinos digitais</a:t>
+            </a:r>
+          </a:p>
+          <a:p>
+            <a:pPr algn="just">
+              <a:buFont typeface="Wingdings" panose="05000000000000000000" pitchFamily="2" charset="2"/>
+              <a:buChar char="§"/>
+            </a:pPr>
+            <a:r>
+              <a:rPr lang="pt-BR" sz="2000" dirty="0">
+                <a:solidFill>
+                  <a:schemeClr val="tx1"/>
+                </a:solidFill>
+                <a:latin typeface="Times New Roman" panose="02020603050405020304" pitchFamily="18" charset="0"/>
+                <a:cs typeface="Times New Roman" panose="02020603050405020304" pitchFamily="18" charset="0"/>
+              </a:rPr>
+              <a:t>01 pino analógico com resolução de 10bits</a:t>
+            </a:r>
+          </a:p>
+          <a:p>
+            <a:pPr algn="just">
+              <a:buFont typeface="Wingdings" panose="05000000000000000000" pitchFamily="2" charset="2"/>
+              <a:buChar char="§"/>
+            </a:pPr>
+            <a:r>
+              <a:rPr lang="pt-BR" sz="2000" dirty="0">
+                <a:solidFill>
+                  <a:schemeClr val="tx1"/>
+                </a:solidFill>
+                <a:latin typeface="Times New Roman" panose="02020603050405020304" pitchFamily="18" charset="0"/>
+                <a:cs typeface="Times New Roman" panose="02020603050405020304" pitchFamily="18" charset="0"/>
+              </a:rPr>
+              <a:t>Pinos digitais, exceto D0 possuem interrupção, PWM, I2C e </a:t>
+            </a:r>
+            <a:r>
+              <a:rPr lang="pt-BR" sz="2000" dirty="0" err="1">
+                <a:solidFill>
+                  <a:schemeClr val="tx1"/>
+                </a:solidFill>
+                <a:latin typeface="Times New Roman" panose="02020603050405020304" pitchFamily="18" charset="0"/>
+                <a:cs typeface="Times New Roman" panose="02020603050405020304" pitchFamily="18" charset="0"/>
+              </a:rPr>
+              <a:t>one</a:t>
+            </a:r>
+            <a:r>
+              <a:rPr lang="pt-BR" sz="2000" dirty="0">
+                <a:solidFill>
+                  <a:schemeClr val="tx1"/>
+                </a:solidFill>
+                <a:latin typeface="Times New Roman" panose="02020603050405020304" pitchFamily="18" charset="0"/>
+                <a:cs typeface="Times New Roman" panose="02020603050405020304" pitchFamily="18" charset="0"/>
+              </a:rPr>
+              <a:t> </a:t>
+            </a:r>
+            <a:r>
+              <a:rPr lang="pt-BR" sz="2000" dirty="0" err="1">
+                <a:solidFill>
+                  <a:schemeClr val="tx1"/>
+                </a:solidFill>
+                <a:latin typeface="Times New Roman" panose="02020603050405020304" pitchFamily="18" charset="0"/>
+                <a:cs typeface="Times New Roman" panose="02020603050405020304" pitchFamily="18" charset="0"/>
+              </a:rPr>
+              <a:t>wire</a:t>
+            </a:r>
+            <a:endParaRPr lang="pt-BR" sz="2000" dirty="0">
+              <a:solidFill>
+                <a:schemeClr val="tx1"/>
+              </a:solidFill>
+              <a:latin typeface="Times New Roman" panose="02020603050405020304" pitchFamily="18" charset="0"/>
+              <a:cs typeface="Times New Roman" panose="02020603050405020304" pitchFamily="18" charset="0"/>
+            </a:endParaRPr>
+          </a:p>
+          <a:p>
+            <a:pPr algn="just">
+              <a:buFont typeface="Wingdings" panose="05000000000000000000" pitchFamily="2" charset="2"/>
+              <a:buChar char="§"/>
+            </a:pPr>
+            <a:r>
+              <a:rPr lang="pt-BR" sz="2000" dirty="0">
+                <a:solidFill>
+                  <a:schemeClr val="tx1"/>
+                </a:solidFill>
+                <a:latin typeface="Times New Roman" panose="02020603050405020304" pitchFamily="18" charset="0"/>
+                <a:cs typeface="Times New Roman" panose="02020603050405020304" pitchFamily="18" charset="0"/>
+              </a:rPr>
+              <a:t>Pinos operam em nível lógico de 3.3V</a:t>
+            </a:r>
+          </a:p>
+          <a:p>
+            <a:pPr algn="just">
+              <a:buFont typeface="Wingdings" panose="05000000000000000000" pitchFamily="2" charset="2"/>
+              <a:buChar char="§"/>
+            </a:pPr>
+            <a:r>
+              <a:rPr lang="pt-BR" sz="2000" dirty="0">
+                <a:solidFill>
+                  <a:schemeClr val="tx1"/>
+                </a:solidFill>
+                <a:latin typeface="Times New Roman" panose="02020603050405020304" pitchFamily="18" charset="0"/>
+                <a:cs typeface="Times New Roman" panose="02020603050405020304" pitchFamily="18" charset="0"/>
+              </a:rPr>
+              <a:t>Pinos não tolerantes a 5V</a:t>
+            </a:r>
+          </a:p>
+          <a:p>
+            <a:pPr algn="just">
+              <a:buFont typeface="Wingdings" panose="05000000000000000000" pitchFamily="2" charset="2"/>
+              <a:buChar char="§"/>
+            </a:pPr>
+            <a:r>
+              <a:rPr lang="pt-BR" sz="2000" dirty="0">
+                <a:solidFill>
+                  <a:schemeClr val="tx1"/>
+                </a:solidFill>
+                <a:latin typeface="Times New Roman" panose="02020603050405020304" pitchFamily="18" charset="0"/>
+                <a:cs typeface="Times New Roman" panose="02020603050405020304" pitchFamily="18" charset="0"/>
+              </a:rPr>
+              <a:t>Possui conversor USB serial integrado</a:t>
+            </a:r>
+          </a:p>
+          <a:p>
+            <a:pPr algn="just">
+              <a:buFont typeface="Wingdings" panose="05000000000000000000" pitchFamily="2" charset="2"/>
+              <a:buChar char="§"/>
+            </a:pPr>
+            <a:r>
+              <a:rPr lang="pt-BR" sz="2000" dirty="0">
+                <a:solidFill>
+                  <a:schemeClr val="tx1"/>
+                </a:solidFill>
+                <a:latin typeface="Times New Roman" panose="02020603050405020304" pitchFamily="18" charset="0"/>
+                <a:cs typeface="Times New Roman" panose="02020603050405020304" pitchFamily="18" charset="0"/>
+              </a:rPr>
+              <a:t>Programável via USB ou WiFi (OTA - Over-The-Air)</a:t>
+            </a:r>
+          </a:p>
+          <a:p>
+            <a:pPr algn="just">
+              <a:buFont typeface="Wingdings" panose="05000000000000000000" pitchFamily="2" charset="2"/>
+              <a:buChar char="§"/>
+            </a:pPr>
+            <a:r>
+              <a:rPr lang="pt-BR" sz="2000" dirty="0">
+                <a:solidFill>
+                  <a:schemeClr val="tx1"/>
+                </a:solidFill>
+                <a:latin typeface="Times New Roman" panose="02020603050405020304" pitchFamily="18" charset="0"/>
+                <a:cs typeface="Times New Roman" panose="02020603050405020304" pitchFamily="18" charset="0"/>
+              </a:rPr>
+              <a:t>Compatível com a IDE do Arduíno</a:t>
+            </a:r>
+          </a:p>
+          <a:p>
+            <a:pPr algn="just">
+              <a:buFont typeface="Wingdings" panose="05000000000000000000" pitchFamily="2" charset="2"/>
+              <a:buChar char="§"/>
+            </a:pPr>
+            <a:r>
+              <a:rPr lang="pt-BR" sz="2000" dirty="0">
+                <a:solidFill>
+                  <a:schemeClr val="tx1"/>
+                </a:solidFill>
+                <a:latin typeface="Times New Roman" panose="02020603050405020304" pitchFamily="18" charset="0"/>
+                <a:cs typeface="Times New Roman" panose="02020603050405020304" pitchFamily="18" charset="0"/>
+              </a:rPr>
+              <a:t>Compatível com módulos e sensores utilizados no Arduíno</a:t>
+            </a:r>
+          </a:p>
+        </p:txBody>
+      </p:sp>
+    </p:spTree>
+    <p:extLst>
+      <p:ext uri="{BB962C8B-B14F-4D97-AF65-F5344CB8AC3E}">
+        <p14:creationId xmlns:p14="http://schemas.microsoft.com/office/powerpoint/2010/main" val="1248166577"/>
+      </p:ext>
+    </p:extLst>
+  </p:cSld>
+  <p:clrMapOvr>
+    <a:masterClrMapping/>
+  </p:clrMapOvr>
+  <p:transition spd="med"/>
+</p:sld>
+</file>
+
+<file path=ppt/slides/slide6.xml><?xml version="1.0" encoding="utf-8"?>
+<p:sld xmlns:a="http://schemas.openxmlformats.org/drawingml/2006/main" xmlns:r="http://schemas.openxmlformats.org/officeDocument/2006/relationships" xmlns:p="http://schemas.openxmlformats.org/presentationml/2006/main">
+  <p:cSld>
+    <p:spTree>
+      <p:nvGrpSpPr>
+        <p:cNvPr id="1" name=""/>
+        <p:cNvGrpSpPr/>
+        <p:nvPr/>
+      </p:nvGrpSpPr>
+      <p:grpSpPr>
+        <a:xfrm>
+          <a:off x="0" y="0"/>
+          <a:ext cx="0" cy="0"/>
+          <a:chOff x="0" y="0"/>
+          <a:chExt cx="0" cy="0"/>
+        </a:xfrm>
+      </p:grpSpPr>
+      <p:sp>
+        <p:nvSpPr>
+          <p:cNvPr id="6" name="Title 1"/>
+          <p:cNvSpPr>
+            <a:spLocks noGrp="1"/>
+          </p:cNvSpPr>
+          <p:nvPr>
+            <p:ph type="title"/>
+          </p:nvPr>
+        </p:nvSpPr>
+        <p:spPr>
+          <a:xfrm>
+            <a:off x="457200" y="205980"/>
+            <a:ext cx="8229600" cy="857251"/>
+          </a:xfrm>
+        </p:spPr>
+        <p:txBody>
+          <a:bodyPr>
+            <a:normAutofit/>
+          </a:bodyPr>
+          <a:lstStyle/>
+          <a:p>
+            <a:r>
+              <a:rPr lang="pt-BR" b="1" dirty="0">
+                <a:solidFill>
+                  <a:srgbClr val="0070C0"/>
+                </a:solidFill>
+              </a:rPr>
+              <a:t>Características - Placa </a:t>
+            </a:r>
+            <a:r>
+              <a:rPr lang="pt-BR" b="1" dirty="0" err="1">
+                <a:solidFill>
+                  <a:srgbClr val="0070C0"/>
+                </a:solidFill>
+              </a:rPr>
+              <a:t>NodeMCU</a:t>
+            </a:r>
+            <a:endParaRPr lang="en-US" b="1" dirty="0">
+              <a:solidFill>
+                <a:srgbClr val="0070C0"/>
+              </a:solidFill>
+            </a:endParaRPr>
+          </a:p>
+        </p:txBody>
+      </p:sp>
+      <p:sp>
+        <p:nvSpPr>
+          <p:cNvPr id="8" name="Text Placeholder 2"/>
+          <p:cNvSpPr>
+            <a:spLocks noGrp="1"/>
+          </p:cNvSpPr>
+          <p:nvPr>
+            <p:ph type="body" sz="half" idx="1"/>
+          </p:nvPr>
+        </p:nvSpPr>
+        <p:spPr>
+          <a:xfrm>
+            <a:off x="142865" y="1200150"/>
+            <a:ext cx="8865056" cy="3737370"/>
+          </a:xfrm>
+        </p:spPr>
+        <p:txBody>
+          <a:bodyPr>
+            <a:noAutofit/>
+          </a:bodyPr>
+          <a:lstStyle/>
+          <a:p>
+            <a:pPr marL="0" indent="0" algn="just">
+              <a:buNone/>
+            </a:pPr>
+            <a:r>
+              <a:rPr lang="pt-BR" sz="2000" dirty="0">
+                <a:solidFill>
+                  <a:schemeClr val="tx1"/>
+                </a:solidFill>
+                <a:latin typeface="Times New Roman" panose="02020603050405020304" pitchFamily="18" charset="0"/>
+                <a:cs typeface="Times New Roman" panose="02020603050405020304" pitchFamily="18" charset="0"/>
+              </a:rPr>
+              <a:t>Outro diferencial do </a:t>
+            </a:r>
+            <a:r>
+              <a:rPr lang="pt-BR" sz="2000" b="1" dirty="0" err="1">
+                <a:solidFill>
+                  <a:schemeClr val="tx1"/>
+                </a:solidFill>
+                <a:latin typeface="Times New Roman" panose="02020603050405020304" pitchFamily="18" charset="0"/>
+                <a:cs typeface="Times New Roman" panose="02020603050405020304" pitchFamily="18" charset="0"/>
+              </a:rPr>
+              <a:t>NodeMCU</a:t>
+            </a:r>
+            <a:r>
+              <a:rPr lang="pt-BR" sz="2000" dirty="0">
+                <a:solidFill>
+                  <a:schemeClr val="tx1"/>
+                </a:solidFill>
+                <a:latin typeface="Times New Roman" panose="02020603050405020304" pitchFamily="18" charset="0"/>
+                <a:cs typeface="Times New Roman" panose="02020603050405020304" pitchFamily="18" charset="0"/>
+              </a:rPr>
+              <a:t> é a possibilidade de fazer a programação da placa via OTA, ou seja, através do WiFi você pode enviar os códigos para a placa.</a:t>
+            </a:r>
+          </a:p>
+          <a:p>
+            <a:pPr marL="0" indent="0" algn="just">
+              <a:buNone/>
+            </a:pPr>
+            <a:endParaRPr lang="pt-BR" sz="2000" dirty="0">
+              <a:solidFill>
+                <a:schemeClr val="tx1"/>
+              </a:solidFill>
+              <a:latin typeface="Times New Roman" panose="02020603050405020304" pitchFamily="18" charset="0"/>
+              <a:cs typeface="Times New Roman" panose="02020603050405020304" pitchFamily="18" charset="0"/>
+            </a:endParaRPr>
+          </a:p>
+          <a:p>
+            <a:pPr marL="0" indent="0" algn="just">
+              <a:buNone/>
+            </a:pPr>
+            <a:r>
+              <a:rPr lang="pt-BR" sz="2000" dirty="0">
+                <a:solidFill>
+                  <a:schemeClr val="tx1"/>
+                </a:solidFill>
+                <a:latin typeface="Times New Roman" panose="02020603050405020304" pitchFamily="18" charset="0"/>
+                <a:cs typeface="Times New Roman" panose="02020603050405020304" pitchFamily="18" charset="0"/>
+              </a:rPr>
+              <a:t>Apesar da </a:t>
+            </a:r>
+            <a:r>
+              <a:rPr lang="pt-BR" sz="2000" b="1" dirty="0">
+                <a:solidFill>
+                  <a:srgbClr val="FF0000"/>
+                </a:solidFill>
+                <a:latin typeface="Times New Roman" panose="02020603050405020304" pitchFamily="18" charset="0"/>
+                <a:cs typeface="Times New Roman" panose="02020603050405020304" pitchFamily="18" charset="0"/>
+              </a:rPr>
+              <a:t>pinagem reduzida</a:t>
+            </a:r>
+            <a:r>
+              <a:rPr lang="pt-BR" sz="2000" dirty="0">
+                <a:solidFill>
+                  <a:schemeClr val="tx1"/>
+                </a:solidFill>
+                <a:latin typeface="Times New Roman" panose="02020603050405020304" pitchFamily="18" charset="0"/>
+                <a:cs typeface="Times New Roman" panose="02020603050405020304" pitchFamily="18" charset="0"/>
+              </a:rPr>
+              <a:t>, se comparado ao </a:t>
+            </a:r>
+            <a:r>
+              <a:rPr lang="pt-BR" sz="2000" b="1" dirty="0">
+                <a:solidFill>
+                  <a:schemeClr val="tx1"/>
+                </a:solidFill>
+                <a:latin typeface="Times New Roman" panose="02020603050405020304" pitchFamily="18" charset="0"/>
+                <a:cs typeface="Times New Roman" panose="02020603050405020304" pitchFamily="18" charset="0"/>
+              </a:rPr>
+              <a:t>Arduino Mega 2560 R3</a:t>
+            </a:r>
+            <a:r>
+              <a:rPr lang="pt-BR" sz="2000" dirty="0">
+                <a:solidFill>
+                  <a:schemeClr val="tx1"/>
+                </a:solidFill>
+                <a:latin typeface="Times New Roman" panose="02020603050405020304" pitchFamily="18" charset="0"/>
+                <a:cs typeface="Times New Roman" panose="02020603050405020304" pitchFamily="18" charset="0"/>
+              </a:rPr>
+              <a:t>, por exemplo, há no mercado diversos circuitos integrados que podem ser utilizados para expansão de entradas e saídas digitais e analógicas do </a:t>
+            </a:r>
+            <a:r>
+              <a:rPr lang="pt-BR" sz="2000" b="1" dirty="0" err="1">
+                <a:solidFill>
+                  <a:schemeClr val="tx1"/>
+                </a:solidFill>
+                <a:latin typeface="Times New Roman" panose="02020603050405020304" pitchFamily="18" charset="0"/>
+                <a:cs typeface="Times New Roman" panose="02020603050405020304" pitchFamily="18" charset="0"/>
+              </a:rPr>
+              <a:t>NodeMCU</a:t>
+            </a:r>
+            <a:r>
+              <a:rPr lang="pt-BR" sz="2000" dirty="0">
+                <a:solidFill>
+                  <a:schemeClr val="tx1"/>
+                </a:solidFill>
+                <a:latin typeface="Times New Roman" panose="02020603050405020304" pitchFamily="18" charset="0"/>
+                <a:cs typeface="Times New Roman" panose="02020603050405020304" pitchFamily="18" charset="0"/>
+              </a:rPr>
+              <a:t>. </a:t>
+            </a:r>
+          </a:p>
+          <a:p>
+            <a:pPr marL="0" indent="0" algn="just">
+              <a:buNone/>
+            </a:pPr>
+            <a:endParaRPr lang="pt-BR" sz="2000" dirty="0">
+              <a:solidFill>
+                <a:schemeClr val="tx1"/>
+              </a:solidFill>
+              <a:latin typeface="Times New Roman" panose="02020603050405020304" pitchFamily="18" charset="0"/>
+              <a:cs typeface="Times New Roman" panose="02020603050405020304" pitchFamily="18" charset="0"/>
+            </a:endParaRPr>
+          </a:p>
+          <a:p>
+            <a:pPr marL="0" indent="0" algn="just">
+              <a:buNone/>
+            </a:pPr>
+            <a:r>
+              <a:rPr lang="pt-BR" sz="2000" dirty="0">
+                <a:solidFill>
+                  <a:schemeClr val="tx1"/>
+                </a:solidFill>
+                <a:latin typeface="Times New Roman" panose="02020603050405020304" pitchFamily="18" charset="0"/>
+                <a:cs typeface="Times New Roman" panose="02020603050405020304" pitchFamily="18" charset="0"/>
+              </a:rPr>
+              <a:t>Outro fator importante a ser destacado, é que alguns </a:t>
+            </a:r>
+            <a:r>
+              <a:rPr lang="pt-BR" sz="2000" b="1" dirty="0" err="1">
+                <a:solidFill>
+                  <a:schemeClr val="tx1"/>
+                </a:solidFill>
+                <a:latin typeface="Times New Roman" panose="02020603050405020304" pitchFamily="18" charset="0"/>
+                <a:cs typeface="Times New Roman" panose="02020603050405020304" pitchFamily="18" charset="0"/>
+              </a:rPr>
+              <a:t>shields</a:t>
+            </a:r>
+            <a:r>
+              <a:rPr lang="pt-BR" sz="2000" dirty="0">
+                <a:solidFill>
+                  <a:schemeClr val="tx1"/>
+                </a:solidFill>
+                <a:latin typeface="Times New Roman" panose="02020603050405020304" pitchFamily="18" charset="0"/>
+                <a:cs typeface="Times New Roman" panose="02020603050405020304" pitchFamily="18" charset="0"/>
+              </a:rPr>
+              <a:t> e </a:t>
+            </a:r>
+            <a:r>
+              <a:rPr lang="pt-BR" sz="2000" b="1" dirty="0">
+                <a:solidFill>
+                  <a:schemeClr val="tx1"/>
+                </a:solidFill>
+                <a:latin typeface="Times New Roman" panose="02020603050405020304" pitchFamily="18" charset="0"/>
+                <a:cs typeface="Times New Roman" panose="02020603050405020304" pitchFamily="18" charset="0"/>
+              </a:rPr>
+              <a:t>módulos</a:t>
+            </a:r>
+            <a:r>
+              <a:rPr lang="pt-BR" sz="2000" dirty="0">
+                <a:solidFill>
+                  <a:schemeClr val="tx1"/>
+                </a:solidFill>
+                <a:latin typeface="Times New Roman" panose="02020603050405020304" pitchFamily="18" charset="0"/>
+                <a:cs typeface="Times New Roman" panose="02020603050405020304" pitchFamily="18" charset="0"/>
+              </a:rPr>
+              <a:t> não são compatíveis com a plataforma.</a:t>
+            </a:r>
+          </a:p>
+        </p:txBody>
+      </p:sp>
+    </p:spTree>
+    <p:extLst>
+      <p:ext uri="{BB962C8B-B14F-4D97-AF65-F5344CB8AC3E}">
+        <p14:creationId xmlns:p14="http://schemas.microsoft.com/office/powerpoint/2010/main" val="3018019248"/>
+      </p:ext>
+    </p:extLst>
+  </p:cSld>
+  <p:clrMapOvr>
+    <a:masterClrMapping/>
+  </p:clrMapOvr>
+  <p:transition spd="med"/>
+</p:sld>
+</file>
+
+<file path=ppt/slides/slide7.xml><?xml version="1.0" encoding="utf-8"?>
+<p:sld xmlns:a="http://schemas.openxmlformats.org/drawingml/2006/main" xmlns:r="http://schemas.openxmlformats.org/officeDocument/2006/relationships" xmlns:p="http://schemas.openxmlformats.org/presentationml/2006/main">
+  <p:cSld>
+    <p:spTree>
+      <p:nvGrpSpPr>
+        <p:cNvPr id="1" name=""/>
+        <p:cNvGrpSpPr/>
+        <p:nvPr/>
+      </p:nvGrpSpPr>
+      <p:grpSpPr>
+        <a:xfrm>
+          <a:off x="0" y="0"/>
+          <a:ext cx="0" cy="0"/>
+          <a:chOff x="0" y="0"/>
+          <a:chExt cx="0" cy="0"/>
+        </a:xfrm>
+      </p:grpSpPr>
+      <p:sp>
+        <p:nvSpPr>
+          <p:cNvPr id="6" name="Title 1"/>
+          <p:cNvSpPr>
+            <a:spLocks noGrp="1"/>
+          </p:cNvSpPr>
+          <p:nvPr>
+            <p:ph type="title"/>
+          </p:nvPr>
+        </p:nvSpPr>
+        <p:spPr>
+          <a:xfrm>
+            <a:off x="457200" y="205980"/>
+            <a:ext cx="8229600" cy="857251"/>
+          </a:xfrm>
+        </p:spPr>
+        <p:txBody>
+          <a:bodyPr>
+            <a:normAutofit/>
+          </a:bodyPr>
+          <a:lstStyle/>
+          <a:p>
+            <a:r>
+              <a:rPr lang="pt-BR" b="1" dirty="0">
+                <a:solidFill>
+                  <a:srgbClr val="0070C0"/>
+                </a:solidFill>
+              </a:rPr>
+              <a:t>Placa </a:t>
+            </a:r>
+            <a:r>
+              <a:rPr lang="pt-BR" b="1" dirty="0" err="1">
+                <a:solidFill>
+                  <a:srgbClr val="0070C0"/>
+                </a:solidFill>
+              </a:rPr>
+              <a:t>NodeMCU</a:t>
+            </a:r>
+            <a:endParaRPr lang="en-US" b="1" dirty="0">
+              <a:solidFill>
+                <a:srgbClr val="0070C0"/>
+              </a:solidFill>
+            </a:endParaRPr>
+          </a:p>
+        </p:txBody>
+      </p:sp>
+      <p:sp>
+        <p:nvSpPr>
+          <p:cNvPr id="8" name="Text Placeholder 2"/>
+          <p:cNvSpPr>
+            <a:spLocks noGrp="1"/>
+          </p:cNvSpPr>
+          <p:nvPr>
+            <p:ph type="body" sz="half" idx="1"/>
+          </p:nvPr>
+        </p:nvSpPr>
+        <p:spPr>
+          <a:xfrm>
+            <a:off x="142865" y="903932"/>
+            <a:ext cx="8865056" cy="4033587"/>
+          </a:xfrm>
+        </p:spPr>
+        <p:txBody>
+          <a:bodyPr>
+            <a:noAutofit/>
+          </a:bodyPr>
+          <a:lstStyle/>
+          <a:p>
+            <a:pPr marL="0" indent="0" algn="just">
+              <a:buNone/>
+            </a:pPr>
+            <a:endParaRPr lang="pt-BR" sz="2000" dirty="0">
+              <a:solidFill>
+                <a:schemeClr val="tx1"/>
+              </a:solidFill>
+              <a:latin typeface="Times New Roman" panose="02020603050405020304" pitchFamily="18" charset="0"/>
+              <a:cs typeface="Times New Roman" panose="02020603050405020304" pitchFamily="18" charset="0"/>
+            </a:endParaRPr>
+          </a:p>
+        </p:txBody>
+      </p:sp>
+      <p:pic>
+        <p:nvPicPr>
+          <p:cNvPr id="3" name="Imagem 2">
+            <a:extLst>
+              <a:ext uri="{FF2B5EF4-FFF2-40B4-BE49-F238E27FC236}">
+                <a16:creationId xmlns:a16="http://schemas.microsoft.com/office/drawing/2014/main" id="{DE2A170E-E21E-D9E4-90C8-92E2A170F046}"/>
+              </a:ext>
+            </a:extLst>
+          </p:cNvPr>
+          <p:cNvPicPr>
+            <a:picLocks noChangeAspect="1"/>
+          </p:cNvPicPr>
+          <p:nvPr/>
+        </p:nvPicPr>
+        <p:blipFill>
+          <a:blip r:embed="rId3"/>
+          <a:stretch>
+            <a:fillRect/>
+          </a:stretch>
+        </p:blipFill>
+        <p:spPr>
+          <a:xfrm>
+            <a:off x="1432102" y="984620"/>
+            <a:ext cx="5532389" cy="3952900"/>
+          </a:xfrm>
+          <a:prstGeom prst="rect">
+            <a:avLst/>
+          </a:prstGeom>
+        </p:spPr>
+      </p:pic>
+    </p:spTree>
+    <p:extLst>
+      <p:ext uri="{BB962C8B-B14F-4D97-AF65-F5344CB8AC3E}">
+        <p14:creationId xmlns:p14="http://schemas.microsoft.com/office/powerpoint/2010/main" val="867163162"/>
+      </p:ext>
+    </p:extLst>
+  </p:cSld>
+  <p:clrMapOvr>
+    <a:masterClrMapping/>
+  </p:clrMapOvr>
+  <p:transition spd="med"/>
+</p:sld>
+</file>
+
+<file path=ppt/slides/slide8.xml><?xml version="1.0" encoding="utf-8"?>
+<p:sld xmlns:a="http://schemas.openxmlformats.org/drawingml/2006/main" xmlns:r="http://schemas.openxmlformats.org/officeDocument/2006/relationships" xmlns:p="http://schemas.openxmlformats.org/presentationml/2006/main">
+  <p:cSld>
+    <p:spTree>
+      <p:nvGrpSpPr>
+        <p:cNvPr id="1" name=""/>
+        <p:cNvGrpSpPr/>
+        <p:nvPr/>
+      </p:nvGrpSpPr>
+      <p:grpSpPr>
+        <a:xfrm>
+          <a:off x="0" y="0"/>
+          <a:ext cx="0" cy="0"/>
+          <a:chOff x="0" y="0"/>
+          <a:chExt cx="0" cy="0"/>
+        </a:xfrm>
+      </p:grpSpPr>
+      <p:sp>
+        <p:nvSpPr>
+          <p:cNvPr id="6" name="Title 1"/>
+          <p:cNvSpPr>
+            <a:spLocks noGrp="1"/>
+          </p:cNvSpPr>
+          <p:nvPr>
+            <p:ph type="title"/>
+          </p:nvPr>
+        </p:nvSpPr>
+        <p:spPr>
+          <a:xfrm>
+            <a:off x="457200" y="205980"/>
+            <a:ext cx="8229600" cy="857251"/>
+          </a:xfrm>
+        </p:spPr>
+        <p:txBody>
+          <a:bodyPr>
+            <a:normAutofit/>
+          </a:bodyPr>
+          <a:lstStyle/>
+          <a:p>
+            <a:r>
+              <a:rPr lang="pt-BR" b="1" dirty="0">
+                <a:solidFill>
+                  <a:srgbClr val="0070C0"/>
+                </a:solidFill>
+              </a:rPr>
+              <a:t>Pinagem - Placa </a:t>
+            </a:r>
+            <a:r>
+              <a:rPr lang="pt-BR" b="1" dirty="0" err="1">
+                <a:solidFill>
+                  <a:srgbClr val="0070C0"/>
+                </a:solidFill>
+              </a:rPr>
+              <a:t>NodeMCU</a:t>
+            </a:r>
+            <a:endParaRPr lang="en-US" b="1" dirty="0">
+              <a:solidFill>
+                <a:srgbClr val="0070C0"/>
+              </a:solidFill>
+            </a:endParaRPr>
+          </a:p>
+        </p:txBody>
+      </p:sp>
+      <p:sp>
+        <p:nvSpPr>
+          <p:cNvPr id="8" name="Text Placeholder 2"/>
+          <p:cNvSpPr>
+            <a:spLocks noGrp="1"/>
+          </p:cNvSpPr>
+          <p:nvPr>
+            <p:ph type="body" sz="half" idx="1"/>
+          </p:nvPr>
+        </p:nvSpPr>
+        <p:spPr>
+          <a:xfrm>
+            <a:off x="142865" y="1200150"/>
+            <a:ext cx="8865056" cy="3737370"/>
+          </a:xfrm>
+        </p:spPr>
+        <p:txBody>
+          <a:bodyPr>
+            <a:noAutofit/>
+          </a:bodyPr>
+          <a:lstStyle/>
+          <a:p>
+            <a:pPr marL="0" indent="0" algn="just">
+              <a:buNone/>
+            </a:pPr>
+            <a:r>
+              <a:rPr lang="pt-BR" sz="2000" dirty="0">
+                <a:solidFill>
+                  <a:schemeClr val="tx1"/>
+                </a:solidFill>
+                <a:latin typeface="Times New Roman" panose="02020603050405020304" pitchFamily="18" charset="0"/>
+                <a:cs typeface="Times New Roman" panose="02020603050405020304" pitchFamily="18" charset="0"/>
+              </a:rPr>
+              <a:t>Os pinos digitais recebem a sigla </a:t>
+            </a:r>
+            <a:r>
+              <a:rPr lang="pt-BR" sz="2000" b="1" dirty="0">
+                <a:solidFill>
+                  <a:schemeClr val="tx1"/>
+                </a:solidFill>
+                <a:latin typeface="Times New Roman" panose="02020603050405020304" pitchFamily="18" charset="0"/>
+                <a:cs typeface="Times New Roman" panose="02020603050405020304" pitchFamily="18" charset="0"/>
+              </a:rPr>
+              <a:t>GPIO</a:t>
+            </a:r>
+            <a:r>
+              <a:rPr lang="pt-BR" sz="2000" dirty="0">
+                <a:solidFill>
+                  <a:schemeClr val="tx1"/>
+                </a:solidFill>
+                <a:latin typeface="Times New Roman" panose="02020603050405020304" pitchFamily="18" charset="0"/>
+                <a:cs typeface="Times New Roman" panose="02020603050405020304" pitchFamily="18" charset="0"/>
+              </a:rPr>
+              <a:t> (</a:t>
+            </a:r>
+            <a:r>
+              <a:rPr lang="pt-BR" sz="2000" b="1" dirty="0">
+                <a:solidFill>
+                  <a:srgbClr val="FF0000"/>
+                </a:solidFill>
+                <a:latin typeface="Times New Roman" panose="02020603050405020304" pitchFamily="18" charset="0"/>
+                <a:cs typeface="Times New Roman" panose="02020603050405020304" pitchFamily="18" charset="0"/>
+              </a:rPr>
+              <a:t>General </a:t>
+            </a:r>
+            <a:r>
+              <a:rPr lang="pt-BR" sz="2000" b="1" dirty="0" err="1">
+                <a:solidFill>
+                  <a:srgbClr val="FF0000"/>
+                </a:solidFill>
+                <a:latin typeface="Times New Roman" panose="02020603050405020304" pitchFamily="18" charset="0"/>
+                <a:cs typeface="Times New Roman" panose="02020603050405020304" pitchFamily="18" charset="0"/>
+              </a:rPr>
+              <a:t>Purpose</a:t>
+            </a:r>
+            <a:r>
+              <a:rPr lang="pt-BR" sz="2000" b="1" dirty="0">
+                <a:solidFill>
+                  <a:srgbClr val="FF0000"/>
+                </a:solidFill>
+                <a:latin typeface="Times New Roman" panose="02020603050405020304" pitchFamily="18" charset="0"/>
+                <a:cs typeface="Times New Roman" panose="02020603050405020304" pitchFamily="18" charset="0"/>
+              </a:rPr>
+              <a:t> Input/Output</a:t>
+            </a:r>
+            <a:r>
+              <a:rPr lang="pt-BR" sz="2000" dirty="0">
+                <a:solidFill>
+                  <a:schemeClr val="tx1"/>
+                </a:solidFill>
+                <a:latin typeface="Times New Roman" panose="02020603050405020304" pitchFamily="18" charset="0"/>
+                <a:cs typeface="Times New Roman" panose="02020603050405020304" pitchFamily="18" charset="0"/>
+              </a:rPr>
+              <a:t>). GPIO é basicamente um conjunto de pinos responsável por fazer a comunicação de entrada e saída de sinais digitais, recebendo funções via programação.</a:t>
+            </a:r>
+          </a:p>
+          <a:p>
+            <a:pPr marL="0" indent="0" algn="just">
+              <a:buNone/>
+            </a:pPr>
+            <a:endParaRPr lang="pt-BR" sz="2000" dirty="0">
+              <a:solidFill>
+                <a:schemeClr val="tx1"/>
+              </a:solidFill>
+              <a:latin typeface="Times New Roman" panose="02020603050405020304" pitchFamily="18" charset="0"/>
+              <a:cs typeface="Times New Roman" panose="02020603050405020304" pitchFamily="18" charset="0"/>
+            </a:endParaRPr>
+          </a:p>
+          <a:p>
+            <a:pPr marL="0" indent="0" algn="just">
+              <a:buNone/>
+            </a:pPr>
+            <a:r>
+              <a:rPr lang="pt-BR" sz="2000" dirty="0">
+                <a:solidFill>
+                  <a:schemeClr val="tx1"/>
+                </a:solidFill>
+                <a:latin typeface="Times New Roman" panose="02020603050405020304" pitchFamily="18" charset="0"/>
+                <a:cs typeface="Times New Roman" panose="02020603050405020304" pitchFamily="18" charset="0"/>
+              </a:rPr>
+              <a:t>A placa possui apenas um </a:t>
+            </a:r>
+            <a:r>
+              <a:rPr lang="pt-BR" sz="2000" b="1" dirty="0">
+                <a:solidFill>
+                  <a:schemeClr val="tx1"/>
+                </a:solidFill>
+                <a:latin typeface="Times New Roman" panose="02020603050405020304" pitchFamily="18" charset="0"/>
+                <a:cs typeface="Times New Roman" panose="02020603050405020304" pitchFamily="18" charset="0"/>
+              </a:rPr>
+              <a:t>pino analógico</a:t>
+            </a:r>
+            <a:r>
+              <a:rPr lang="pt-BR" sz="2000" dirty="0">
+                <a:solidFill>
+                  <a:schemeClr val="tx1"/>
+                </a:solidFill>
+                <a:latin typeface="Times New Roman" panose="02020603050405020304" pitchFamily="18" charset="0"/>
+                <a:cs typeface="Times New Roman" panose="02020603050405020304" pitchFamily="18" charset="0"/>
+              </a:rPr>
+              <a:t>, usado para ler valores de componentes como sensor de temperatura, sensor de gás / fumaça, sensor de álcool, potenciômetro, LDR e outros.</a:t>
+            </a:r>
+          </a:p>
+        </p:txBody>
+      </p:sp>
+    </p:spTree>
+    <p:extLst>
+      <p:ext uri="{BB962C8B-B14F-4D97-AF65-F5344CB8AC3E}">
+        <p14:creationId xmlns:p14="http://schemas.microsoft.com/office/powerpoint/2010/main" val="3709851103"/>
+      </p:ext>
+    </p:extLst>
+  </p:cSld>
+  <p:clrMapOvr>
+    <a:masterClrMapping/>
+  </p:clrMapOvr>
+  <p:transition spd="med"/>
+</p:sld>
+</file>
+
+<file path=ppt/slides/slide9.xml><?xml version="1.0" encoding="utf-8"?>
+<p:sld xmlns:a="http://schemas.openxmlformats.org/drawingml/2006/main" xmlns:r="http://schemas.openxmlformats.org/officeDocument/2006/relationships" xmlns:p="http://schemas.openxmlformats.org/presentationml/2006/main">
+  <p:cSld>
+    <p:spTree>
+      <p:nvGrpSpPr>
+        <p:cNvPr id="1" name=""/>
+        <p:cNvGrpSpPr/>
+        <p:nvPr/>
+      </p:nvGrpSpPr>
+      <p:grpSpPr>
+        <a:xfrm>
+          <a:off x="0" y="0"/>
+          <a:ext cx="0" cy="0"/>
+          <a:chOff x="0" y="0"/>
+          <a:chExt cx="0" cy="0"/>
+        </a:xfrm>
+      </p:grpSpPr>
+      <p:sp>
+        <p:nvSpPr>
+          <p:cNvPr id="6" name="Title 1"/>
+          <p:cNvSpPr>
+            <a:spLocks noGrp="1"/>
+          </p:cNvSpPr>
+          <p:nvPr>
+            <p:ph type="title"/>
+          </p:nvPr>
+        </p:nvSpPr>
+        <p:spPr>
+          <a:xfrm>
+            <a:off x="457200" y="205980"/>
+            <a:ext cx="8229600" cy="857251"/>
+          </a:xfrm>
+        </p:spPr>
+        <p:txBody>
+          <a:bodyPr>
+            <a:normAutofit/>
+          </a:bodyPr>
+          <a:lstStyle/>
+          <a:p>
+            <a:r>
+              <a:rPr lang="pt-BR" b="1" dirty="0">
+                <a:solidFill>
+                  <a:srgbClr val="0070C0"/>
+                </a:solidFill>
+              </a:rPr>
+              <a:t>Pinagem - Placa </a:t>
+            </a:r>
+            <a:r>
+              <a:rPr lang="pt-BR" b="1" dirty="0" err="1">
+                <a:solidFill>
+                  <a:srgbClr val="0070C0"/>
+                </a:solidFill>
+              </a:rPr>
+              <a:t>NodeMCU</a:t>
+            </a:r>
+            <a:endParaRPr lang="en-US" b="1" dirty="0">
+              <a:solidFill>
+                <a:srgbClr val="0070C0"/>
+              </a:solidFill>
+            </a:endParaRPr>
+          </a:p>
+        </p:txBody>
+      </p:sp>
+      <p:sp>
+        <p:nvSpPr>
+          <p:cNvPr id="8" name="Text Placeholder 2"/>
+          <p:cNvSpPr>
+            <a:spLocks noGrp="1"/>
+          </p:cNvSpPr>
+          <p:nvPr>
+            <p:ph type="body" sz="half" idx="1"/>
+          </p:nvPr>
+        </p:nvSpPr>
+        <p:spPr>
+          <a:xfrm>
+            <a:off x="142865" y="903932"/>
+            <a:ext cx="8865056" cy="4070162"/>
+          </a:xfrm>
+        </p:spPr>
+        <p:txBody>
+          <a:bodyPr>
+            <a:noAutofit/>
+          </a:bodyPr>
+          <a:lstStyle/>
+          <a:p>
+            <a:pPr marL="0" indent="0" algn="just">
+              <a:buNone/>
+            </a:pPr>
+            <a:endParaRPr lang="pt-BR" sz="2000" dirty="0">
+              <a:solidFill>
+                <a:schemeClr val="tx1"/>
+              </a:solidFill>
+              <a:latin typeface="Times New Roman" panose="02020603050405020304" pitchFamily="18" charset="0"/>
+              <a:cs typeface="Times New Roman" panose="02020603050405020304" pitchFamily="18" charset="0"/>
+            </a:endParaRPr>
+          </a:p>
+        </p:txBody>
+      </p:sp>
+      <p:pic>
+        <p:nvPicPr>
+          <p:cNvPr id="4" name="Imagem 3">
+            <a:extLst>
+              <a:ext uri="{FF2B5EF4-FFF2-40B4-BE49-F238E27FC236}">
+                <a16:creationId xmlns:a16="http://schemas.microsoft.com/office/drawing/2014/main" id="{C86C7A0F-B49D-C2FD-1A5E-047CA15A9650}"/>
+              </a:ext>
+            </a:extLst>
+          </p:cNvPr>
+          <p:cNvPicPr>
+            <a:picLocks noChangeAspect="1"/>
+          </p:cNvPicPr>
+          <p:nvPr/>
+        </p:nvPicPr>
+        <p:blipFill>
+          <a:blip r:embed="rId3"/>
+          <a:stretch>
+            <a:fillRect/>
+          </a:stretch>
+        </p:blipFill>
+        <p:spPr>
+          <a:xfrm>
+            <a:off x="2389836" y="940507"/>
+            <a:ext cx="3972472" cy="4033587"/>
+          </a:xfrm>
+          <a:prstGeom prst="rect">
+            <a:avLst/>
+          </a:prstGeom>
+        </p:spPr>
+      </p:pic>
+    </p:spTree>
+    <p:extLst>
+      <p:ext uri="{BB962C8B-B14F-4D97-AF65-F5344CB8AC3E}">
+        <p14:creationId xmlns:p14="http://schemas.microsoft.com/office/powerpoint/2010/main" val="623997285"/>
+      </p:ext>
+    </p:extLst>
   </p:cSld>
   <p:clrMapOvr>
     <a:masterClrMapping/>

--- a/01 Classes/Aula 05 - Aplicação Cloud Indústria 40 Python IoT Plataforma Nodemcu.pptx
+++ b/01 Classes/Aula 05 - Aplicação Cloud Indústria 40 Python IoT Plataforma Nodemcu.pptx
@@ -7790,7 +7790,38 @@
                 <a:latin typeface="Times New Roman" panose="02020603050405020304" pitchFamily="18" charset="0"/>
                 <a:cs typeface="Times New Roman" panose="02020603050405020304" pitchFamily="18" charset="0"/>
               </a:rPr>
-              <a:t>[1] Arduíno – Instalação e Configuração da IDE no Windows.</a:t>
+              <a:t>[1] </a:t>
+            </a:r>
+            <a:r>
+              <a:rPr lang="pt-BR" sz="2400" b="1" dirty="0">
+                <a:latin typeface="Times New Roman" panose="02020603050405020304" pitchFamily="18" charset="0"/>
+                <a:cs typeface="Times New Roman" panose="02020603050405020304" pitchFamily="18" charset="0"/>
+              </a:rPr>
+              <a:t>Arduíno</a:t>
+            </a:r>
+            <a:r>
+              <a:rPr lang="pt-BR" sz="2400" dirty="0">
+                <a:latin typeface="Times New Roman" panose="02020603050405020304" pitchFamily="18" charset="0"/>
+                <a:cs typeface="Times New Roman" panose="02020603050405020304" pitchFamily="18" charset="0"/>
+              </a:rPr>
+              <a:t> – Instalação e Configuração da </a:t>
+            </a:r>
+            <a:r>
+              <a:rPr lang="pt-BR" sz="2400" b="1" dirty="0">
+                <a:solidFill>
+                  <a:srgbClr val="FF0000"/>
+                </a:solidFill>
+                <a:latin typeface="Times New Roman" panose="02020603050405020304" pitchFamily="18" charset="0"/>
+                <a:cs typeface="Times New Roman" panose="02020603050405020304" pitchFamily="18" charset="0"/>
+              </a:rPr>
+              <a:t>IDE no Windows</a:t>
+            </a:r>
+            <a:r>
+              <a:rPr lang="pt-BR" sz="2400" dirty="0">
+                <a:latin typeface="Times New Roman" panose="02020603050405020304" pitchFamily="18" charset="0"/>
+                <a:cs typeface="Times New Roman" panose="02020603050405020304" pitchFamily="18" charset="0"/>
+              </a:rPr>
+              <a:t>.</a:t>
             </a:r>
           </a:p>
           <a:p>
@@ -7838,10 +7869,17 @@
                 <a:latin typeface="Times New Roman" panose="02020603050405020304" pitchFamily="18" charset="0"/>
                 <a:cs typeface="Times New Roman" panose="02020603050405020304" pitchFamily="18" charset="0"/>
               </a:rPr>
-              <a:t>[2] Sistema utilizando o módulo ESP8266 </a:t>
-            </a:r>
-            <a:r>
-              <a:rPr lang="pt-BR" sz="2400" dirty="0" err="1">
+              <a:t>[2] Sistema utilizando o </a:t>
+            </a:r>
+            <a:r>
+              <a:rPr lang="pt-BR" sz="2400" b="1" dirty="0">
+                <a:latin typeface="Times New Roman" panose="02020603050405020304" pitchFamily="18" charset="0"/>
+                <a:cs typeface="Times New Roman" panose="02020603050405020304" pitchFamily="18" charset="0"/>
+              </a:rPr>
+              <a:t>módulo ESP8266 </a:t>
+            </a:r>
+            <a:r>
+              <a:rPr lang="pt-BR" sz="2400" b="1" dirty="0" err="1">
                 <a:latin typeface="Times New Roman" panose="02020603050405020304" pitchFamily="18" charset="0"/>
                 <a:cs typeface="Times New Roman" panose="02020603050405020304" pitchFamily="18" charset="0"/>
               </a:rPr>
@@ -8226,7 +8264,44 @@
                 <a:latin typeface="Times New Roman" panose="02020603050405020304" pitchFamily="18" charset="0"/>
                 <a:cs typeface="Times New Roman" panose="02020603050405020304" pitchFamily="18" charset="0"/>
               </a:rPr>
-              <a:t>-- Quiz 1</a:t>
+              <a:t>-- Quiz 1 (</a:t>
+            </a:r>
+            <a:r>
+              <a:rPr lang="pt-BR" sz="2000" b="1" dirty="0">
+                <a:solidFill>
+                  <a:srgbClr val="FF0000"/>
+                </a:solidFill>
+                <a:latin typeface="Times New Roman" panose="02020603050405020304" pitchFamily="18" charset="0"/>
+                <a:cs typeface="Times New Roman" panose="02020603050405020304" pitchFamily="18" charset="0"/>
+              </a:rPr>
+              <a:t>ESP8266 </a:t>
+            </a:r>
+            <a:r>
+              <a:rPr lang="pt-BR" sz="2000" b="1" dirty="0" err="1">
+                <a:solidFill>
+                  <a:srgbClr val="FF0000"/>
+                </a:solidFill>
+                <a:latin typeface="Times New Roman" panose="02020603050405020304" pitchFamily="18" charset="0"/>
+                <a:cs typeface="Times New Roman" panose="02020603050405020304" pitchFamily="18" charset="0"/>
+              </a:rPr>
+              <a:t>Wifi</a:t>
+            </a:r>
+            <a:r>
+              <a:rPr lang="pt-BR" sz="2000" b="1" dirty="0">
+                <a:solidFill>
+                  <a:srgbClr val="FF0000"/>
+                </a:solidFill>
+                <a:latin typeface="Times New Roman" panose="02020603050405020304" pitchFamily="18" charset="0"/>
+                <a:cs typeface="Times New Roman" panose="02020603050405020304" pitchFamily="18" charset="0"/>
+              </a:rPr>
+              <a:t> Module e Arduino</a:t>
+            </a:r>
+            <a:r>
+              <a:rPr lang="pt-BR" sz="2000" b="1" dirty="0">
+                <a:latin typeface="Times New Roman" panose="02020603050405020304" pitchFamily="18" charset="0"/>
+                <a:cs typeface="Times New Roman" panose="02020603050405020304" pitchFamily="18" charset="0"/>
+              </a:rPr>
+              <a:t>)</a:t>
             </a:r>
           </a:p>
           <a:p>
@@ -8239,7 +8314,24 @@
                 <a:cs typeface="Times New Roman" panose="02020603050405020304" pitchFamily="18" charset="0"/>
                 <a:hlinkClick r:id="rId3"/>
               </a:rPr>
-              <a:t>https://engineeringinterviewquestions.com/mcqs-on-esp8266-wifi-module-answers/</a:t>
+              <a:t>https://www.sanfoundry.com/arduino-basic-questions-answers/</a:t>
+            </a:r>
+            <a:endParaRPr lang="pt-BR" sz="2000" dirty="0">
+              <a:latin typeface="Times New Roman" panose="02020603050405020304" pitchFamily="18" charset="0"/>
+              <a:cs typeface="Times New Roman" panose="02020603050405020304" pitchFamily="18" charset="0"/>
+            </a:endParaRPr>
+          </a:p>
+          <a:p>
+            <a:pPr marL="0" indent="0" algn="just">
+              <a:buNone/>
+            </a:pPr>
+            <a:r>
+              <a:rPr lang="pt-BR" sz="2000" dirty="0">
+                <a:latin typeface="Times New Roman" panose="02020603050405020304" pitchFamily="18" charset="0"/>
+                <a:cs typeface="Times New Roman" panose="02020603050405020304" pitchFamily="18" charset="0"/>
+                <a:hlinkClick r:id="rId4"/>
+              </a:rPr>
+              <a:t>https://www.sanfoundry.com/1000-arduino-questions-answers/</a:t>
             </a:r>
             <a:endParaRPr lang="pt-BR" sz="2000" dirty="0">
               <a:latin typeface="Times New Roman" panose="02020603050405020304" pitchFamily="18" charset="0"/>
@@ -8275,7 +8367,7 @@
               <a:rPr lang="pt-BR" sz="2000" dirty="0">
                 <a:latin typeface="Times New Roman" panose="02020603050405020304" pitchFamily="18" charset="0"/>
                 <a:cs typeface="Times New Roman" panose="02020603050405020304" pitchFamily="18" charset="0"/>
-                <a:hlinkClick r:id="rId4"/>
+                <a:hlinkClick r:id="rId5"/>
               </a:rPr>
               <a:t>https://iot4beginners.com/nodemcu_esp8266-quiz_1/</a:t>
             </a:r>
@@ -8313,7 +8405,7 @@
               <a:rPr lang="pt-BR" sz="2000" dirty="0">
                 <a:latin typeface="Times New Roman" panose="02020603050405020304" pitchFamily="18" charset="0"/>
                 <a:cs typeface="Times New Roman" panose="02020603050405020304" pitchFamily="18" charset="0"/>
-                <a:hlinkClick r:id="rId5"/>
+                <a:hlinkClick r:id="rId6"/>
               </a:rPr>
               <a:t>https://iot4beginners.com/nodemcu_esp8266-quiz_3/</a:t>
             </a:r>
